--- a/docs/reports/Movie_Analysis.pptx
+++ b/docs/reports/Movie_Analysis.pptx
@@ -2,10 +2,16 @@
 <file path=ppt/presentation.xml><?xml version="1.0" encoding="utf-8"?>
 <p:presentation xmlns:a="http://schemas.openxmlformats.org/drawingml/2006/main" xmlns:r="http://schemas.openxmlformats.org/officeDocument/2006/relationships" xmlns:p="http://schemas.openxmlformats.org/presentationml/2006/main" saveSubsetFonts="1" autoCompressPictures="0">
   <p:sldMasterIdLst>
-    <p:sldMasterId id="2147483648" r:id="rId1"/>
+    <p:sldMasterId id="2147483725" r:id="rId1"/>
   </p:sldMasterIdLst>
   <p:sldIdLst>
     <p:sldId id="256" r:id="rId2"/>
+    <p:sldId id="257" r:id="rId3"/>
+    <p:sldId id="262" r:id="rId4"/>
+    <p:sldId id="258" r:id="rId5"/>
+    <p:sldId id="259" r:id="rId6"/>
+    <p:sldId id="260" r:id="rId7"/>
+    <p:sldId id="261" r:id="rId8"/>
   </p:sldIdLst>
   <p:sldSz cx="12192000" cy="6858000"/>
   <p:notesSz cx="6858000" cy="9144000"/>
@@ -104,7 +110,2589 @@
       </a:defRPr>
     </a:lvl9pPr>
   </p:defaultTextStyle>
+  <p:extLst>
+    <p:ext uri="{EFAFB233-063F-42B5-8137-9DF3F51BA10A}">
+      <p15:sldGuideLst xmlns:p15="http://schemas.microsoft.com/office/powerpoint/2012/main"/>
+    </p:ext>
+  </p:extLst>
 </p:presentation>
+</file>
+
+<file path=ppt/diagrams/colors1.xml><?xml version="1.0" encoding="utf-8"?>
+<dgm:colorsDef xmlns:dgm="http://schemas.openxmlformats.org/drawingml/2006/diagram" xmlns:a="http://schemas.openxmlformats.org/drawingml/2006/main" uniqueId="urn:microsoft.com/office/officeart/2005/8/colors/accent1_2">
+  <dgm:title val=""/>
+  <dgm:desc val=""/>
+  <dgm:catLst>
+    <dgm:cat type="accent1" pri="11200"/>
+  </dgm:catLst>
+  <dgm:styleLbl name="node0">
+    <dgm:fillClrLst meth="repeat">
+      <a:schemeClr val="accent1"/>
+    </dgm:fillClrLst>
+    <dgm:linClrLst meth="repeat">
+      <a:schemeClr val="lt1"/>
+    </dgm:linClrLst>
+    <dgm:effectClrLst/>
+    <dgm:txLinClrLst/>
+    <dgm:txFillClrLst/>
+    <dgm:txEffectClrLst/>
+  </dgm:styleLbl>
+  <dgm:styleLbl name="alignNode1">
+    <dgm:fillClrLst meth="repeat">
+      <a:schemeClr val="accent1"/>
+    </dgm:fillClrLst>
+    <dgm:linClrLst meth="repeat">
+      <a:schemeClr val="accent1"/>
+    </dgm:linClrLst>
+    <dgm:effectClrLst/>
+    <dgm:txLinClrLst/>
+    <dgm:txFillClrLst/>
+    <dgm:txEffectClrLst/>
+  </dgm:styleLbl>
+  <dgm:styleLbl name="node1">
+    <dgm:fillClrLst meth="repeat">
+      <a:schemeClr val="accent1"/>
+    </dgm:fillClrLst>
+    <dgm:linClrLst meth="repeat">
+      <a:schemeClr val="lt1"/>
+    </dgm:linClrLst>
+    <dgm:effectClrLst/>
+    <dgm:txLinClrLst/>
+    <dgm:txFillClrLst/>
+    <dgm:txEffectClrLst/>
+  </dgm:styleLbl>
+  <dgm:styleLbl name="lnNode1">
+    <dgm:fillClrLst meth="repeat">
+      <a:schemeClr val="accent1"/>
+    </dgm:fillClrLst>
+    <dgm:linClrLst meth="repeat">
+      <a:schemeClr val="lt1"/>
+    </dgm:linClrLst>
+    <dgm:effectClrLst/>
+    <dgm:txLinClrLst/>
+    <dgm:txFillClrLst/>
+    <dgm:txEffectClrLst/>
+  </dgm:styleLbl>
+  <dgm:styleLbl name="vennNode1">
+    <dgm:fillClrLst meth="repeat">
+      <a:schemeClr val="accent1">
+        <a:alpha val="50000"/>
+      </a:schemeClr>
+    </dgm:fillClrLst>
+    <dgm:linClrLst meth="repeat">
+      <a:schemeClr val="lt1"/>
+    </dgm:linClrLst>
+    <dgm:effectClrLst/>
+    <dgm:txLinClrLst/>
+    <dgm:txFillClrLst/>
+    <dgm:txEffectClrLst/>
+  </dgm:styleLbl>
+  <dgm:styleLbl name="node2">
+    <dgm:fillClrLst meth="repeat">
+      <a:schemeClr val="accent1"/>
+    </dgm:fillClrLst>
+    <dgm:linClrLst meth="repeat">
+      <a:schemeClr val="lt1"/>
+    </dgm:linClrLst>
+    <dgm:effectClrLst/>
+    <dgm:txLinClrLst/>
+    <dgm:txFillClrLst/>
+    <dgm:txEffectClrLst/>
+  </dgm:styleLbl>
+  <dgm:styleLbl name="node3">
+    <dgm:fillClrLst meth="repeat">
+      <a:schemeClr val="accent1"/>
+    </dgm:fillClrLst>
+    <dgm:linClrLst meth="repeat">
+      <a:schemeClr val="lt1"/>
+    </dgm:linClrLst>
+    <dgm:effectClrLst/>
+    <dgm:txLinClrLst/>
+    <dgm:txFillClrLst/>
+    <dgm:txEffectClrLst/>
+  </dgm:styleLbl>
+  <dgm:styleLbl name="node4">
+    <dgm:fillClrLst meth="repeat">
+      <a:schemeClr val="accent1"/>
+    </dgm:fillClrLst>
+    <dgm:linClrLst meth="repeat">
+      <a:schemeClr val="lt1"/>
+    </dgm:linClrLst>
+    <dgm:effectClrLst/>
+    <dgm:txLinClrLst/>
+    <dgm:txFillClrLst/>
+    <dgm:txEffectClrLst/>
+  </dgm:styleLbl>
+  <dgm:styleLbl name="fgImgPlace1">
+    <dgm:fillClrLst meth="repeat">
+      <a:schemeClr val="accent1">
+        <a:tint val="50000"/>
+      </a:schemeClr>
+    </dgm:fillClrLst>
+    <dgm:linClrLst meth="repeat">
+      <a:schemeClr val="lt1"/>
+    </dgm:linClrLst>
+    <dgm:effectClrLst/>
+    <dgm:txLinClrLst/>
+    <dgm:txFillClrLst meth="repeat">
+      <a:schemeClr val="lt1"/>
+    </dgm:txFillClrLst>
+    <dgm:txEffectClrLst/>
+  </dgm:styleLbl>
+  <dgm:styleLbl name="alignImgPlace1">
+    <dgm:fillClrLst meth="repeat">
+      <a:schemeClr val="accent1">
+        <a:tint val="50000"/>
+      </a:schemeClr>
+    </dgm:fillClrLst>
+    <dgm:linClrLst meth="repeat">
+      <a:schemeClr val="lt1"/>
+    </dgm:linClrLst>
+    <dgm:effectClrLst/>
+    <dgm:txLinClrLst/>
+    <dgm:txFillClrLst meth="repeat">
+      <a:schemeClr val="lt1"/>
+    </dgm:txFillClrLst>
+    <dgm:txEffectClrLst/>
+  </dgm:styleLbl>
+  <dgm:styleLbl name="bgImgPlace1">
+    <dgm:fillClrLst meth="repeat">
+      <a:schemeClr val="accent1">
+        <a:tint val="50000"/>
+      </a:schemeClr>
+    </dgm:fillClrLst>
+    <dgm:linClrLst meth="repeat">
+      <a:schemeClr val="lt1"/>
+    </dgm:linClrLst>
+    <dgm:effectClrLst/>
+    <dgm:txLinClrLst/>
+    <dgm:txFillClrLst meth="repeat">
+      <a:schemeClr val="lt1"/>
+    </dgm:txFillClrLst>
+    <dgm:txEffectClrLst/>
+  </dgm:styleLbl>
+  <dgm:styleLbl name="sibTrans2D1">
+    <dgm:fillClrLst meth="repeat">
+      <a:schemeClr val="accent1">
+        <a:tint val="60000"/>
+      </a:schemeClr>
+    </dgm:fillClrLst>
+    <dgm:linClrLst meth="repeat">
+      <a:schemeClr val="accent1">
+        <a:tint val="60000"/>
+      </a:schemeClr>
+    </dgm:linClrLst>
+    <dgm:effectClrLst/>
+    <dgm:txLinClrLst/>
+    <dgm:txFillClrLst/>
+    <dgm:txEffectClrLst/>
+  </dgm:styleLbl>
+  <dgm:styleLbl name="fgSibTrans2D1">
+    <dgm:fillClrLst meth="repeat">
+      <a:schemeClr val="accent1">
+        <a:tint val="60000"/>
+      </a:schemeClr>
+    </dgm:fillClrLst>
+    <dgm:linClrLst meth="repeat">
+      <a:schemeClr val="accent1">
+        <a:tint val="60000"/>
+      </a:schemeClr>
+    </dgm:linClrLst>
+    <dgm:effectClrLst/>
+    <dgm:txLinClrLst/>
+    <dgm:txFillClrLst/>
+    <dgm:txEffectClrLst/>
+  </dgm:styleLbl>
+  <dgm:styleLbl name="bgSibTrans2D1">
+    <dgm:fillClrLst meth="repeat">
+      <a:schemeClr val="accent1">
+        <a:tint val="60000"/>
+      </a:schemeClr>
+    </dgm:fillClrLst>
+    <dgm:linClrLst meth="repeat">
+      <a:schemeClr val="accent1">
+        <a:tint val="60000"/>
+      </a:schemeClr>
+    </dgm:linClrLst>
+    <dgm:effectClrLst/>
+    <dgm:txLinClrLst/>
+    <dgm:txFillClrLst/>
+    <dgm:txEffectClrLst/>
+  </dgm:styleLbl>
+  <dgm:styleLbl name="sibTrans1D1">
+    <dgm:fillClrLst meth="repeat">
+      <a:schemeClr val="accent1"/>
+    </dgm:fillClrLst>
+    <dgm:linClrLst meth="repeat">
+      <a:schemeClr val="accent1"/>
+    </dgm:linClrLst>
+    <dgm:effectClrLst/>
+    <dgm:txLinClrLst/>
+    <dgm:txFillClrLst meth="repeat">
+      <a:schemeClr val="tx1"/>
+    </dgm:txFillClrLst>
+    <dgm:txEffectClrLst/>
+  </dgm:styleLbl>
+  <dgm:styleLbl name="callout">
+    <dgm:fillClrLst meth="repeat">
+      <a:schemeClr val="accent1"/>
+    </dgm:fillClrLst>
+    <dgm:linClrLst meth="repeat">
+      <a:schemeClr val="accent1">
+        <a:tint val="50000"/>
+      </a:schemeClr>
+    </dgm:linClrLst>
+    <dgm:effectClrLst/>
+    <dgm:txLinClrLst/>
+    <dgm:txFillClrLst meth="repeat">
+      <a:schemeClr val="tx1"/>
+    </dgm:txFillClrLst>
+    <dgm:txEffectClrLst/>
+  </dgm:styleLbl>
+  <dgm:styleLbl name="asst0">
+    <dgm:fillClrLst meth="repeat">
+      <a:schemeClr val="accent1"/>
+    </dgm:fillClrLst>
+    <dgm:linClrLst meth="repeat">
+      <a:schemeClr val="lt1"/>
+    </dgm:linClrLst>
+    <dgm:effectClrLst/>
+    <dgm:txLinClrLst/>
+    <dgm:txFillClrLst/>
+    <dgm:txEffectClrLst/>
+  </dgm:styleLbl>
+  <dgm:styleLbl name="asst1">
+    <dgm:fillClrLst meth="repeat">
+      <a:schemeClr val="accent1"/>
+    </dgm:fillClrLst>
+    <dgm:linClrLst meth="repeat">
+      <a:schemeClr val="lt1"/>
+    </dgm:linClrLst>
+    <dgm:effectClrLst/>
+    <dgm:txLinClrLst/>
+    <dgm:txFillClrLst/>
+    <dgm:txEffectClrLst/>
+  </dgm:styleLbl>
+  <dgm:styleLbl name="asst2">
+    <dgm:fillClrLst meth="repeat">
+      <a:schemeClr val="accent1"/>
+    </dgm:fillClrLst>
+    <dgm:linClrLst meth="repeat">
+      <a:schemeClr val="lt1"/>
+    </dgm:linClrLst>
+    <dgm:effectClrLst/>
+    <dgm:txLinClrLst/>
+    <dgm:txFillClrLst/>
+    <dgm:txEffectClrLst/>
+  </dgm:styleLbl>
+  <dgm:styleLbl name="asst3">
+    <dgm:fillClrLst meth="repeat">
+      <a:schemeClr val="accent1"/>
+    </dgm:fillClrLst>
+    <dgm:linClrLst meth="repeat">
+      <a:schemeClr val="lt1"/>
+    </dgm:linClrLst>
+    <dgm:effectClrLst/>
+    <dgm:txLinClrLst/>
+    <dgm:txFillClrLst/>
+    <dgm:txEffectClrLst/>
+  </dgm:styleLbl>
+  <dgm:styleLbl name="asst4">
+    <dgm:fillClrLst meth="repeat">
+      <a:schemeClr val="accent1"/>
+    </dgm:fillClrLst>
+    <dgm:linClrLst meth="repeat">
+      <a:schemeClr val="lt1"/>
+    </dgm:linClrLst>
+    <dgm:effectClrLst/>
+    <dgm:txLinClrLst/>
+    <dgm:txFillClrLst/>
+    <dgm:txEffectClrLst/>
+  </dgm:styleLbl>
+  <dgm:styleLbl name="parChTrans2D1">
+    <dgm:fillClrLst meth="repeat">
+      <a:schemeClr val="accent1">
+        <a:tint val="60000"/>
+      </a:schemeClr>
+    </dgm:fillClrLst>
+    <dgm:linClrLst meth="repeat">
+      <a:schemeClr val="accent1">
+        <a:tint val="60000"/>
+      </a:schemeClr>
+    </dgm:linClrLst>
+    <dgm:effectClrLst/>
+    <dgm:txLinClrLst/>
+    <dgm:txFillClrLst meth="repeat">
+      <a:schemeClr val="lt1"/>
+    </dgm:txFillClrLst>
+    <dgm:txEffectClrLst/>
+  </dgm:styleLbl>
+  <dgm:styleLbl name="parChTrans2D2">
+    <dgm:fillClrLst meth="repeat">
+      <a:schemeClr val="accent1"/>
+    </dgm:fillClrLst>
+    <dgm:linClrLst meth="repeat">
+      <a:schemeClr val="accent1"/>
+    </dgm:linClrLst>
+    <dgm:effectClrLst/>
+    <dgm:txLinClrLst/>
+    <dgm:txFillClrLst meth="repeat">
+      <a:schemeClr val="lt1"/>
+    </dgm:txFillClrLst>
+    <dgm:txEffectClrLst/>
+  </dgm:styleLbl>
+  <dgm:styleLbl name="parChTrans2D3">
+    <dgm:fillClrLst meth="repeat">
+      <a:schemeClr val="accent1"/>
+    </dgm:fillClrLst>
+    <dgm:linClrLst meth="repeat">
+      <a:schemeClr val="accent1"/>
+    </dgm:linClrLst>
+    <dgm:effectClrLst/>
+    <dgm:txLinClrLst/>
+    <dgm:txFillClrLst meth="repeat">
+      <a:schemeClr val="lt1"/>
+    </dgm:txFillClrLst>
+    <dgm:txEffectClrLst/>
+  </dgm:styleLbl>
+  <dgm:styleLbl name="parChTrans2D4">
+    <dgm:fillClrLst meth="repeat">
+      <a:schemeClr val="accent1"/>
+    </dgm:fillClrLst>
+    <dgm:linClrLst meth="repeat">
+      <a:schemeClr val="accent1"/>
+    </dgm:linClrLst>
+    <dgm:effectClrLst/>
+    <dgm:txLinClrLst/>
+    <dgm:txFillClrLst meth="repeat">
+      <a:schemeClr val="lt1"/>
+    </dgm:txFillClrLst>
+    <dgm:txEffectClrLst/>
+  </dgm:styleLbl>
+  <dgm:styleLbl name="parChTrans1D1">
+    <dgm:fillClrLst meth="repeat">
+      <a:schemeClr val="accent1"/>
+    </dgm:fillClrLst>
+    <dgm:linClrLst meth="repeat">
+      <a:schemeClr val="accent1">
+        <a:shade val="60000"/>
+      </a:schemeClr>
+    </dgm:linClrLst>
+    <dgm:effectClrLst/>
+    <dgm:txLinClrLst/>
+    <dgm:txFillClrLst meth="repeat">
+      <a:schemeClr val="tx1"/>
+    </dgm:txFillClrLst>
+    <dgm:txEffectClrLst/>
+  </dgm:styleLbl>
+  <dgm:styleLbl name="parChTrans1D2">
+    <dgm:fillClrLst meth="repeat">
+      <a:schemeClr val="accent1"/>
+    </dgm:fillClrLst>
+    <dgm:linClrLst meth="repeat">
+      <a:schemeClr val="accent1">
+        <a:shade val="60000"/>
+      </a:schemeClr>
+    </dgm:linClrLst>
+    <dgm:effectClrLst/>
+    <dgm:txLinClrLst/>
+    <dgm:txFillClrLst meth="repeat">
+      <a:schemeClr val="tx1"/>
+    </dgm:txFillClrLst>
+    <dgm:txEffectClrLst/>
+  </dgm:styleLbl>
+  <dgm:styleLbl name="parChTrans1D3">
+    <dgm:fillClrLst meth="repeat">
+      <a:schemeClr val="accent1"/>
+    </dgm:fillClrLst>
+    <dgm:linClrLst meth="repeat">
+      <a:schemeClr val="accent1">
+        <a:shade val="80000"/>
+      </a:schemeClr>
+    </dgm:linClrLst>
+    <dgm:effectClrLst/>
+    <dgm:txLinClrLst/>
+    <dgm:txFillClrLst meth="repeat">
+      <a:schemeClr val="tx1"/>
+    </dgm:txFillClrLst>
+    <dgm:txEffectClrLst/>
+  </dgm:styleLbl>
+  <dgm:styleLbl name="parChTrans1D4">
+    <dgm:fillClrLst meth="repeat">
+      <a:schemeClr val="accent1"/>
+    </dgm:fillClrLst>
+    <dgm:linClrLst meth="repeat">
+      <a:schemeClr val="accent1">
+        <a:shade val="80000"/>
+      </a:schemeClr>
+    </dgm:linClrLst>
+    <dgm:effectClrLst/>
+    <dgm:txLinClrLst/>
+    <dgm:txFillClrLst meth="repeat">
+      <a:schemeClr val="tx1"/>
+    </dgm:txFillClrLst>
+    <dgm:txEffectClrLst/>
+  </dgm:styleLbl>
+  <dgm:styleLbl name="fgAcc1">
+    <dgm:fillClrLst meth="repeat">
+      <a:schemeClr val="lt1">
+        <a:alpha val="90000"/>
+      </a:schemeClr>
+    </dgm:fillClrLst>
+    <dgm:linClrLst meth="repeat">
+      <a:schemeClr val="accent1"/>
+    </dgm:linClrLst>
+    <dgm:effectClrLst/>
+    <dgm:txLinClrLst/>
+    <dgm:txFillClrLst meth="repeat">
+      <a:schemeClr val="dk1"/>
+    </dgm:txFillClrLst>
+    <dgm:txEffectClrLst/>
+  </dgm:styleLbl>
+  <dgm:styleLbl name="conFgAcc1">
+    <dgm:fillClrLst meth="repeat">
+      <a:schemeClr val="lt1">
+        <a:alpha val="90000"/>
+      </a:schemeClr>
+    </dgm:fillClrLst>
+    <dgm:linClrLst meth="repeat">
+      <a:schemeClr val="accent1"/>
+    </dgm:linClrLst>
+    <dgm:effectClrLst/>
+    <dgm:txLinClrLst/>
+    <dgm:txFillClrLst meth="repeat">
+      <a:schemeClr val="dk1"/>
+    </dgm:txFillClrLst>
+    <dgm:txEffectClrLst/>
+  </dgm:styleLbl>
+  <dgm:styleLbl name="alignAcc1">
+    <dgm:fillClrLst meth="repeat">
+      <a:schemeClr val="lt1">
+        <a:alpha val="90000"/>
+      </a:schemeClr>
+    </dgm:fillClrLst>
+    <dgm:linClrLst meth="repeat">
+      <a:schemeClr val="accent1"/>
+    </dgm:linClrLst>
+    <dgm:effectClrLst/>
+    <dgm:txLinClrLst/>
+    <dgm:txFillClrLst meth="repeat">
+      <a:schemeClr val="dk1"/>
+    </dgm:txFillClrLst>
+    <dgm:txEffectClrLst/>
+  </dgm:styleLbl>
+  <dgm:styleLbl name="trAlignAcc1">
+    <dgm:fillClrLst meth="repeat">
+      <a:schemeClr val="lt1">
+        <a:alpha val="40000"/>
+      </a:schemeClr>
+    </dgm:fillClrLst>
+    <dgm:linClrLst meth="repeat">
+      <a:schemeClr val="accent1"/>
+    </dgm:linClrLst>
+    <dgm:effectClrLst/>
+    <dgm:txLinClrLst/>
+    <dgm:txFillClrLst meth="repeat">
+      <a:schemeClr val="dk1"/>
+    </dgm:txFillClrLst>
+    <dgm:txEffectClrLst/>
+  </dgm:styleLbl>
+  <dgm:styleLbl name="bgAcc1">
+    <dgm:fillClrLst meth="repeat">
+      <a:schemeClr val="lt1">
+        <a:alpha val="90000"/>
+      </a:schemeClr>
+    </dgm:fillClrLst>
+    <dgm:linClrLst meth="repeat">
+      <a:schemeClr val="accent1"/>
+    </dgm:linClrLst>
+    <dgm:effectClrLst/>
+    <dgm:txLinClrLst/>
+    <dgm:txFillClrLst meth="repeat">
+      <a:schemeClr val="dk1"/>
+    </dgm:txFillClrLst>
+    <dgm:txEffectClrLst/>
+  </dgm:styleLbl>
+  <dgm:styleLbl name="solidFgAcc1">
+    <dgm:fillClrLst meth="repeat">
+      <a:schemeClr val="lt1"/>
+    </dgm:fillClrLst>
+    <dgm:linClrLst meth="repeat">
+      <a:schemeClr val="accent1"/>
+    </dgm:linClrLst>
+    <dgm:effectClrLst/>
+    <dgm:txLinClrLst/>
+    <dgm:txFillClrLst meth="repeat">
+      <a:schemeClr val="dk1"/>
+    </dgm:txFillClrLst>
+    <dgm:txEffectClrLst/>
+  </dgm:styleLbl>
+  <dgm:styleLbl name="solidAlignAcc1">
+    <dgm:fillClrLst meth="repeat">
+      <a:schemeClr val="lt1"/>
+    </dgm:fillClrLst>
+    <dgm:linClrLst meth="repeat">
+      <a:schemeClr val="accent1"/>
+    </dgm:linClrLst>
+    <dgm:effectClrLst/>
+    <dgm:txLinClrLst/>
+    <dgm:txFillClrLst meth="repeat">
+      <a:schemeClr val="dk1"/>
+    </dgm:txFillClrLst>
+    <dgm:txEffectClrLst/>
+  </dgm:styleLbl>
+  <dgm:styleLbl name="solidBgAcc1">
+    <dgm:fillClrLst meth="repeat">
+      <a:schemeClr val="lt1"/>
+    </dgm:fillClrLst>
+    <dgm:linClrLst meth="repeat">
+      <a:schemeClr val="accent1"/>
+    </dgm:linClrLst>
+    <dgm:effectClrLst/>
+    <dgm:txLinClrLst/>
+    <dgm:txFillClrLst meth="repeat">
+      <a:schemeClr val="dk1"/>
+    </dgm:txFillClrLst>
+    <dgm:txEffectClrLst/>
+  </dgm:styleLbl>
+  <dgm:styleLbl name="fgAccFollowNode1">
+    <dgm:fillClrLst meth="repeat">
+      <a:schemeClr val="accent1">
+        <a:alpha val="90000"/>
+        <a:tint val="40000"/>
+      </a:schemeClr>
+    </dgm:fillClrLst>
+    <dgm:linClrLst meth="repeat">
+      <a:schemeClr val="accent1">
+        <a:alpha val="90000"/>
+        <a:tint val="40000"/>
+      </a:schemeClr>
+    </dgm:linClrLst>
+    <dgm:effectClrLst/>
+    <dgm:txLinClrLst/>
+    <dgm:txFillClrLst meth="repeat">
+      <a:schemeClr val="dk1"/>
+    </dgm:txFillClrLst>
+    <dgm:txEffectClrLst/>
+  </dgm:styleLbl>
+  <dgm:styleLbl name="alignAccFollowNode1">
+    <dgm:fillClrLst meth="repeat">
+      <a:schemeClr val="accent1">
+        <a:alpha val="90000"/>
+        <a:tint val="40000"/>
+      </a:schemeClr>
+    </dgm:fillClrLst>
+    <dgm:linClrLst meth="repeat">
+      <a:schemeClr val="accent1">
+        <a:alpha val="90000"/>
+        <a:tint val="40000"/>
+      </a:schemeClr>
+    </dgm:linClrLst>
+    <dgm:effectClrLst/>
+    <dgm:txLinClrLst/>
+    <dgm:txFillClrLst meth="repeat">
+      <a:schemeClr val="dk1"/>
+    </dgm:txFillClrLst>
+    <dgm:txEffectClrLst/>
+  </dgm:styleLbl>
+  <dgm:styleLbl name="bgAccFollowNode1">
+    <dgm:fillClrLst meth="repeat">
+      <a:schemeClr val="accent1">
+        <a:alpha val="90000"/>
+        <a:tint val="40000"/>
+      </a:schemeClr>
+    </dgm:fillClrLst>
+    <dgm:linClrLst meth="repeat">
+      <a:schemeClr val="accent1">
+        <a:alpha val="90000"/>
+        <a:tint val="40000"/>
+      </a:schemeClr>
+    </dgm:linClrLst>
+    <dgm:effectClrLst/>
+    <dgm:txLinClrLst/>
+    <dgm:txFillClrLst meth="repeat">
+      <a:schemeClr val="dk1"/>
+    </dgm:txFillClrLst>
+    <dgm:txEffectClrLst/>
+  </dgm:styleLbl>
+  <dgm:styleLbl name="fgAcc0">
+    <dgm:fillClrLst meth="repeat">
+      <a:schemeClr val="lt1">
+        <a:alpha val="90000"/>
+      </a:schemeClr>
+    </dgm:fillClrLst>
+    <dgm:linClrLst meth="repeat">
+      <a:schemeClr val="accent1"/>
+    </dgm:linClrLst>
+    <dgm:effectClrLst/>
+    <dgm:txLinClrLst/>
+    <dgm:txFillClrLst meth="repeat">
+      <a:schemeClr val="dk1"/>
+    </dgm:txFillClrLst>
+    <dgm:txEffectClrLst/>
+  </dgm:styleLbl>
+  <dgm:styleLbl name="fgAcc2">
+    <dgm:fillClrLst meth="repeat">
+      <a:schemeClr val="lt1">
+        <a:alpha val="90000"/>
+      </a:schemeClr>
+    </dgm:fillClrLst>
+    <dgm:linClrLst meth="repeat">
+      <a:schemeClr val="accent1"/>
+    </dgm:linClrLst>
+    <dgm:effectClrLst/>
+    <dgm:txLinClrLst/>
+    <dgm:txFillClrLst meth="repeat">
+      <a:schemeClr val="dk1"/>
+    </dgm:txFillClrLst>
+    <dgm:txEffectClrLst/>
+  </dgm:styleLbl>
+  <dgm:styleLbl name="fgAcc3">
+    <dgm:fillClrLst meth="repeat">
+      <a:schemeClr val="lt1">
+        <a:alpha val="90000"/>
+      </a:schemeClr>
+    </dgm:fillClrLst>
+    <dgm:linClrLst meth="repeat">
+      <a:schemeClr val="accent1"/>
+    </dgm:linClrLst>
+    <dgm:effectClrLst/>
+    <dgm:txLinClrLst/>
+    <dgm:txFillClrLst meth="repeat">
+      <a:schemeClr val="dk1"/>
+    </dgm:txFillClrLst>
+    <dgm:txEffectClrLst/>
+  </dgm:styleLbl>
+  <dgm:styleLbl name="fgAcc4">
+    <dgm:fillClrLst meth="repeat">
+      <a:schemeClr val="lt1">
+        <a:alpha val="90000"/>
+      </a:schemeClr>
+    </dgm:fillClrLst>
+    <dgm:linClrLst meth="repeat">
+      <a:schemeClr val="accent1"/>
+    </dgm:linClrLst>
+    <dgm:effectClrLst/>
+    <dgm:txLinClrLst/>
+    <dgm:txFillClrLst meth="repeat">
+      <a:schemeClr val="dk1"/>
+    </dgm:txFillClrLst>
+    <dgm:txEffectClrLst/>
+  </dgm:styleLbl>
+  <dgm:styleLbl name="bgShp">
+    <dgm:fillClrLst meth="repeat">
+      <a:schemeClr val="accent1">
+        <a:tint val="40000"/>
+      </a:schemeClr>
+    </dgm:fillClrLst>
+    <dgm:linClrLst meth="repeat">
+      <a:schemeClr val="accent1"/>
+    </dgm:linClrLst>
+    <dgm:effectClrLst/>
+    <dgm:txLinClrLst/>
+    <dgm:txFillClrLst meth="repeat">
+      <a:schemeClr val="dk1"/>
+    </dgm:txFillClrLst>
+    <dgm:txEffectClrLst/>
+  </dgm:styleLbl>
+  <dgm:styleLbl name="dkBgShp">
+    <dgm:fillClrLst meth="repeat">
+      <a:schemeClr val="accent1">
+        <a:shade val="80000"/>
+      </a:schemeClr>
+    </dgm:fillClrLst>
+    <dgm:linClrLst meth="repeat">
+      <a:schemeClr val="accent1"/>
+    </dgm:linClrLst>
+    <dgm:effectClrLst/>
+    <dgm:txLinClrLst/>
+    <dgm:txFillClrLst meth="repeat">
+      <a:schemeClr val="lt1"/>
+    </dgm:txFillClrLst>
+    <dgm:txEffectClrLst/>
+  </dgm:styleLbl>
+  <dgm:styleLbl name="trBgShp">
+    <dgm:fillClrLst meth="repeat">
+      <a:schemeClr val="accent1">
+        <a:tint val="50000"/>
+        <a:alpha val="40000"/>
+      </a:schemeClr>
+    </dgm:fillClrLst>
+    <dgm:linClrLst meth="repeat">
+      <a:schemeClr val="accent1"/>
+    </dgm:linClrLst>
+    <dgm:effectClrLst/>
+    <dgm:txLinClrLst/>
+    <dgm:txFillClrLst meth="repeat">
+      <a:schemeClr val="lt1"/>
+    </dgm:txFillClrLst>
+    <dgm:txEffectClrLst/>
+  </dgm:styleLbl>
+  <dgm:styleLbl name="fgShp">
+    <dgm:fillClrLst meth="repeat">
+      <a:schemeClr val="accent1">
+        <a:tint val="60000"/>
+      </a:schemeClr>
+    </dgm:fillClrLst>
+    <dgm:linClrLst meth="repeat">
+      <a:schemeClr val="lt1"/>
+    </dgm:linClrLst>
+    <dgm:effectClrLst/>
+    <dgm:txLinClrLst/>
+    <dgm:txFillClrLst meth="repeat">
+      <a:schemeClr val="dk1"/>
+    </dgm:txFillClrLst>
+    <dgm:txEffectClrLst/>
+  </dgm:styleLbl>
+  <dgm:styleLbl name="revTx">
+    <dgm:fillClrLst meth="repeat">
+      <a:schemeClr val="lt1">
+        <a:alpha val="0"/>
+      </a:schemeClr>
+    </dgm:fillClrLst>
+    <dgm:linClrLst meth="repeat">
+      <a:schemeClr val="dk1">
+        <a:alpha val="0"/>
+      </a:schemeClr>
+    </dgm:linClrLst>
+    <dgm:effectClrLst/>
+    <dgm:txLinClrLst/>
+    <dgm:txFillClrLst meth="repeat">
+      <a:schemeClr val="tx1"/>
+    </dgm:txFillClrLst>
+    <dgm:txEffectClrLst/>
+  </dgm:styleLbl>
+</dgm:colorsDef>
+</file>
+
+<file path=ppt/diagrams/data1.xml><?xml version="1.0" encoding="utf-8"?>
+<dgm:dataModel xmlns:dgm="http://schemas.openxmlformats.org/drawingml/2006/diagram" xmlns:a="http://schemas.openxmlformats.org/drawingml/2006/main">
+  <dgm:ptLst>
+    <dgm:pt modelId="{0E548232-B95F-4152-9D23-B5C356B268AD}" type="doc">
+      <dgm:prSet loTypeId="urn:microsoft.com/office/officeart/2018/2/layout/IconCircleList" loCatId="icon" qsTypeId="urn:microsoft.com/office/officeart/2005/8/quickstyle/simple1" qsCatId="simple" csTypeId="urn:microsoft.com/office/officeart/2005/8/colors/accent1_2" csCatId="accent1" phldr="1"/>
+      <dgm:spPr/>
+      <dgm:t>
+        <a:bodyPr/>
+        <a:lstStyle/>
+        <a:p>
+          <a:endParaRPr lang="en-US"/>
+        </a:p>
+      </dgm:t>
+    </dgm:pt>
+    <dgm:pt modelId="{6D1D5993-3134-425D-B127-A256D56BEC16}">
+      <dgm:prSet/>
+      <dgm:spPr/>
+      <dgm:t>
+        <a:bodyPr/>
+        <a:lstStyle/>
+        <a:p>
+          <a:pPr>
+            <a:lnSpc>
+              <a:spcPct val="100000"/>
+            </a:lnSpc>
+          </a:pPr>
+          <a:r>
+            <a:rPr lang="en-GB"/>
+            <a:t>After a series of recent Box Office Flops its time for our Studio to better our understanding of our industry</a:t>
+          </a:r>
+          <a:endParaRPr lang="en-US"/>
+        </a:p>
+      </dgm:t>
+    </dgm:pt>
+    <dgm:pt modelId="{3109BCEC-8766-48D7-9822-145419B8083E}" type="parTrans" cxnId="{E4F807E5-0A66-42BF-9416-12E4C1CF2D07}">
+      <dgm:prSet/>
+      <dgm:spPr/>
+      <dgm:t>
+        <a:bodyPr/>
+        <a:lstStyle/>
+        <a:p>
+          <a:endParaRPr lang="en-US"/>
+        </a:p>
+      </dgm:t>
+    </dgm:pt>
+    <dgm:pt modelId="{F44C8A29-64A3-4826-86BA-50080B1F4E3C}" type="sibTrans" cxnId="{E4F807E5-0A66-42BF-9416-12E4C1CF2D07}">
+      <dgm:prSet/>
+      <dgm:spPr/>
+      <dgm:t>
+        <a:bodyPr/>
+        <a:lstStyle/>
+        <a:p>
+          <a:pPr>
+            <a:lnSpc>
+              <a:spcPct val="100000"/>
+            </a:lnSpc>
+          </a:pPr>
+          <a:endParaRPr lang="en-US"/>
+        </a:p>
+      </dgm:t>
+    </dgm:pt>
+    <dgm:pt modelId="{295C07CC-45DF-4A27-B14F-4B3D5004AF4B}">
+      <dgm:prSet/>
+      <dgm:spPr/>
+      <dgm:t>
+        <a:bodyPr/>
+        <a:lstStyle/>
+        <a:p>
+          <a:pPr>
+            <a:lnSpc>
+              <a:spcPct val="100000"/>
+            </a:lnSpc>
+          </a:pPr>
+          <a:r>
+            <a:rPr lang="en-GB"/>
+            <a:t>U</a:t>
+          </a:r>
+          <a:r>
+            <a:rPr lang="en-NL"/>
+            <a:t>sing our Database of containing 5,000 movies (about a 1% sample of the total IMDB database) we explore Industry Trends and where to go from here.</a:t>
+          </a:r>
+          <a:endParaRPr lang="en-US"/>
+        </a:p>
+      </dgm:t>
+    </dgm:pt>
+    <dgm:pt modelId="{5EF18A4B-FDF0-40CC-AC66-F096E2BFBC8C}" type="parTrans" cxnId="{8199F86C-5DE1-4100-9294-4F9B6FA0D8DC}">
+      <dgm:prSet/>
+      <dgm:spPr/>
+      <dgm:t>
+        <a:bodyPr/>
+        <a:lstStyle/>
+        <a:p>
+          <a:endParaRPr lang="en-US"/>
+        </a:p>
+      </dgm:t>
+    </dgm:pt>
+    <dgm:pt modelId="{062DDB6D-8E96-4EA4-A283-6E672B5EF051}" type="sibTrans" cxnId="{8199F86C-5DE1-4100-9294-4F9B6FA0D8DC}">
+      <dgm:prSet/>
+      <dgm:spPr/>
+      <dgm:t>
+        <a:bodyPr/>
+        <a:lstStyle/>
+        <a:p>
+          <a:endParaRPr lang="en-US"/>
+        </a:p>
+      </dgm:t>
+    </dgm:pt>
+    <dgm:pt modelId="{DFF87344-16B8-43C3-B502-D971FBC8EAEB}" type="pres">
+      <dgm:prSet presAssocID="{0E548232-B95F-4152-9D23-B5C356B268AD}" presName="root" presStyleCnt="0">
+        <dgm:presLayoutVars>
+          <dgm:dir/>
+          <dgm:resizeHandles val="exact"/>
+        </dgm:presLayoutVars>
+      </dgm:prSet>
+      <dgm:spPr/>
+    </dgm:pt>
+    <dgm:pt modelId="{FAF8C614-9AF3-46B9-96DA-54FA05C84396}" type="pres">
+      <dgm:prSet presAssocID="{0E548232-B95F-4152-9D23-B5C356B268AD}" presName="container" presStyleCnt="0">
+        <dgm:presLayoutVars>
+          <dgm:dir/>
+          <dgm:resizeHandles val="exact"/>
+        </dgm:presLayoutVars>
+      </dgm:prSet>
+      <dgm:spPr/>
+    </dgm:pt>
+    <dgm:pt modelId="{2745FA09-D44B-4960-8A18-C812F7AC4913}" type="pres">
+      <dgm:prSet presAssocID="{6D1D5993-3134-425D-B127-A256D56BEC16}" presName="compNode" presStyleCnt="0"/>
+      <dgm:spPr/>
+    </dgm:pt>
+    <dgm:pt modelId="{C02D7B7D-5498-4B4D-91D2-D7C708934B81}" type="pres">
+      <dgm:prSet presAssocID="{6D1D5993-3134-425D-B127-A256D56BEC16}" presName="iconBgRect" presStyleLbl="bgShp" presStyleIdx="0" presStyleCnt="2"/>
+      <dgm:spPr/>
+    </dgm:pt>
+    <dgm:pt modelId="{3D6D670E-58DF-4809-B068-9E17A0BF7BBB}" type="pres">
+      <dgm:prSet presAssocID="{6D1D5993-3134-425D-B127-A256D56BEC16}" presName="iconRect" presStyleLbl="node1" presStyleIdx="0" presStyleCnt="2"/>
+      <dgm:spPr>
+        <a:blipFill>
+          <a:blip xmlns:r="http://schemas.openxmlformats.org/officeDocument/2006/relationships" r:embed="rId1">
+            <a:extLst>
+              <a:ext uri="{28A0092B-C50C-407E-A947-70E740481C1C}">
+                <a14:useLocalDpi xmlns:a14="http://schemas.microsoft.com/office/drawing/2010/main" val="0"/>
+              </a:ext>
+              <a:ext uri="{96DAC541-7B7A-43D3-8B79-37D633B846F1}">
+                <asvg:svgBlip xmlns:asvg="http://schemas.microsoft.com/office/drawing/2016/SVG/main" r:embed="rId2"/>
+              </a:ext>
+            </a:extLst>
+          </a:blip>
+          <a:stretch>
+            <a:fillRect/>
+          </a:stretch>
+        </a:blipFill>
+      </dgm:spPr>
+      <dgm:extLst>
+        <a:ext uri="{E40237B7-FDA0-4F09-8148-C483321AD2D9}">
+          <dgm14:cNvPr xmlns:dgm14="http://schemas.microsoft.com/office/drawing/2010/diagram" id="0" name="" descr="Video camera"/>
+        </a:ext>
+      </dgm:extLst>
+    </dgm:pt>
+    <dgm:pt modelId="{169EF1EB-7471-4B19-AE66-564D93609AAB}" type="pres">
+      <dgm:prSet presAssocID="{6D1D5993-3134-425D-B127-A256D56BEC16}" presName="spaceRect" presStyleCnt="0"/>
+      <dgm:spPr/>
+    </dgm:pt>
+    <dgm:pt modelId="{042417A7-0D8C-41AD-B9F0-950818036EB7}" type="pres">
+      <dgm:prSet presAssocID="{6D1D5993-3134-425D-B127-A256D56BEC16}" presName="textRect" presStyleLbl="revTx" presStyleIdx="0" presStyleCnt="2">
+        <dgm:presLayoutVars>
+          <dgm:chMax val="1"/>
+          <dgm:chPref val="1"/>
+        </dgm:presLayoutVars>
+      </dgm:prSet>
+      <dgm:spPr/>
+    </dgm:pt>
+    <dgm:pt modelId="{95BBADF0-264A-4809-8538-8E6C525A96A9}" type="pres">
+      <dgm:prSet presAssocID="{F44C8A29-64A3-4826-86BA-50080B1F4E3C}" presName="sibTrans" presStyleLbl="sibTrans2D1" presStyleIdx="0" presStyleCnt="0"/>
+      <dgm:spPr/>
+    </dgm:pt>
+    <dgm:pt modelId="{13AC2927-F685-4DA0-9FEE-1326A58D260B}" type="pres">
+      <dgm:prSet presAssocID="{295C07CC-45DF-4A27-B14F-4B3D5004AF4B}" presName="compNode" presStyleCnt="0"/>
+      <dgm:spPr/>
+    </dgm:pt>
+    <dgm:pt modelId="{2D4113B1-E134-401A-9DF1-093450E255DA}" type="pres">
+      <dgm:prSet presAssocID="{295C07CC-45DF-4A27-B14F-4B3D5004AF4B}" presName="iconBgRect" presStyleLbl="bgShp" presStyleIdx="1" presStyleCnt="2"/>
+      <dgm:spPr/>
+    </dgm:pt>
+    <dgm:pt modelId="{CADF7864-F058-471E-83D6-FA39FB124BFE}" type="pres">
+      <dgm:prSet presAssocID="{295C07CC-45DF-4A27-B14F-4B3D5004AF4B}" presName="iconRect" presStyleLbl="node1" presStyleIdx="1" presStyleCnt="2" custLinFactNeighborX="-10622" custLinFactNeighborY="-1830"/>
+      <dgm:spPr>
+        <a:blipFill>
+          <a:blip xmlns:r="http://schemas.openxmlformats.org/officeDocument/2006/relationships" r:embed="rId3">
+            <a:extLst>
+              <a:ext uri="{28A0092B-C50C-407E-A947-70E740481C1C}">
+                <a14:useLocalDpi xmlns:a14="http://schemas.microsoft.com/office/drawing/2010/main" val="0"/>
+              </a:ext>
+              <a:ext uri="{96DAC541-7B7A-43D3-8B79-37D633B846F1}">
+                <asvg:svgBlip xmlns:asvg="http://schemas.microsoft.com/office/drawing/2016/SVG/main" r:embed="rId4"/>
+              </a:ext>
+            </a:extLst>
+          </a:blip>
+          <a:stretch>
+            <a:fillRect/>
+          </a:stretch>
+        </a:blipFill>
+      </dgm:spPr>
+      <dgm:extLst>
+        <a:ext uri="{E40237B7-FDA0-4F09-8148-C483321AD2D9}">
+          <dgm14:cNvPr xmlns:dgm14="http://schemas.microsoft.com/office/drawing/2010/diagram" id="0" name="" descr="Database"/>
+        </a:ext>
+      </dgm:extLst>
+    </dgm:pt>
+    <dgm:pt modelId="{39B944D8-6D4E-44E7-82B4-E578DC124541}" type="pres">
+      <dgm:prSet presAssocID="{295C07CC-45DF-4A27-B14F-4B3D5004AF4B}" presName="spaceRect" presStyleCnt="0"/>
+      <dgm:spPr/>
+    </dgm:pt>
+    <dgm:pt modelId="{4197BD3A-5A27-4075-8223-F02524983B04}" type="pres">
+      <dgm:prSet presAssocID="{295C07CC-45DF-4A27-B14F-4B3D5004AF4B}" presName="textRect" presStyleLbl="revTx" presStyleIdx="1" presStyleCnt="2">
+        <dgm:presLayoutVars>
+          <dgm:chMax val="1"/>
+          <dgm:chPref val="1"/>
+        </dgm:presLayoutVars>
+      </dgm:prSet>
+      <dgm:spPr/>
+    </dgm:pt>
+  </dgm:ptLst>
+  <dgm:cxnLst>
+    <dgm:cxn modelId="{444CC547-3082-468A-BC72-63461F3C0964}" type="presOf" srcId="{F44C8A29-64A3-4826-86BA-50080B1F4E3C}" destId="{95BBADF0-264A-4809-8538-8E6C525A96A9}" srcOrd="0" destOrd="0" presId="urn:microsoft.com/office/officeart/2018/2/layout/IconCircleList"/>
+    <dgm:cxn modelId="{8199F86C-5DE1-4100-9294-4F9B6FA0D8DC}" srcId="{0E548232-B95F-4152-9D23-B5C356B268AD}" destId="{295C07CC-45DF-4A27-B14F-4B3D5004AF4B}" srcOrd="1" destOrd="0" parTransId="{5EF18A4B-FDF0-40CC-AC66-F096E2BFBC8C}" sibTransId="{062DDB6D-8E96-4EA4-A283-6E672B5EF051}"/>
+    <dgm:cxn modelId="{511FD3B0-CC66-4AEF-B850-EE585325F0EE}" type="presOf" srcId="{6D1D5993-3134-425D-B127-A256D56BEC16}" destId="{042417A7-0D8C-41AD-B9F0-950818036EB7}" srcOrd="0" destOrd="0" presId="urn:microsoft.com/office/officeart/2018/2/layout/IconCircleList"/>
+    <dgm:cxn modelId="{9090A9CE-0B80-4745-8D64-E52982F41116}" type="presOf" srcId="{0E548232-B95F-4152-9D23-B5C356B268AD}" destId="{DFF87344-16B8-43C3-B502-D971FBC8EAEB}" srcOrd="0" destOrd="0" presId="urn:microsoft.com/office/officeart/2018/2/layout/IconCircleList"/>
+    <dgm:cxn modelId="{E4F807E5-0A66-42BF-9416-12E4C1CF2D07}" srcId="{0E548232-B95F-4152-9D23-B5C356B268AD}" destId="{6D1D5993-3134-425D-B127-A256D56BEC16}" srcOrd="0" destOrd="0" parTransId="{3109BCEC-8766-48D7-9822-145419B8083E}" sibTransId="{F44C8A29-64A3-4826-86BA-50080B1F4E3C}"/>
+    <dgm:cxn modelId="{E743FBFC-B0F0-4FCB-BA40-237BAA7BC9EF}" type="presOf" srcId="{295C07CC-45DF-4A27-B14F-4B3D5004AF4B}" destId="{4197BD3A-5A27-4075-8223-F02524983B04}" srcOrd="0" destOrd="0" presId="urn:microsoft.com/office/officeart/2018/2/layout/IconCircleList"/>
+    <dgm:cxn modelId="{D646F198-134A-4EDE-93E3-F4509E180529}" type="presParOf" srcId="{DFF87344-16B8-43C3-B502-D971FBC8EAEB}" destId="{FAF8C614-9AF3-46B9-96DA-54FA05C84396}" srcOrd="0" destOrd="0" presId="urn:microsoft.com/office/officeart/2018/2/layout/IconCircleList"/>
+    <dgm:cxn modelId="{FE732E5E-CA99-4792-A10A-42C7C8ECCB55}" type="presParOf" srcId="{FAF8C614-9AF3-46B9-96DA-54FA05C84396}" destId="{2745FA09-D44B-4960-8A18-C812F7AC4913}" srcOrd="0" destOrd="0" presId="urn:microsoft.com/office/officeart/2018/2/layout/IconCircleList"/>
+    <dgm:cxn modelId="{FD8285A5-912E-413A-8861-6ED369CB6FDB}" type="presParOf" srcId="{2745FA09-D44B-4960-8A18-C812F7AC4913}" destId="{C02D7B7D-5498-4B4D-91D2-D7C708934B81}" srcOrd="0" destOrd="0" presId="urn:microsoft.com/office/officeart/2018/2/layout/IconCircleList"/>
+    <dgm:cxn modelId="{99FD562B-6485-4E61-92D5-6D3072171978}" type="presParOf" srcId="{2745FA09-D44B-4960-8A18-C812F7AC4913}" destId="{3D6D670E-58DF-4809-B068-9E17A0BF7BBB}" srcOrd="1" destOrd="0" presId="urn:microsoft.com/office/officeart/2018/2/layout/IconCircleList"/>
+    <dgm:cxn modelId="{F3154FBE-F0FD-45DF-9B7C-F1345BC122F5}" type="presParOf" srcId="{2745FA09-D44B-4960-8A18-C812F7AC4913}" destId="{169EF1EB-7471-4B19-AE66-564D93609AAB}" srcOrd="2" destOrd="0" presId="urn:microsoft.com/office/officeart/2018/2/layout/IconCircleList"/>
+    <dgm:cxn modelId="{F9C5DE54-5289-4545-BA3E-AB730A250C5A}" type="presParOf" srcId="{2745FA09-D44B-4960-8A18-C812F7AC4913}" destId="{042417A7-0D8C-41AD-B9F0-950818036EB7}" srcOrd="3" destOrd="0" presId="urn:microsoft.com/office/officeart/2018/2/layout/IconCircleList"/>
+    <dgm:cxn modelId="{BE83EDA2-F5F0-4693-8CA9-024FE3EFBB95}" type="presParOf" srcId="{FAF8C614-9AF3-46B9-96DA-54FA05C84396}" destId="{95BBADF0-264A-4809-8538-8E6C525A96A9}" srcOrd="1" destOrd="0" presId="urn:microsoft.com/office/officeart/2018/2/layout/IconCircleList"/>
+    <dgm:cxn modelId="{2B757256-8256-4226-8482-84AE4C6A707C}" type="presParOf" srcId="{FAF8C614-9AF3-46B9-96DA-54FA05C84396}" destId="{13AC2927-F685-4DA0-9FEE-1326A58D260B}" srcOrd="2" destOrd="0" presId="urn:microsoft.com/office/officeart/2018/2/layout/IconCircleList"/>
+    <dgm:cxn modelId="{554CCAA0-7376-4D67-84FB-DD1A7557C3EF}" type="presParOf" srcId="{13AC2927-F685-4DA0-9FEE-1326A58D260B}" destId="{2D4113B1-E134-401A-9DF1-093450E255DA}" srcOrd="0" destOrd="0" presId="urn:microsoft.com/office/officeart/2018/2/layout/IconCircleList"/>
+    <dgm:cxn modelId="{0686E94A-6D7D-44B7-BBE9-7C7E3917BC48}" type="presParOf" srcId="{13AC2927-F685-4DA0-9FEE-1326A58D260B}" destId="{CADF7864-F058-471E-83D6-FA39FB124BFE}" srcOrd="1" destOrd="0" presId="urn:microsoft.com/office/officeart/2018/2/layout/IconCircleList"/>
+    <dgm:cxn modelId="{0EBEBB4B-C75F-4063-85C5-A9A6FBCDBA47}" type="presParOf" srcId="{13AC2927-F685-4DA0-9FEE-1326A58D260B}" destId="{39B944D8-6D4E-44E7-82B4-E578DC124541}" srcOrd="2" destOrd="0" presId="urn:microsoft.com/office/officeart/2018/2/layout/IconCircleList"/>
+    <dgm:cxn modelId="{30AEDD9B-F3F9-4A18-823C-685E9D220D1D}" type="presParOf" srcId="{13AC2927-F685-4DA0-9FEE-1326A58D260B}" destId="{4197BD3A-5A27-4075-8223-F02524983B04}" srcOrd="3" destOrd="0" presId="urn:microsoft.com/office/officeart/2018/2/layout/IconCircleList"/>
+  </dgm:cxnLst>
+  <dgm:bg/>
+  <dgm:whole/>
+  <dgm:extLst>
+    <a:ext uri="http://schemas.microsoft.com/office/drawing/2008/diagram">
+      <dsp:dataModelExt xmlns:dsp="http://schemas.microsoft.com/office/drawing/2008/diagram" relId="rId6" minVer="http://schemas.openxmlformats.org/drawingml/2006/diagram"/>
+    </a:ext>
+  </dgm:extLst>
+</dgm:dataModel>
+</file>
+
+<file path=ppt/diagrams/drawing1.xml><?xml version="1.0" encoding="utf-8"?>
+<dsp:drawing xmlns:dgm="http://schemas.openxmlformats.org/drawingml/2006/diagram" xmlns:dsp="http://schemas.microsoft.com/office/drawing/2008/diagram" xmlns:a="http://schemas.openxmlformats.org/drawingml/2006/main">
+  <dsp:spTree>
+    <dsp:nvGrpSpPr>
+      <dsp:cNvPr id="0" name=""/>
+      <dsp:cNvGrpSpPr/>
+    </dsp:nvGrpSpPr>
+    <dsp:grpSpPr/>
+    <dsp:sp modelId="{C02D7B7D-5498-4B4D-91D2-D7C708934B81}">
+      <dsp:nvSpPr>
+        <dsp:cNvPr id="0" name=""/>
+        <dsp:cNvSpPr/>
+      </dsp:nvSpPr>
+      <dsp:spPr>
+        <a:xfrm>
+          <a:off x="238171" y="1234416"/>
+          <a:ext cx="1349250" cy="1349250"/>
+        </a:xfrm>
+        <a:prstGeom prst="ellipse">
+          <a:avLst/>
+        </a:prstGeom>
+        <a:solidFill>
+          <a:schemeClr val="accent1">
+            <a:tint val="40000"/>
+            <a:hueOff val="0"/>
+            <a:satOff val="0"/>
+            <a:lumOff val="0"/>
+            <a:alphaOff val="0"/>
+          </a:schemeClr>
+        </a:solidFill>
+        <a:ln>
+          <a:noFill/>
+        </a:ln>
+        <a:effectLst/>
+      </dsp:spPr>
+      <dsp:style>
+        <a:lnRef idx="0">
+          <a:scrgbClr r="0" g="0" b="0"/>
+        </a:lnRef>
+        <a:fillRef idx="1">
+          <a:scrgbClr r="0" g="0" b="0"/>
+        </a:fillRef>
+        <a:effectRef idx="0">
+          <a:scrgbClr r="0" g="0" b="0"/>
+        </a:effectRef>
+        <a:fontRef idx="minor"/>
+      </dsp:style>
+    </dsp:sp>
+    <dsp:sp modelId="{3D6D670E-58DF-4809-B068-9E17A0BF7BBB}">
+      <dsp:nvSpPr>
+        <dsp:cNvPr id="0" name=""/>
+        <dsp:cNvSpPr/>
+      </dsp:nvSpPr>
+      <dsp:spPr>
+        <a:xfrm>
+          <a:off x="521514" y="1517759"/>
+          <a:ext cx="782564" cy="782564"/>
+        </a:xfrm>
+        <a:prstGeom prst="rect">
+          <a:avLst/>
+        </a:prstGeom>
+        <a:blipFill>
+          <a:blip xmlns:r="http://schemas.openxmlformats.org/officeDocument/2006/relationships" r:embed="rId1">
+            <a:extLst>
+              <a:ext uri="{28A0092B-C50C-407E-A947-70E740481C1C}">
+                <a14:useLocalDpi xmlns:a14="http://schemas.microsoft.com/office/drawing/2010/main" val="0"/>
+              </a:ext>
+              <a:ext uri="{96DAC541-7B7A-43D3-8B79-37D633B846F1}">
+                <asvg:svgBlip xmlns:asvg="http://schemas.microsoft.com/office/drawing/2016/SVG/main" r:embed="rId2"/>
+              </a:ext>
+            </a:extLst>
+          </a:blip>
+          <a:stretch>
+            <a:fillRect/>
+          </a:stretch>
+        </a:blipFill>
+        <a:ln w="12700" cap="flat" cmpd="sng" algn="ctr">
+          <a:solidFill>
+            <a:schemeClr val="lt1">
+              <a:hueOff val="0"/>
+              <a:satOff val="0"/>
+              <a:lumOff val="0"/>
+              <a:alphaOff val="0"/>
+            </a:schemeClr>
+          </a:solidFill>
+          <a:prstDash val="solid"/>
+          <a:miter lim="800000"/>
+        </a:ln>
+        <a:effectLst/>
+      </dsp:spPr>
+      <dsp:style>
+        <a:lnRef idx="2">
+          <a:scrgbClr r="0" g="0" b="0"/>
+        </a:lnRef>
+        <a:fillRef idx="1">
+          <a:scrgbClr r="0" g="0" b="0"/>
+        </a:fillRef>
+        <a:effectRef idx="0">
+          <a:scrgbClr r="0" g="0" b="0"/>
+        </a:effectRef>
+        <a:fontRef idx="minor">
+          <a:schemeClr val="lt1"/>
+        </a:fontRef>
+      </dsp:style>
+    </dsp:sp>
+    <dsp:sp modelId="{042417A7-0D8C-41AD-B9F0-950818036EB7}">
+      <dsp:nvSpPr>
+        <dsp:cNvPr id="0" name=""/>
+        <dsp:cNvSpPr/>
+      </dsp:nvSpPr>
+      <dsp:spPr>
+        <a:xfrm>
+          <a:off x="1876546" y="1234416"/>
+          <a:ext cx="3180375" cy="1349250"/>
+        </a:xfrm>
+        <a:prstGeom prst="rect">
+          <a:avLst/>
+        </a:prstGeom>
+        <a:noFill/>
+        <a:ln>
+          <a:noFill/>
+        </a:ln>
+        <a:effectLst/>
+      </dsp:spPr>
+      <dsp:style>
+        <a:lnRef idx="0">
+          <a:scrgbClr r="0" g="0" b="0"/>
+        </a:lnRef>
+        <a:fillRef idx="0">
+          <a:scrgbClr r="0" g="0" b="0"/>
+        </a:fillRef>
+        <a:effectRef idx="0">
+          <a:scrgbClr r="0" g="0" b="0"/>
+        </a:effectRef>
+        <a:fontRef idx="minor"/>
+      </dsp:style>
+      <dsp:txBody>
+        <a:bodyPr spcFirstLastPara="0" vert="horz" wrap="square" lIns="0" tIns="0" rIns="0" bIns="0" numCol="1" spcCol="1270" anchor="ctr" anchorCtr="0">
+          <a:noAutofit/>
+        </a:bodyPr>
+        <a:lstStyle/>
+        <a:p>
+          <a:pPr marL="0" lvl="0" indent="0" algn="l" defTabSz="711200">
+            <a:lnSpc>
+              <a:spcPct val="100000"/>
+            </a:lnSpc>
+            <a:spcBef>
+              <a:spcPct val="0"/>
+            </a:spcBef>
+            <a:spcAft>
+              <a:spcPct val="35000"/>
+            </a:spcAft>
+            <a:buNone/>
+          </a:pPr>
+          <a:r>
+            <a:rPr lang="en-GB" sz="1600" kern="1200"/>
+            <a:t>After a series of recent Box Office Flops its time for our Studio to better our understanding of our industry</a:t>
+          </a:r>
+          <a:endParaRPr lang="en-US" sz="1600" kern="1200"/>
+        </a:p>
+      </dsp:txBody>
+      <dsp:txXfrm>
+        <a:off x="1876546" y="1234416"/>
+        <a:ext cx="3180375" cy="1349250"/>
+      </dsp:txXfrm>
+    </dsp:sp>
+    <dsp:sp modelId="{2D4113B1-E134-401A-9DF1-093450E255DA}">
+      <dsp:nvSpPr>
+        <dsp:cNvPr id="0" name=""/>
+        <dsp:cNvSpPr/>
+      </dsp:nvSpPr>
+      <dsp:spPr>
+        <a:xfrm>
+          <a:off x="5611078" y="1234416"/>
+          <a:ext cx="1349250" cy="1349250"/>
+        </a:xfrm>
+        <a:prstGeom prst="ellipse">
+          <a:avLst/>
+        </a:prstGeom>
+        <a:solidFill>
+          <a:schemeClr val="accent1">
+            <a:tint val="40000"/>
+            <a:hueOff val="0"/>
+            <a:satOff val="0"/>
+            <a:lumOff val="0"/>
+            <a:alphaOff val="0"/>
+          </a:schemeClr>
+        </a:solidFill>
+        <a:ln>
+          <a:noFill/>
+        </a:ln>
+        <a:effectLst/>
+      </dsp:spPr>
+      <dsp:style>
+        <a:lnRef idx="0">
+          <a:scrgbClr r="0" g="0" b="0"/>
+        </a:lnRef>
+        <a:fillRef idx="1">
+          <a:scrgbClr r="0" g="0" b="0"/>
+        </a:fillRef>
+        <a:effectRef idx="0">
+          <a:scrgbClr r="0" g="0" b="0"/>
+        </a:effectRef>
+        <a:fontRef idx="minor"/>
+      </dsp:style>
+    </dsp:sp>
+    <dsp:sp modelId="{CADF7864-F058-471E-83D6-FA39FB124BFE}">
+      <dsp:nvSpPr>
+        <dsp:cNvPr id="0" name=""/>
+        <dsp:cNvSpPr/>
+      </dsp:nvSpPr>
+      <dsp:spPr>
+        <a:xfrm>
+          <a:off x="5811296" y="1503438"/>
+          <a:ext cx="782564" cy="782564"/>
+        </a:xfrm>
+        <a:prstGeom prst="rect">
+          <a:avLst/>
+        </a:prstGeom>
+        <a:blipFill>
+          <a:blip xmlns:r="http://schemas.openxmlformats.org/officeDocument/2006/relationships" r:embed="rId3">
+            <a:extLst>
+              <a:ext uri="{28A0092B-C50C-407E-A947-70E740481C1C}">
+                <a14:useLocalDpi xmlns:a14="http://schemas.microsoft.com/office/drawing/2010/main" val="0"/>
+              </a:ext>
+              <a:ext uri="{96DAC541-7B7A-43D3-8B79-37D633B846F1}">
+                <asvg:svgBlip xmlns:asvg="http://schemas.microsoft.com/office/drawing/2016/SVG/main" r:embed="rId4"/>
+              </a:ext>
+            </a:extLst>
+          </a:blip>
+          <a:stretch>
+            <a:fillRect/>
+          </a:stretch>
+        </a:blipFill>
+        <a:ln w="12700" cap="flat" cmpd="sng" algn="ctr">
+          <a:solidFill>
+            <a:schemeClr val="lt1">
+              <a:hueOff val="0"/>
+              <a:satOff val="0"/>
+              <a:lumOff val="0"/>
+              <a:alphaOff val="0"/>
+            </a:schemeClr>
+          </a:solidFill>
+          <a:prstDash val="solid"/>
+          <a:miter lim="800000"/>
+        </a:ln>
+        <a:effectLst/>
+      </dsp:spPr>
+      <dsp:style>
+        <a:lnRef idx="2">
+          <a:scrgbClr r="0" g="0" b="0"/>
+        </a:lnRef>
+        <a:fillRef idx="1">
+          <a:scrgbClr r="0" g="0" b="0"/>
+        </a:fillRef>
+        <a:effectRef idx="0">
+          <a:scrgbClr r="0" g="0" b="0"/>
+        </a:effectRef>
+        <a:fontRef idx="minor">
+          <a:schemeClr val="lt1"/>
+        </a:fontRef>
+      </dsp:style>
+    </dsp:sp>
+    <dsp:sp modelId="{4197BD3A-5A27-4075-8223-F02524983B04}">
+      <dsp:nvSpPr>
+        <dsp:cNvPr id="0" name=""/>
+        <dsp:cNvSpPr/>
+      </dsp:nvSpPr>
+      <dsp:spPr>
+        <a:xfrm>
+          <a:off x="7249453" y="1234416"/>
+          <a:ext cx="3180375" cy="1349250"/>
+        </a:xfrm>
+        <a:prstGeom prst="rect">
+          <a:avLst/>
+        </a:prstGeom>
+        <a:noFill/>
+        <a:ln>
+          <a:noFill/>
+        </a:ln>
+        <a:effectLst/>
+      </dsp:spPr>
+      <dsp:style>
+        <a:lnRef idx="0">
+          <a:scrgbClr r="0" g="0" b="0"/>
+        </a:lnRef>
+        <a:fillRef idx="0">
+          <a:scrgbClr r="0" g="0" b="0"/>
+        </a:fillRef>
+        <a:effectRef idx="0">
+          <a:scrgbClr r="0" g="0" b="0"/>
+        </a:effectRef>
+        <a:fontRef idx="minor"/>
+      </dsp:style>
+      <dsp:txBody>
+        <a:bodyPr spcFirstLastPara="0" vert="horz" wrap="square" lIns="0" tIns="0" rIns="0" bIns="0" numCol="1" spcCol="1270" anchor="ctr" anchorCtr="0">
+          <a:noAutofit/>
+        </a:bodyPr>
+        <a:lstStyle/>
+        <a:p>
+          <a:pPr marL="0" lvl="0" indent="0" algn="l" defTabSz="711200">
+            <a:lnSpc>
+              <a:spcPct val="100000"/>
+            </a:lnSpc>
+            <a:spcBef>
+              <a:spcPct val="0"/>
+            </a:spcBef>
+            <a:spcAft>
+              <a:spcPct val="35000"/>
+            </a:spcAft>
+            <a:buNone/>
+          </a:pPr>
+          <a:r>
+            <a:rPr lang="en-GB" sz="1600" kern="1200"/>
+            <a:t>U</a:t>
+          </a:r>
+          <a:r>
+            <a:rPr lang="en-NL" sz="1600" kern="1200"/>
+            <a:t>sing our Database of containing 5,000 movies (about a 1% sample of the total IMDB database) we explore Industry Trends and where to go from here.</a:t>
+          </a:r>
+          <a:endParaRPr lang="en-US" sz="1600" kern="1200"/>
+        </a:p>
+      </dsp:txBody>
+      <dsp:txXfrm>
+        <a:off x="7249453" y="1234416"/>
+        <a:ext cx="3180375" cy="1349250"/>
+      </dsp:txXfrm>
+    </dsp:sp>
+  </dsp:spTree>
+</dsp:drawing>
+</file>
+
+<file path=ppt/diagrams/layout1.xml><?xml version="1.0" encoding="utf-8"?>
+<dgm:layoutDef xmlns:dgm="http://schemas.openxmlformats.org/drawingml/2006/diagram" xmlns:a="http://schemas.openxmlformats.org/drawingml/2006/main" uniqueId="urn:microsoft.com/office/officeart/2018/2/layout/IconCircleList">
+  <dgm:title val="Icon Circle List"/>
+  <dgm:desc val="Use to show non-sequential or grouped chunks of information accompanied by related visuals. Circular shapes can hold an icon or small picture and corresponding text box shows Level 1 text. Works best for icons or small pictures with medium-length descriptions."/>
+  <dgm:catLst>
+    <dgm:cat type="icon" pri="500"/>
+  </dgm:catLst>
+  <dgm:sampData useDef="1">
+    <dgm:dataModel>
+      <dgm:ptLst/>
+      <dgm:bg/>
+      <dgm:whole/>
+    </dgm:dataModel>
+  </dgm:sampData>
+  <dgm:styleData useDef="1">
+    <dgm:dataModel>
+      <dgm:ptLst/>
+      <dgm:bg/>
+      <dgm:whole/>
+    </dgm:dataModel>
+  </dgm:styleData>
+  <dgm:clrData useDef="1">
+    <dgm:dataModel>
+      <dgm:ptLst/>
+      <dgm:bg/>
+      <dgm:whole/>
+    </dgm:dataModel>
+  </dgm:clrData>
+  <dgm:layoutNode name="root">
+    <dgm:varLst>
+      <dgm:dir/>
+      <dgm:resizeHandles val="exact"/>
+    </dgm:varLst>
+    <dgm:alg type="sp"/>
+    <dgm:shape xmlns:r="http://schemas.openxmlformats.org/officeDocument/2006/relationships" r:blip="">
+      <dgm:adjLst/>
+    </dgm:shape>
+    <dgm:presOf/>
+    <dgm:choose name="Name0">
+      <dgm:if name="Name1" axis="ch" ptType="node" func="cnt" op="lte" val="3">
+        <dgm:constrLst>
+          <dgm:constr type="w" for="ch" forName="container" refType="w"/>
+          <dgm:constr type="h" for="ch" forName="container" refType="h" fact="0.4"/>
+        </dgm:constrLst>
+      </dgm:if>
+      <dgm:else name="Name2">
+        <dgm:constrLst>
+          <dgm:constr type="w" for="ch" forName="container" refType="w"/>
+          <dgm:constr type="h" for="ch" forName="container" refType="h"/>
+        </dgm:constrLst>
+      </dgm:else>
+    </dgm:choose>
+    <dgm:ruleLst>
+      <dgm:rule type="h" for="ch" forName="container" val="INF" fact="NaN" max="NaN"/>
+    </dgm:ruleLst>
+    <dgm:layoutNode name="container">
+      <dgm:varLst>
+        <dgm:dir/>
+        <dgm:resizeHandles val="exact"/>
+      </dgm:varLst>
+      <dgm:choose name="Name3">
+        <dgm:if name="Name4" axis="self" func="var" arg="dir" op="equ" val="norm">
+          <dgm:alg type="snake">
+            <dgm:param type="grDir" val="tL"/>
+            <dgm:param type="flowDir" val="row"/>
+            <dgm:param type="contDir" val="sameDir"/>
+          </dgm:alg>
+        </dgm:if>
+        <dgm:else name="Name5">
+          <dgm:alg type="snake">
+            <dgm:param type="grDir" val="tR"/>
+            <dgm:param type="flowDir" val="row"/>
+            <dgm:param type="contDir" val="sameDir"/>
+          </dgm:alg>
+        </dgm:else>
+      </dgm:choose>
+      <dgm:shape xmlns:r="http://schemas.openxmlformats.org/officeDocument/2006/relationships" r:blip="">
+        <dgm:adjLst/>
+      </dgm:shape>
+      <dgm:presOf/>
+      <dgm:constrLst>
+        <dgm:constr type="w" for="ch" forName="compNode" refType="w"/>
+        <dgm:constr type="h" for="ch" forName="compNode" refType="w" fact="0.28"/>
+        <dgm:constr type="w" for="ch" forName="sibTrans" refType="w" refFor="ch" refForName="compNode" fact="0.115"/>
+        <dgm:constr type="sp" refType="h" op="equ" fact="0.17"/>
+        <dgm:constr type="primFontSz" for="des" ptType="node" op="equ" val="24"/>
+        <dgm:constr type="h" for="des" forName="compNode" op="equ"/>
+        <dgm:constr type="h" for="des" forName="iconBgRect" op="equ"/>
+      </dgm:constrLst>
+      <dgm:ruleLst>
+        <dgm:rule type="w" for="ch" forName="compNode" val="60" fact="NaN" max="NaN"/>
+      </dgm:ruleLst>
+      <dgm:forEach name="Name6" axis="ch" ptType="node">
+        <dgm:layoutNode name="compNode">
+          <dgm:alg type="composite"/>
+          <dgm:shape xmlns:r="http://schemas.openxmlformats.org/officeDocument/2006/relationships" r:blip="">
+            <dgm:adjLst/>
+          </dgm:shape>
+          <dgm:presOf axis="self"/>
+          <dgm:constrLst>
+            <dgm:constr type="w" for="ch" forName="iconBgRect" refType="w" fact="0.28"/>
+            <dgm:constr type="h" for="ch" forName="iconBgRect" refType="w" refFor="ch" refForName="iconBgRect"/>
+            <dgm:constr type="t" for="ch" forName="iconBgRect"/>
+            <dgm:constr type="l" for="ch" forName="iconBgRect"/>
+            <dgm:constr type="w" for="ch" forName="iconRect" refType="w" refFor="ch" refForName="iconBgRect" fact="0.58"/>
+            <dgm:constr type="h" for="ch" forName="iconRect" refType="w" refFor="ch" refForName="iconRect"/>
+            <dgm:constr type="ctrX" for="ch" forName="iconRect" refType="ctrX" refFor="ch" refForName="iconBgRect"/>
+            <dgm:constr type="ctrY" for="ch" forName="iconRect" refType="ctrY" refFor="ch" refForName="iconBgRect"/>
+            <dgm:constr type="w" for="ch" forName="spaceRect" refType="w" fact="0.06"/>
+            <dgm:constr type="h" for="ch" forName="spaceRect" refType="h" refFor="ch" refForName="iconBgRect"/>
+            <dgm:constr type="t" for="ch" forName="spaceRect" refType="t" refFor="ch" refForName="iconBgRect"/>
+            <dgm:constr type="l" for="ch" forName="spaceRect" refType="r" refFor="ch" refForName="iconBgRect"/>
+            <dgm:constr type="h" for="ch" forName="textRect" refType="h" refFor="ch" refForName="iconBgRect"/>
+            <dgm:constr type="t" for="ch" forName="textRect" refType="t" refFor="ch" refForName="iconBgRect"/>
+            <dgm:constr type="l" for="ch" forName="textRect" refType="r" refFor="ch" refForName="spaceRect"/>
+          </dgm:constrLst>
+          <dgm:ruleLst/>
+          <dgm:layoutNode name="iconBgRect" styleLbl="bgShp">
+            <dgm:alg type="sp"/>
+            <dgm:shape xmlns:r="http://schemas.openxmlformats.org/officeDocument/2006/relationships" type="ellipse" r:blip="">
+              <dgm:adjLst/>
+            </dgm:shape>
+            <dgm:presOf/>
+            <dgm:constrLst/>
+            <dgm:ruleLst/>
+          </dgm:layoutNode>
+          <dgm:layoutNode name="iconRect" styleLbl="node1">
+            <dgm:alg type="sp"/>
+            <dgm:shape xmlns:r="http://schemas.openxmlformats.org/officeDocument/2006/relationships" type="rect" r:blip="" blipPhldr="1">
+              <dgm:adjLst/>
+            </dgm:shape>
+            <dgm:presOf/>
+            <dgm:constrLst/>
+            <dgm:ruleLst/>
+          </dgm:layoutNode>
+          <dgm:layoutNode name="spaceRect">
+            <dgm:alg type="sp"/>
+            <dgm:shape xmlns:r="http://schemas.openxmlformats.org/officeDocument/2006/relationships" r:blip="">
+              <dgm:adjLst/>
+            </dgm:shape>
+            <dgm:presOf/>
+            <dgm:constrLst/>
+            <dgm:ruleLst/>
+          </dgm:layoutNode>
+          <dgm:layoutNode name="textRect" styleLbl="revTx">
+            <dgm:varLst>
+              <dgm:chMax val="1"/>
+              <dgm:chPref val="1"/>
+            </dgm:varLst>
+            <dgm:choose name="Name7">
+              <dgm:if name="Name8" func="var" arg="dir" op="equ" val="norm">
+                <dgm:alg type="tx">
+                  <dgm:param type="txAnchorVert" val="mid"/>
+                  <dgm:param type="parTxLTRAlign" val="l"/>
+                  <dgm:param type="shpTxLTRAlignCh" val="l"/>
+                  <dgm:param type="parTxRTLAlign" val="l"/>
+                  <dgm:param type="shpTxRTLAlignCh" val="l"/>
+                </dgm:alg>
+              </dgm:if>
+              <dgm:else name="Name9">
+                <dgm:alg type="tx">
+                  <dgm:param type="txAnchorVert" val="mid"/>
+                  <dgm:param type="parTxLTRAlign" val="r"/>
+                  <dgm:param type="shpTxLTRAlignCh" val="r"/>
+                  <dgm:param type="parTxRTLAlign" val="r"/>
+                  <dgm:param type="shpTxRTLAlignCh" val="r"/>
+                </dgm:alg>
+              </dgm:else>
+            </dgm:choose>
+            <dgm:shape xmlns:r="http://schemas.openxmlformats.org/officeDocument/2006/relationships" type="rect" r:blip="">
+              <dgm:adjLst/>
+            </dgm:shape>
+            <dgm:presOf axis="self" ptType="node"/>
+            <dgm:constrLst>
+              <dgm:constr type="lMarg"/>
+              <dgm:constr type="rMarg"/>
+              <dgm:constr type="tMarg"/>
+              <dgm:constr type="bMarg"/>
+            </dgm:constrLst>
+            <dgm:ruleLst>
+              <dgm:rule type="primFontSz" val="11" fact="NaN" max="NaN"/>
+            </dgm:ruleLst>
+          </dgm:layoutNode>
+        </dgm:layoutNode>
+        <dgm:forEach name="Name10" axis="followSib" ptType="sibTrans" cnt="1">
+          <dgm:layoutNode name="sibTrans">
+            <dgm:alg type="sp"/>
+            <dgm:shape xmlns:r="http://schemas.openxmlformats.org/officeDocument/2006/relationships" type="rect" r:blip="" hideGeom="1">
+              <dgm:adjLst/>
+            </dgm:shape>
+            <dgm:presOf axis="self"/>
+            <dgm:constrLst/>
+            <dgm:ruleLst/>
+          </dgm:layoutNode>
+        </dgm:forEach>
+      </dgm:forEach>
+    </dgm:layoutNode>
+  </dgm:layoutNode>
+  <dgm:extLst>
+    <a:ext uri="{68A01E43-0DF5-4B5B-8FA6-DAF915123BFB}">
+      <dgm1612:lstStyle xmlns:dgm1612="http://schemas.microsoft.com/office/drawing/2016/12/diagram">
+        <a:lvl1pPr>
+          <a:lnSpc>
+            <a:spcPct val="100000"/>
+          </a:lnSpc>
+        </a:lvl1pPr>
+      </dgm1612:lstStyle>
+    </a:ext>
+  </dgm:extLst>
+</dgm:layoutDef>
+</file>
+
+<file path=ppt/diagrams/quickStyle1.xml><?xml version="1.0" encoding="utf-8"?>
+<dgm:styleDef xmlns:dgm="http://schemas.openxmlformats.org/drawingml/2006/diagram" xmlns:a="http://schemas.openxmlformats.org/drawingml/2006/main" uniqueId="urn:microsoft.com/office/officeart/2005/8/quickstyle/simple1">
+  <dgm:title val=""/>
+  <dgm:desc val=""/>
+  <dgm:catLst>
+    <dgm:cat type="simple" pri="10100"/>
+  </dgm:catLst>
+  <dgm:scene3d>
+    <a:camera prst="orthographicFront"/>
+    <a:lightRig rig="threePt" dir="t"/>
+  </dgm:scene3d>
+  <dgm:styleLbl name="node0">
+    <dgm:scene3d>
+      <a:camera prst="orthographicFront"/>
+      <a:lightRig rig="threePt" dir="t"/>
+    </dgm:scene3d>
+    <dgm:sp3d/>
+    <dgm:txPr/>
+    <dgm:style>
+      <a:lnRef idx="2">
+        <a:scrgbClr r="0" g="0" b="0"/>
+      </a:lnRef>
+      <a:fillRef idx="1">
+        <a:scrgbClr r="0" g="0" b="0"/>
+      </a:fillRef>
+      <a:effectRef idx="0">
+        <a:scrgbClr r="0" g="0" b="0"/>
+      </a:effectRef>
+      <a:fontRef idx="minor">
+        <a:schemeClr val="lt1"/>
+      </a:fontRef>
+    </dgm:style>
+  </dgm:styleLbl>
+  <dgm:styleLbl name="lnNode1">
+    <dgm:scene3d>
+      <a:camera prst="orthographicFront"/>
+      <a:lightRig rig="threePt" dir="t"/>
+    </dgm:scene3d>
+    <dgm:sp3d/>
+    <dgm:txPr/>
+    <dgm:style>
+      <a:lnRef idx="2">
+        <a:scrgbClr r="0" g="0" b="0"/>
+      </a:lnRef>
+      <a:fillRef idx="1">
+        <a:scrgbClr r="0" g="0" b="0"/>
+      </a:fillRef>
+      <a:effectRef idx="0">
+        <a:scrgbClr r="0" g="0" b="0"/>
+      </a:effectRef>
+      <a:fontRef idx="minor">
+        <a:schemeClr val="lt1"/>
+      </a:fontRef>
+    </dgm:style>
+  </dgm:styleLbl>
+  <dgm:styleLbl name="vennNode1">
+    <dgm:scene3d>
+      <a:camera prst="orthographicFront"/>
+      <a:lightRig rig="threePt" dir="t"/>
+    </dgm:scene3d>
+    <dgm:sp3d/>
+    <dgm:txPr/>
+    <dgm:style>
+      <a:lnRef idx="2">
+        <a:scrgbClr r="0" g="0" b="0"/>
+      </a:lnRef>
+      <a:fillRef idx="1">
+        <a:scrgbClr r="0" g="0" b="0"/>
+      </a:fillRef>
+      <a:effectRef idx="0">
+        <a:scrgbClr r="0" g="0" b="0"/>
+      </a:effectRef>
+      <a:fontRef idx="minor">
+        <a:schemeClr val="tx1"/>
+      </a:fontRef>
+    </dgm:style>
+  </dgm:styleLbl>
+  <dgm:styleLbl name="alignNode1">
+    <dgm:scene3d>
+      <a:camera prst="orthographicFront"/>
+      <a:lightRig rig="threePt" dir="t"/>
+    </dgm:scene3d>
+    <dgm:sp3d/>
+    <dgm:txPr/>
+    <dgm:style>
+      <a:lnRef idx="2">
+        <a:scrgbClr r="0" g="0" b="0"/>
+      </a:lnRef>
+      <a:fillRef idx="1">
+        <a:scrgbClr r="0" g="0" b="0"/>
+      </a:fillRef>
+      <a:effectRef idx="0">
+        <a:scrgbClr r="0" g="0" b="0"/>
+      </a:effectRef>
+      <a:fontRef idx="minor">
+        <a:schemeClr val="lt1"/>
+      </a:fontRef>
+    </dgm:style>
+  </dgm:styleLbl>
+  <dgm:styleLbl name="node1">
+    <dgm:scene3d>
+      <a:camera prst="orthographicFront"/>
+      <a:lightRig rig="threePt" dir="t"/>
+    </dgm:scene3d>
+    <dgm:sp3d/>
+    <dgm:txPr/>
+    <dgm:style>
+      <a:lnRef idx="2">
+        <a:scrgbClr r="0" g="0" b="0"/>
+      </a:lnRef>
+      <a:fillRef idx="1">
+        <a:scrgbClr r="0" g="0" b="0"/>
+      </a:fillRef>
+      <a:effectRef idx="0">
+        <a:scrgbClr r="0" g="0" b="0"/>
+      </a:effectRef>
+      <a:fontRef idx="minor">
+        <a:schemeClr val="lt1"/>
+      </a:fontRef>
+    </dgm:style>
+  </dgm:styleLbl>
+  <dgm:styleLbl name="node2">
+    <dgm:scene3d>
+      <a:camera prst="orthographicFront"/>
+      <a:lightRig rig="threePt" dir="t"/>
+    </dgm:scene3d>
+    <dgm:sp3d/>
+    <dgm:txPr/>
+    <dgm:style>
+      <a:lnRef idx="2">
+        <a:scrgbClr r="0" g="0" b="0"/>
+      </a:lnRef>
+      <a:fillRef idx="1">
+        <a:scrgbClr r="0" g="0" b="0"/>
+      </a:fillRef>
+      <a:effectRef idx="0">
+        <a:scrgbClr r="0" g="0" b="0"/>
+      </a:effectRef>
+      <a:fontRef idx="minor">
+        <a:schemeClr val="lt1"/>
+      </a:fontRef>
+    </dgm:style>
+  </dgm:styleLbl>
+  <dgm:styleLbl name="node3">
+    <dgm:scene3d>
+      <a:camera prst="orthographicFront"/>
+      <a:lightRig rig="threePt" dir="t"/>
+    </dgm:scene3d>
+    <dgm:sp3d/>
+    <dgm:txPr/>
+    <dgm:style>
+      <a:lnRef idx="2">
+        <a:scrgbClr r="0" g="0" b="0"/>
+      </a:lnRef>
+      <a:fillRef idx="1">
+        <a:scrgbClr r="0" g="0" b="0"/>
+      </a:fillRef>
+      <a:effectRef idx="0">
+        <a:scrgbClr r="0" g="0" b="0"/>
+      </a:effectRef>
+      <a:fontRef idx="minor">
+        <a:schemeClr val="lt1"/>
+      </a:fontRef>
+    </dgm:style>
+  </dgm:styleLbl>
+  <dgm:styleLbl name="node4">
+    <dgm:scene3d>
+      <a:camera prst="orthographicFront"/>
+      <a:lightRig rig="threePt" dir="t"/>
+    </dgm:scene3d>
+    <dgm:sp3d/>
+    <dgm:txPr/>
+    <dgm:style>
+      <a:lnRef idx="2">
+        <a:scrgbClr r="0" g="0" b="0"/>
+      </a:lnRef>
+      <a:fillRef idx="1">
+        <a:scrgbClr r="0" g="0" b="0"/>
+      </a:fillRef>
+      <a:effectRef idx="0">
+        <a:scrgbClr r="0" g="0" b="0"/>
+      </a:effectRef>
+      <a:fontRef idx="minor">
+        <a:schemeClr val="lt1"/>
+      </a:fontRef>
+    </dgm:style>
+  </dgm:styleLbl>
+  <dgm:styleLbl name="fgImgPlace1">
+    <dgm:scene3d>
+      <a:camera prst="orthographicFront"/>
+      <a:lightRig rig="threePt" dir="t"/>
+    </dgm:scene3d>
+    <dgm:sp3d/>
+    <dgm:txPr/>
+    <dgm:style>
+      <a:lnRef idx="2">
+        <a:scrgbClr r="0" g="0" b="0"/>
+      </a:lnRef>
+      <a:fillRef idx="1">
+        <a:scrgbClr r="0" g="0" b="0"/>
+      </a:fillRef>
+      <a:effectRef idx="0">
+        <a:scrgbClr r="0" g="0" b="0"/>
+      </a:effectRef>
+      <a:fontRef idx="minor"/>
+    </dgm:style>
+  </dgm:styleLbl>
+  <dgm:styleLbl name="alignImgPlace1">
+    <dgm:scene3d>
+      <a:camera prst="orthographicFront"/>
+      <a:lightRig rig="threePt" dir="t"/>
+    </dgm:scene3d>
+    <dgm:sp3d/>
+    <dgm:txPr/>
+    <dgm:style>
+      <a:lnRef idx="2">
+        <a:scrgbClr r="0" g="0" b="0"/>
+      </a:lnRef>
+      <a:fillRef idx="1">
+        <a:scrgbClr r="0" g="0" b="0"/>
+      </a:fillRef>
+      <a:effectRef idx="0">
+        <a:scrgbClr r="0" g="0" b="0"/>
+      </a:effectRef>
+      <a:fontRef idx="minor"/>
+    </dgm:style>
+  </dgm:styleLbl>
+  <dgm:styleLbl name="bgImgPlace1">
+    <dgm:scene3d>
+      <a:camera prst="orthographicFront"/>
+      <a:lightRig rig="threePt" dir="t"/>
+    </dgm:scene3d>
+    <dgm:sp3d/>
+    <dgm:txPr/>
+    <dgm:style>
+      <a:lnRef idx="2">
+        <a:scrgbClr r="0" g="0" b="0"/>
+      </a:lnRef>
+      <a:fillRef idx="1">
+        <a:scrgbClr r="0" g="0" b="0"/>
+      </a:fillRef>
+      <a:effectRef idx="0">
+        <a:scrgbClr r="0" g="0" b="0"/>
+      </a:effectRef>
+      <a:fontRef idx="minor"/>
+    </dgm:style>
+  </dgm:styleLbl>
+  <dgm:styleLbl name="sibTrans2D1">
+    <dgm:scene3d>
+      <a:camera prst="orthographicFront"/>
+      <a:lightRig rig="threePt" dir="t"/>
+    </dgm:scene3d>
+    <dgm:sp3d/>
+    <dgm:txPr/>
+    <dgm:style>
+      <a:lnRef idx="0">
+        <a:scrgbClr r="0" g="0" b="0"/>
+      </a:lnRef>
+      <a:fillRef idx="1">
+        <a:scrgbClr r="0" g="0" b="0"/>
+      </a:fillRef>
+      <a:effectRef idx="0">
+        <a:scrgbClr r="0" g="0" b="0"/>
+      </a:effectRef>
+      <a:fontRef idx="minor">
+        <a:schemeClr val="lt1"/>
+      </a:fontRef>
+    </dgm:style>
+  </dgm:styleLbl>
+  <dgm:styleLbl name="fgSibTrans2D1">
+    <dgm:scene3d>
+      <a:camera prst="orthographicFront"/>
+      <a:lightRig rig="threePt" dir="t"/>
+    </dgm:scene3d>
+    <dgm:sp3d/>
+    <dgm:txPr/>
+    <dgm:style>
+      <a:lnRef idx="0">
+        <a:scrgbClr r="0" g="0" b="0"/>
+      </a:lnRef>
+      <a:fillRef idx="1">
+        <a:scrgbClr r="0" g="0" b="0"/>
+      </a:fillRef>
+      <a:effectRef idx="0">
+        <a:scrgbClr r="0" g="0" b="0"/>
+      </a:effectRef>
+      <a:fontRef idx="minor">
+        <a:schemeClr val="lt1"/>
+      </a:fontRef>
+    </dgm:style>
+  </dgm:styleLbl>
+  <dgm:styleLbl name="bgSibTrans2D1">
+    <dgm:scene3d>
+      <a:camera prst="orthographicFront"/>
+      <a:lightRig rig="threePt" dir="t"/>
+    </dgm:scene3d>
+    <dgm:sp3d/>
+    <dgm:txPr/>
+    <dgm:style>
+      <a:lnRef idx="0">
+        <a:scrgbClr r="0" g="0" b="0"/>
+      </a:lnRef>
+      <a:fillRef idx="1">
+        <a:scrgbClr r="0" g="0" b="0"/>
+      </a:fillRef>
+      <a:effectRef idx="0">
+        <a:scrgbClr r="0" g="0" b="0"/>
+      </a:effectRef>
+      <a:fontRef idx="minor">
+        <a:schemeClr val="lt1"/>
+      </a:fontRef>
+    </dgm:style>
+  </dgm:styleLbl>
+  <dgm:styleLbl name="sibTrans1D1">
+    <dgm:scene3d>
+      <a:camera prst="orthographicFront"/>
+      <a:lightRig rig="threePt" dir="t"/>
+    </dgm:scene3d>
+    <dgm:sp3d/>
+    <dgm:txPr/>
+    <dgm:style>
+      <a:lnRef idx="1">
+        <a:scrgbClr r="0" g="0" b="0"/>
+      </a:lnRef>
+      <a:fillRef idx="0">
+        <a:scrgbClr r="0" g="0" b="0"/>
+      </a:fillRef>
+      <a:effectRef idx="0">
+        <a:scrgbClr r="0" g="0" b="0"/>
+      </a:effectRef>
+      <a:fontRef idx="minor"/>
+    </dgm:style>
+  </dgm:styleLbl>
+  <dgm:styleLbl name="callout">
+    <dgm:scene3d>
+      <a:camera prst="orthographicFront"/>
+      <a:lightRig rig="threePt" dir="t"/>
+    </dgm:scene3d>
+    <dgm:sp3d/>
+    <dgm:txPr/>
+    <dgm:style>
+      <a:lnRef idx="2">
+        <a:scrgbClr r="0" g="0" b="0"/>
+      </a:lnRef>
+      <a:fillRef idx="1">
+        <a:scrgbClr r="0" g="0" b="0"/>
+      </a:fillRef>
+      <a:effectRef idx="0">
+        <a:scrgbClr r="0" g="0" b="0"/>
+      </a:effectRef>
+      <a:fontRef idx="minor"/>
+    </dgm:style>
+  </dgm:styleLbl>
+  <dgm:styleLbl name="asst0">
+    <dgm:scene3d>
+      <a:camera prst="orthographicFront"/>
+      <a:lightRig rig="threePt" dir="t"/>
+    </dgm:scene3d>
+    <dgm:sp3d/>
+    <dgm:txPr/>
+    <dgm:style>
+      <a:lnRef idx="2">
+        <a:scrgbClr r="0" g="0" b="0"/>
+      </a:lnRef>
+      <a:fillRef idx="1">
+        <a:scrgbClr r="0" g="0" b="0"/>
+      </a:fillRef>
+      <a:effectRef idx="0">
+        <a:scrgbClr r="0" g="0" b="0"/>
+      </a:effectRef>
+      <a:fontRef idx="minor">
+        <a:schemeClr val="lt1"/>
+      </a:fontRef>
+    </dgm:style>
+  </dgm:styleLbl>
+  <dgm:styleLbl name="asst1">
+    <dgm:scene3d>
+      <a:camera prst="orthographicFront"/>
+      <a:lightRig rig="threePt" dir="t"/>
+    </dgm:scene3d>
+    <dgm:sp3d/>
+    <dgm:txPr/>
+    <dgm:style>
+      <a:lnRef idx="2">
+        <a:scrgbClr r="0" g="0" b="0"/>
+      </a:lnRef>
+      <a:fillRef idx="1">
+        <a:scrgbClr r="0" g="0" b="0"/>
+      </a:fillRef>
+      <a:effectRef idx="0">
+        <a:scrgbClr r="0" g="0" b="0"/>
+      </a:effectRef>
+      <a:fontRef idx="minor">
+        <a:schemeClr val="lt1"/>
+      </a:fontRef>
+    </dgm:style>
+  </dgm:styleLbl>
+  <dgm:styleLbl name="asst2">
+    <dgm:scene3d>
+      <a:camera prst="orthographicFront"/>
+      <a:lightRig rig="threePt" dir="t"/>
+    </dgm:scene3d>
+    <dgm:sp3d/>
+    <dgm:txPr/>
+    <dgm:style>
+      <a:lnRef idx="2">
+        <a:scrgbClr r="0" g="0" b="0"/>
+      </a:lnRef>
+      <a:fillRef idx="1">
+        <a:scrgbClr r="0" g="0" b="0"/>
+      </a:fillRef>
+      <a:effectRef idx="0">
+        <a:scrgbClr r="0" g="0" b="0"/>
+      </a:effectRef>
+      <a:fontRef idx="minor">
+        <a:schemeClr val="lt1"/>
+      </a:fontRef>
+    </dgm:style>
+  </dgm:styleLbl>
+  <dgm:styleLbl name="asst3">
+    <dgm:scene3d>
+      <a:camera prst="orthographicFront"/>
+      <a:lightRig rig="threePt" dir="t"/>
+    </dgm:scene3d>
+    <dgm:sp3d/>
+    <dgm:txPr/>
+    <dgm:style>
+      <a:lnRef idx="2">
+        <a:scrgbClr r="0" g="0" b="0"/>
+      </a:lnRef>
+      <a:fillRef idx="1">
+        <a:scrgbClr r="0" g="0" b="0"/>
+      </a:fillRef>
+      <a:effectRef idx="0">
+        <a:scrgbClr r="0" g="0" b="0"/>
+      </a:effectRef>
+      <a:fontRef idx="minor">
+        <a:schemeClr val="lt1"/>
+      </a:fontRef>
+    </dgm:style>
+  </dgm:styleLbl>
+  <dgm:styleLbl name="asst4">
+    <dgm:scene3d>
+      <a:camera prst="orthographicFront"/>
+      <a:lightRig rig="threePt" dir="t"/>
+    </dgm:scene3d>
+    <dgm:sp3d/>
+    <dgm:txPr/>
+    <dgm:style>
+      <a:lnRef idx="2">
+        <a:scrgbClr r="0" g="0" b="0"/>
+      </a:lnRef>
+      <a:fillRef idx="1">
+        <a:scrgbClr r="0" g="0" b="0"/>
+      </a:fillRef>
+      <a:effectRef idx="0">
+        <a:scrgbClr r="0" g="0" b="0"/>
+      </a:effectRef>
+      <a:fontRef idx="minor">
+        <a:schemeClr val="lt1"/>
+      </a:fontRef>
+    </dgm:style>
+  </dgm:styleLbl>
+  <dgm:styleLbl name="parChTrans2D1">
+    <dgm:scene3d>
+      <a:camera prst="orthographicFront"/>
+      <a:lightRig rig="threePt" dir="t"/>
+    </dgm:scene3d>
+    <dgm:sp3d/>
+    <dgm:txPr/>
+    <dgm:style>
+      <a:lnRef idx="2">
+        <a:scrgbClr r="0" g="0" b="0"/>
+      </a:lnRef>
+      <a:fillRef idx="1">
+        <a:scrgbClr r="0" g="0" b="0"/>
+      </a:fillRef>
+      <a:effectRef idx="0">
+        <a:scrgbClr r="0" g="0" b="0"/>
+      </a:effectRef>
+      <a:fontRef idx="minor">
+        <a:schemeClr val="lt1"/>
+      </a:fontRef>
+    </dgm:style>
+  </dgm:styleLbl>
+  <dgm:styleLbl name="parChTrans2D2">
+    <dgm:scene3d>
+      <a:camera prst="orthographicFront"/>
+      <a:lightRig rig="threePt" dir="t"/>
+    </dgm:scene3d>
+    <dgm:sp3d/>
+    <dgm:txPr/>
+    <dgm:style>
+      <a:lnRef idx="2">
+        <a:scrgbClr r="0" g="0" b="0"/>
+      </a:lnRef>
+      <a:fillRef idx="1">
+        <a:scrgbClr r="0" g="0" b="0"/>
+      </a:fillRef>
+      <a:effectRef idx="0">
+        <a:scrgbClr r="0" g="0" b="0"/>
+      </a:effectRef>
+      <a:fontRef idx="minor">
+        <a:schemeClr val="lt1"/>
+      </a:fontRef>
+    </dgm:style>
+  </dgm:styleLbl>
+  <dgm:styleLbl name="parChTrans2D3">
+    <dgm:scene3d>
+      <a:camera prst="orthographicFront"/>
+      <a:lightRig rig="threePt" dir="t"/>
+    </dgm:scene3d>
+    <dgm:sp3d/>
+    <dgm:txPr/>
+    <dgm:style>
+      <a:lnRef idx="2">
+        <a:scrgbClr r="0" g="0" b="0"/>
+      </a:lnRef>
+      <a:fillRef idx="1">
+        <a:scrgbClr r="0" g="0" b="0"/>
+      </a:fillRef>
+      <a:effectRef idx="0">
+        <a:scrgbClr r="0" g="0" b="0"/>
+      </a:effectRef>
+      <a:fontRef idx="minor">
+        <a:schemeClr val="lt1"/>
+      </a:fontRef>
+    </dgm:style>
+  </dgm:styleLbl>
+  <dgm:styleLbl name="parChTrans2D4">
+    <dgm:scene3d>
+      <a:camera prst="orthographicFront"/>
+      <a:lightRig rig="threePt" dir="t"/>
+    </dgm:scene3d>
+    <dgm:sp3d/>
+    <dgm:txPr/>
+    <dgm:style>
+      <a:lnRef idx="2">
+        <a:scrgbClr r="0" g="0" b="0"/>
+      </a:lnRef>
+      <a:fillRef idx="1">
+        <a:scrgbClr r="0" g="0" b="0"/>
+      </a:fillRef>
+      <a:effectRef idx="0">
+        <a:scrgbClr r="0" g="0" b="0"/>
+      </a:effectRef>
+      <a:fontRef idx="minor">
+        <a:schemeClr val="lt1"/>
+      </a:fontRef>
+    </dgm:style>
+  </dgm:styleLbl>
+  <dgm:styleLbl name="parChTrans1D1">
+    <dgm:scene3d>
+      <a:camera prst="orthographicFront"/>
+      <a:lightRig rig="threePt" dir="t"/>
+    </dgm:scene3d>
+    <dgm:sp3d/>
+    <dgm:txPr/>
+    <dgm:style>
+      <a:lnRef idx="2">
+        <a:scrgbClr r="0" g="0" b="0"/>
+      </a:lnRef>
+      <a:fillRef idx="0">
+        <a:scrgbClr r="0" g="0" b="0"/>
+      </a:fillRef>
+      <a:effectRef idx="0">
+        <a:scrgbClr r="0" g="0" b="0"/>
+      </a:effectRef>
+      <a:fontRef idx="minor"/>
+    </dgm:style>
+  </dgm:styleLbl>
+  <dgm:styleLbl name="parChTrans1D2">
+    <dgm:scene3d>
+      <a:camera prst="orthographicFront"/>
+      <a:lightRig rig="threePt" dir="t"/>
+    </dgm:scene3d>
+    <dgm:sp3d/>
+    <dgm:txPr/>
+    <dgm:style>
+      <a:lnRef idx="2">
+        <a:scrgbClr r="0" g="0" b="0"/>
+      </a:lnRef>
+      <a:fillRef idx="0">
+        <a:scrgbClr r="0" g="0" b="0"/>
+      </a:fillRef>
+      <a:effectRef idx="0">
+        <a:scrgbClr r="0" g="0" b="0"/>
+      </a:effectRef>
+      <a:fontRef idx="minor"/>
+    </dgm:style>
+  </dgm:styleLbl>
+  <dgm:styleLbl name="parChTrans1D3">
+    <dgm:scene3d>
+      <a:camera prst="orthographicFront"/>
+      <a:lightRig rig="threePt" dir="t"/>
+    </dgm:scene3d>
+    <dgm:sp3d/>
+    <dgm:txPr/>
+    <dgm:style>
+      <a:lnRef idx="2">
+        <a:scrgbClr r="0" g="0" b="0"/>
+      </a:lnRef>
+      <a:fillRef idx="0">
+        <a:scrgbClr r="0" g="0" b="0"/>
+      </a:fillRef>
+      <a:effectRef idx="0">
+        <a:scrgbClr r="0" g="0" b="0"/>
+      </a:effectRef>
+      <a:fontRef idx="minor"/>
+    </dgm:style>
+  </dgm:styleLbl>
+  <dgm:styleLbl name="parChTrans1D4">
+    <dgm:scene3d>
+      <a:camera prst="orthographicFront"/>
+      <a:lightRig rig="threePt" dir="t"/>
+    </dgm:scene3d>
+    <dgm:sp3d/>
+    <dgm:txPr/>
+    <dgm:style>
+      <a:lnRef idx="2">
+        <a:scrgbClr r="0" g="0" b="0"/>
+      </a:lnRef>
+      <a:fillRef idx="0">
+        <a:scrgbClr r="0" g="0" b="0"/>
+      </a:fillRef>
+      <a:effectRef idx="0">
+        <a:scrgbClr r="0" g="0" b="0"/>
+      </a:effectRef>
+      <a:fontRef idx="minor"/>
+    </dgm:style>
+  </dgm:styleLbl>
+  <dgm:styleLbl name="fgAcc1">
+    <dgm:scene3d>
+      <a:camera prst="orthographicFront"/>
+      <a:lightRig rig="threePt" dir="t"/>
+    </dgm:scene3d>
+    <dgm:sp3d/>
+    <dgm:txPr/>
+    <dgm:style>
+      <a:lnRef idx="2">
+        <a:scrgbClr r="0" g="0" b="0"/>
+      </a:lnRef>
+      <a:fillRef idx="1">
+        <a:scrgbClr r="0" g="0" b="0"/>
+      </a:fillRef>
+      <a:effectRef idx="0">
+        <a:scrgbClr r="0" g="0" b="0"/>
+      </a:effectRef>
+      <a:fontRef idx="minor"/>
+    </dgm:style>
+  </dgm:styleLbl>
+  <dgm:styleLbl name="conFgAcc1">
+    <dgm:scene3d>
+      <a:camera prst="orthographicFront"/>
+      <a:lightRig rig="threePt" dir="t"/>
+    </dgm:scene3d>
+    <dgm:sp3d/>
+    <dgm:txPr/>
+    <dgm:style>
+      <a:lnRef idx="2">
+        <a:scrgbClr r="0" g="0" b="0"/>
+      </a:lnRef>
+      <a:fillRef idx="1">
+        <a:scrgbClr r="0" g="0" b="0"/>
+      </a:fillRef>
+      <a:effectRef idx="0">
+        <a:scrgbClr r="0" g="0" b="0"/>
+      </a:effectRef>
+      <a:fontRef idx="minor"/>
+    </dgm:style>
+  </dgm:styleLbl>
+  <dgm:styleLbl name="alignAcc1">
+    <dgm:scene3d>
+      <a:camera prst="orthographicFront"/>
+      <a:lightRig rig="threePt" dir="t"/>
+    </dgm:scene3d>
+    <dgm:sp3d/>
+    <dgm:txPr/>
+    <dgm:style>
+      <a:lnRef idx="2">
+        <a:scrgbClr r="0" g="0" b="0"/>
+      </a:lnRef>
+      <a:fillRef idx="1">
+        <a:scrgbClr r="0" g="0" b="0"/>
+      </a:fillRef>
+      <a:effectRef idx="0">
+        <a:scrgbClr r="0" g="0" b="0"/>
+      </a:effectRef>
+      <a:fontRef idx="minor"/>
+    </dgm:style>
+  </dgm:styleLbl>
+  <dgm:styleLbl name="trAlignAcc1">
+    <dgm:scene3d>
+      <a:camera prst="orthographicFront"/>
+      <a:lightRig rig="threePt" dir="t"/>
+    </dgm:scene3d>
+    <dgm:sp3d/>
+    <dgm:txPr/>
+    <dgm:style>
+      <a:lnRef idx="1">
+        <a:scrgbClr r="0" g="0" b="0"/>
+      </a:lnRef>
+      <a:fillRef idx="1">
+        <a:scrgbClr r="0" g="0" b="0"/>
+      </a:fillRef>
+      <a:effectRef idx="0">
+        <a:scrgbClr r="0" g="0" b="0"/>
+      </a:effectRef>
+      <a:fontRef idx="minor"/>
+    </dgm:style>
+  </dgm:styleLbl>
+  <dgm:styleLbl name="bgAcc1">
+    <dgm:scene3d>
+      <a:camera prst="orthographicFront"/>
+      <a:lightRig rig="threePt" dir="t"/>
+    </dgm:scene3d>
+    <dgm:sp3d/>
+    <dgm:txPr/>
+    <dgm:style>
+      <a:lnRef idx="2">
+        <a:scrgbClr r="0" g="0" b="0"/>
+      </a:lnRef>
+      <a:fillRef idx="1">
+        <a:scrgbClr r="0" g="0" b="0"/>
+      </a:fillRef>
+      <a:effectRef idx="0">
+        <a:scrgbClr r="0" g="0" b="0"/>
+      </a:effectRef>
+      <a:fontRef idx="minor"/>
+    </dgm:style>
+  </dgm:styleLbl>
+  <dgm:styleLbl name="solidFgAcc1">
+    <dgm:scene3d>
+      <a:camera prst="orthographicFront"/>
+      <a:lightRig rig="threePt" dir="t"/>
+    </dgm:scene3d>
+    <dgm:sp3d/>
+    <dgm:txPr/>
+    <dgm:style>
+      <a:lnRef idx="2">
+        <a:scrgbClr r="0" g="0" b="0"/>
+      </a:lnRef>
+      <a:fillRef idx="1">
+        <a:scrgbClr r="0" g="0" b="0"/>
+      </a:fillRef>
+      <a:effectRef idx="0">
+        <a:scrgbClr r="0" g="0" b="0"/>
+      </a:effectRef>
+      <a:fontRef idx="minor"/>
+    </dgm:style>
+  </dgm:styleLbl>
+  <dgm:styleLbl name="solidAlignAcc1">
+    <dgm:scene3d>
+      <a:camera prst="orthographicFront"/>
+      <a:lightRig rig="threePt" dir="t"/>
+    </dgm:scene3d>
+    <dgm:sp3d/>
+    <dgm:txPr/>
+    <dgm:style>
+      <a:lnRef idx="2">
+        <a:scrgbClr r="0" g="0" b="0"/>
+      </a:lnRef>
+      <a:fillRef idx="1">
+        <a:scrgbClr r="0" g="0" b="0"/>
+      </a:fillRef>
+      <a:effectRef idx="0">
+        <a:scrgbClr r="0" g="0" b="0"/>
+      </a:effectRef>
+      <a:fontRef idx="minor"/>
+    </dgm:style>
+  </dgm:styleLbl>
+  <dgm:styleLbl name="solidBgAcc1">
+    <dgm:scene3d>
+      <a:camera prst="orthographicFront"/>
+      <a:lightRig rig="threePt" dir="t"/>
+    </dgm:scene3d>
+    <dgm:sp3d/>
+    <dgm:txPr/>
+    <dgm:style>
+      <a:lnRef idx="2">
+        <a:scrgbClr r="0" g="0" b="0"/>
+      </a:lnRef>
+      <a:fillRef idx="1">
+        <a:scrgbClr r="0" g="0" b="0"/>
+      </a:fillRef>
+      <a:effectRef idx="0">
+        <a:scrgbClr r="0" g="0" b="0"/>
+      </a:effectRef>
+      <a:fontRef idx="minor"/>
+    </dgm:style>
+  </dgm:styleLbl>
+  <dgm:styleLbl name="fgAccFollowNode1">
+    <dgm:scene3d>
+      <a:camera prst="orthographicFront"/>
+      <a:lightRig rig="threePt" dir="t"/>
+    </dgm:scene3d>
+    <dgm:sp3d/>
+    <dgm:txPr/>
+    <dgm:style>
+      <a:lnRef idx="2">
+        <a:scrgbClr r="0" g="0" b="0"/>
+      </a:lnRef>
+      <a:fillRef idx="1">
+        <a:scrgbClr r="0" g="0" b="0"/>
+      </a:fillRef>
+      <a:effectRef idx="0">
+        <a:scrgbClr r="0" g="0" b="0"/>
+      </a:effectRef>
+      <a:fontRef idx="minor"/>
+    </dgm:style>
+  </dgm:styleLbl>
+  <dgm:styleLbl name="alignAccFollowNode1">
+    <dgm:scene3d>
+      <a:camera prst="orthographicFront"/>
+      <a:lightRig rig="threePt" dir="t"/>
+    </dgm:scene3d>
+    <dgm:sp3d/>
+    <dgm:txPr/>
+    <dgm:style>
+      <a:lnRef idx="2">
+        <a:scrgbClr r="0" g="0" b="0"/>
+      </a:lnRef>
+      <a:fillRef idx="1">
+        <a:scrgbClr r="0" g="0" b="0"/>
+      </a:fillRef>
+      <a:effectRef idx="0">
+        <a:scrgbClr r="0" g="0" b="0"/>
+      </a:effectRef>
+      <a:fontRef idx="minor"/>
+    </dgm:style>
+  </dgm:styleLbl>
+  <dgm:styleLbl name="bgAccFollowNode1">
+    <dgm:scene3d>
+      <a:camera prst="orthographicFront"/>
+      <a:lightRig rig="threePt" dir="t"/>
+    </dgm:scene3d>
+    <dgm:sp3d/>
+    <dgm:txPr/>
+    <dgm:style>
+      <a:lnRef idx="2">
+        <a:scrgbClr r="0" g="0" b="0"/>
+      </a:lnRef>
+      <a:fillRef idx="1">
+        <a:scrgbClr r="0" g="0" b="0"/>
+      </a:fillRef>
+      <a:effectRef idx="0">
+        <a:scrgbClr r="0" g="0" b="0"/>
+      </a:effectRef>
+      <a:fontRef idx="minor"/>
+    </dgm:style>
+  </dgm:styleLbl>
+  <dgm:styleLbl name="fgAcc0">
+    <dgm:scene3d>
+      <a:camera prst="orthographicFront"/>
+      <a:lightRig rig="threePt" dir="t"/>
+    </dgm:scene3d>
+    <dgm:sp3d/>
+    <dgm:txPr/>
+    <dgm:style>
+      <a:lnRef idx="2">
+        <a:scrgbClr r="0" g="0" b="0"/>
+      </a:lnRef>
+      <a:fillRef idx="1">
+        <a:scrgbClr r="0" g="0" b="0"/>
+      </a:fillRef>
+      <a:effectRef idx="0">
+        <a:scrgbClr r="0" g="0" b="0"/>
+      </a:effectRef>
+      <a:fontRef idx="minor"/>
+    </dgm:style>
+  </dgm:styleLbl>
+  <dgm:styleLbl name="fgAcc2">
+    <dgm:scene3d>
+      <a:camera prst="orthographicFront"/>
+      <a:lightRig rig="threePt" dir="t"/>
+    </dgm:scene3d>
+    <dgm:sp3d/>
+    <dgm:txPr/>
+    <dgm:style>
+      <a:lnRef idx="2">
+        <a:scrgbClr r="0" g="0" b="0"/>
+      </a:lnRef>
+      <a:fillRef idx="1">
+        <a:scrgbClr r="0" g="0" b="0"/>
+      </a:fillRef>
+      <a:effectRef idx="0">
+        <a:scrgbClr r="0" g="0" b="0"/>
+      </a:effectRef>
+      <a:fontRef idx="minor"/>
+    </dgm:style>
+  </dgm:styleLbl>
+  <dgm:styleLbl name="fgAcc3">
+    <dgm:scene3d>
+      <a:camera prst="orthographicFront"/>
+      <a:lightRig rig="threePt" dir="t"/>
+    </dgm:scene3d>
+    <dgm:sp3d/>
+    <dgm:txPr/>
+    <dgm:style>
+      <a:lnRef idx="2">
+        <a:scrgbClr r="0" g="0" b="0"/>
+      </a:lnRef>
+      <a:fillRef idx="1">
+        <a:scrgbClr r="0" g="0" b="0"/>
+      </a:fillRef>
+      <a:effectRef idx="0">
+        <a:scrgbClr r="0" g="0" b="0"/>
+      </a:effectRef>
+      <a:fontRef idx="minor"/>
+    </dgm:style>
+  </dgm:styleLbl>
+  <dgm:styleLbl name="fgAcc4">
+    <dgm:scene3d>
+      <a:camera prst="orthographicFront"/>
+      <a:lightRig rig="threePt" dir="t"/>
+    </dgm:scene3d>
+    <dgm:sp3d/>
+    <dgm:txPr/>
+    <dgm:style>
+      <a:lnRef idx="2">
+        <a:scrgbClr r="0" g="0" b="0"/>
+      </a:lnRef>
+      <a:fillRef idx="1">
+        <a:scrgbClr r="0" g="0" b="0"/>
+      </a:fillRef>
+      <a:effectRef idx="0">
+        <a:scrgbClr r="0" g="0" b="0"/>
+      </a:effectRef>
+      <a:fontRef idx="minor"/>
+    </dgm:style>
+  </dgm:styleLbl>
+  <dgm:styleLbl name="bgShp">
+    <dgm:scene3d>
+      <a:camera prst="orthographicFront"/>
+      <a:lightRig rig="threePt" dir="t"/>
+    </dgm:scene3d>
+    <dgm:sp3d/>
+    <dgm:txPr/>
+    <dgm:style>
+      <a:lnRef idx="0">
+        <a:scrgbClr r="0" g="0" b="0"/>
+      </a:lnRef>
+      <a:fillRef idx="1">
+        <a:scrgbClr r="0" g="0" b="0"/>
+      </a:fillRef>
+      <a:effectRef idx="0">
+        <a:scrgbClr r="0" g="0" b="0"/>
+      </a:effectRef>
+      <a:fontRef idx="minor"/>
+    </dgm:style>
+  </dgm:styleLbl>
+  <dgm:styleLbl name="dkBgShp">
+    <dgm:scene3d>
+      <a:camera prst="orthographicFront"/>
+      <a:lightRig rig="threePt" dir="t"/>
+    </dgm:scene3d>
+    <dgm:sp3d/>
+    <dgm:txPr/>
+    <dgm:style>
+      <a:lnRef idx="0">
+        <a:scrgbClr r="0" g="0" b="0"/>
+      </a:lnRef>
+      <a:fillRef idx="1">
+        <a:scrgbClr r="0" g="0" b="0"/>
+      </a:fillRef>
+      <a:effectRef idx="0">
+        <a:scrgbClr r="0" g="0" b="0"/>
+      </a:effectRef>
+      <a:fontRef idx="minor"/>
+    </dgm:style>
+  </dgm:styleLbl>
+  <dgm:styleLbl name="trBgShp">
+    <dgm:scene3d>
+      <a:camera prst="orthographicFront"/>
+      <a:lightRig rig="threePt" dir="t"/>
+    </dgm:scene3d>
+    <dgm:sp3d/>
+    <dgm:txPr/>
+    <dgm:style>
+      <a:lnRef idx="0">
+        <a:scrgbClr r="0" g="0" b="0"/>
+      </a:lnRef>
+      <a:fillRef idx="1">
+        <a:scrgbClr r="0" g="0" b="0"/>
+      </a:fillRef>
+      <a:effectRef idx="0">
+        <a:scrgbClr r="0" g="0" b="0"/>
+      </a:effectRef>
+      <a:fontRef idx="minor"/>
+    </dgm:style>
+  </dgm:styleLbl>
+  <dgm:styleLbl name="fgShp">
+    <dgm:scene3d>
+      <a:camera prst="orthographicFront"/>
+      <a:lightRig rig="threePt" dir="t"/>
+    </dgm:scene3d>
+    <dgm:sp3d/>
+    <dgm:txPr/>
+    <dgm:style>
+      <a:lnRef idx="2">
+        <a:scrgbClr r="0" g="0" b="0"/>
+      </a:lnRef>
+      <a:fillRef idx="1">
+        <a:scrgbClr r="0" g="0" b="0"/>
+      </a:fillRef>
+      <a:effectRef idx="0">
+        <a:scrgbClr r="0" g="0" b="0"/>
+      </a:effectRef>
+      <a:fontRef idx="minor"/>
+    </dgm:style>
+  </dgm:styleLbl>
+  <dgm:styleLbl name="revTx">
+    <dgm:scene3d>
+      <a:camera prst="orthographicFront"/>
+      <a:lightRig rig="threePt" dir="t"/>
+    </dgm:scene3d>
+    <dgm:sp3d/>
+    <dgm:txPr/>
+    <dgm:style>
+      <a:lnRef idx="0">
+        <a:scrgbClr r="0" g="0" b="0"/>
+      </a:lnRef>
+      <a:fillRef idx="0">
+        <a:scrgbClr r="0" g="0" b="0"/>
+      </a:fillRef>
+      <a:effectRef idx="0">
+        <a:scrgbClr r="0" g="0" b="0"/>
+      </a:effectRef>
+      <a:fontRef idx="minor"/>
+    </dgm:style>
+  </dgm:styleLbl>
+</dgm:styleDef>
 </file>
 
 <file path=ppt/slideLayouts/slideLayout1.xml><?xml version="1.0" encoding="utf-8"?>
@@ -129,7 +2717,7 @@
           <p:cNvPr id="2" name="Title 1">
             <a:extLst>
               <a:ext uri="{FF2B5EF4-FFF2-40B4-BE49-F238E27FC236}">
-                <a16:creationId xmlns:a16="http://schemas.microsoft.com/office/drawing/2014/main" id="{D703C4CA-9242-D729-A685-537BE6598BCF}"/>
+                <a16:creationId xmlns:a16="http://schemas.microsoft.com/office/drawing/2014/main" id="{078DD129-A8C2-419E-B641-6CC90F50732D}"/>
               </a:ext>
             </a:extLst>
           </p:cNvPr>
@@ -142,8 +2730,8 @@
         </p:nvSpPr>
         <p:spPr>
           <a:xfrm>
-            <a:off x="1524000" y="1122363"/>
-            <a:ext cx="9144000" cy="2387600"/>
+            <a:off x="762000" y="1524000"/>
+            <a:ext cx="10668000" cy="2286000"/>
           </a:xfrm>
         </p:spPr>
         <p:txBody>
@@ -155,10 +2743,9 @@
           </a:lstStyle>
           <a:p>
             <a:r>
-              <a:rPr lang="en-GB"/>
+              <a:rPr lang="en-US"/>
               <a:t>Click to edit Master title style</a:t>
             </a:r>
-            <a:endParaRPr lang="en-NL"/>
           </a:p>
         </p:txBody>
       </p:sp>
@@ -167,7 +2754,7 @@
           <p:cNvPr id="3" name="Subtitle 2">
             <a:extLst>
               <a:ext uri="{FF2B5EF4-FFF2-40B4-BE49-F238E27FC236}">
-                <a16:creationId xmlns:a16="http://schemas.microsoft.com/office/drawing/2014/main" id="{D39DC41C-F2EA-EE6C-8FC6-70525024B5D9}"/>
+                <a16:creationId xmlns:a16="http://schemas.microsoft.com/office/drawing/2014/main" id="{D1B33C04-8A23-4499-A6EF-1D190F0FB38E}"/>
               </a:ext>
             </a:extLst>
           </p:cNvPr>
@@ -180,8 +2767,8 @@
         </p:nvSpPr>
         <p:spPr>
           <a:xfrm>
-            <a:off x="1524000" y="3602038"/>
-            <a:ext cx="9144000" cy="1655762"/>
+            <a:off x="762000" y="4571999"/>
+            <a:ext cx="10668000" cy="1524000"/>
           </a:xfrm>
         </p:spPr>
         <p:txBody>
@@ -226,10 +2813,9 @@
           </a:lstStyle>
           <a:p>
             <a:r>
-              <a:rPr lang="en-GB"/>
+              <a:rPr lang="en-US"/>
               <a:t>Click to edit Master subtitle style</a:t>
             </a:r>
-            <a:endParaRPr lang="en-NL"/>
           </a:p>
         </p:txBody>
       </p:sp>
@@ -238,7 +2824,7 @@
           <p:cNvPr id="4" name="Date Placeholder 3">
             <a:extLst>
               <a:ext uri="{FF2B5EF4-FFF2-40B4-BE49-F238E27FC236}">
-                <a16:creationId xmlns:a16="http://schemas.microsoft.com/office/drawing/2014/main" id="{30AC3A9F-CB2A-3F24-BEE9-B27CF5907B62}"/>
+                <a16:creationId xmlns:a16="http://schemas.microsoft.com/office/drawing/2014/main" id="{BEFA99FB-5674-4BC5-949F-8D45EC167511}"/>
               </a:ext>
             </a:extLst>
           </p:cNvPr>
@@ -254,11 +2840,11 @@
           <a:bodyPr/>
           <a:lstStyle/>
           <a:p>
-            <a:fld id="{FC7524BA-EB6C-6746-AF77-D084354F33A1}" type="datetimeFigureOut">
-              <a:rPr lang="en-NL" smtClean="0"/>
-              <a:t>27/11/2024</a:t>
+            <a:fld id="{76969C88-B244-455D-A017-012B25B1ACDD}" type="datetimeFigureOut">
+              <a:rPr lang="en-US" smtClean="0"/>
+              <a:t>12/3/24</a:t>
             </a:fld>
-            <a:endParaRPr lang="en-NL"/>
+            <a:endParaRPr lang="en-US"/>
           </a:p>
         </p:txBody>
       </p:sp>
@@ -267,7 +2853,7 @@
           <p:cNvPr id="5" name="Footer Placeholder 4">
             <a:extLst>
               <a:ext uri="{FF2B5EF4-FFF2-40B4-BE49-F238E27FC236}">
-                <a16:creationId xmlns:a16="http://schemas.microsoft.com/office/drawing/2014/main" id="{79786099-5151-2261-00BA-CBDC9844D183}"/>
+                <a16:creationId xmlns:a16="http://schemas.microsoft.com/office/drawing/2014/main" id="{0763CF93-DD67-4FE2-8083-864693FE8E7B}"/>
               </a:ext>
             </a:extLst>
           </p:cNvPr>
@@ -283,7 +2869,7 @@
           <a:bodyPr/>
           <a:lstStyle/>
           <a:p>
-            <a:endParaRPr lang="en-NL"/>
+            <a:endParaRPr lang="en-US"/>
           </a:p>
         </p:txBody>
       </p:sp>
@@ -292,7 +2878,7 @@
           <p:cNvPr id="6" name="Slide Number Placeholder 5">
             <a:extLst>
               <a:ext uri="{FF2B5EF4-FFF2-40B4-BE49-F238E27FC236}">
-                <a16:creationId xmlns:a16="http://schemas.microsoft.com/office/drawing/2014/main" id="{F41646E4-5F19-719E-4FBA-2AD1C4417C2A}"/>
+                <a16:creationId xmlns:a16="http://schemas.microsoft.com/office/drawing/2014/main" id="{2F05E934-32B6-44B1-9622-67F30BDA3F3A}"/>
               </a:ext>
             </a:extLst>
           </p:cNvPr>
@@ -308,18 +2894,18 @@
           <a:bodyPr/>
           <a:lstStyle/>
           <a:p>
-            <a:fld id="{2D8C4996-1EDD-144C-814B-F9E9493B2CD7}" type="slidenum">
-              <a:rPr lang="en-NL" smtClean="0"/>
+            <a:fld id="{07CE569E-9B7C-4CB9-AB80-C0841F922CFF}" type="slidenum">
+              <a:rPr lang="en-US" smtClean="0"/>
               <a:t>‹#›</a:t>
             </a:fld>
-            <a:endParaRPr lang="en-NL"/>
+            <a:endParaRPr lang="en-US"/>
           </a:p>
         </p:txBody>
       </p:sp>
     </p:spTree>
     <p:extLst>
       <p:ext uri="{BB962C8B-B14F-4D97-AF65-F5344CB8AC3E}">
-        <p14:creationId xmlns:p14="http://schemas.microsoft.com/office/powerpoint/2010/main" val="3135017904"/>
+        <p14:creationId xmlns:p14="http://schemas.microsoft.com/office/powerpoint/2010/main" val="2142655871"/>
       </p:ext>
     </p:extLst>
   </p:cSld>
@@ -351,7 +2937,7 @@
           <p:cNvPr id="2" name="Title 1">
             <a:extLst>
               <a:ext uri="{FF2B5EF4-FFF2-40B4-BE49-F238E27FC236}">
-                <a16:creationId xmlns:a16="http://schemas.microsoft.com/office/drawing/2014/main" id="{6EF64473-B2D6-51D7-B654-5CC31C108302}"/>
+                <a16:creationId xmlns:a16="http://schemas.microsoft.com/office/drawing/2014/main" id="{22BA5B09-FC60-445F-8A12-79869BEC60B7}"/>
               </a:ext>
             </a:extLst>
           </p:cNvPr>
@@ -368,10 +2954,9 @@
           <a:lstStyle/>
           <a:p>
             <a:r>
-              <a:rPr lang="en-GB"/>
+              <a:rPr lang="en-US"/>
               <a:t>Click to edit Master title style</a:t>
             </a:r>
-            <a:endParaRPr lang="en-NL"/>
           </a:p>
         </p:txBody>
       </p:sp>
@@ -380,7 +2965,7 @@
           <p:cNvPr id="3" name="Vertical Text Placeholder 2">
             <a:extLst>
               <a:ext uri="{FF2B5EF4-FFF2-40B4-BE49-F238E27FC236}">
-                <a16:creationId xmlns:a16="http://schemas.microsoft.com/office/drawing/2014/main" id="{844F8157-DFB7-4755-D8BB-17FB92F8AEF0}"/>
+                <a16:creationId xmlns:a16="http://schemas.microsoft.com/office/drawing/2014/main" id="{E0A219F7-87F2-409F-BB0B-8FE9270C982C}"/>
               </a:ext>
             </a:extLst>
           </p:cNvPr>
@@ -398,38 +2983,37 @@
           <a:p>
             <a:pPr lvl="0"/>
             <a:r>
-              <a:rPr lang="en-GB"/>
+              <a:rPr lang="en-US"/>
               <a:t>Click to edit Master text styles</a:t>
             </a:r>
           </a:p>
           <a:p>
             <a:pPr lvl="1"/>
             <a:r>
-              <a:rPr lang="en-GB"/>
+              <a:rPr lang="en-US"/>
               <a:t>Second level</a:t>
             </a:r>
           </a:p>
           <a:p>
             <a:pPr lvl="2"/>
             <a:r>
-              <a:rPr lang="en-GB"/>
+              <a:rPr lang="en-US"/>
               <a:t>Third level</a:t>
             </a:r>
           </a:p>
           <a:p>
             <a:pPr lvl="3"/>
             <a:r>
-              <a:rPr lang="en-GB"/>
+              <a:rPr lang="en-US"/>
               <a:t>Fourth level</a:t>
             </a:r>
           </a:p>
           <a:p>
             <a:pPr lvl="4"/>
             <a:r>
-              <a:rPr lang="en-GB"/>
+              <a:rPr lang="en-US"/>
               <a:t>Fifth level</a:t>
             </a:r>
-            <a:endParaRPr lang="en-NL"/>
           </a:p>
         </p:txBody>
       </p:sp>
@@ -438,7 +3022,7 @@
           <p:cNvPr id="4" name="Date Placeholder 3">
             <a:extLst>
               <a:ext uri="{FF2B5EF4-FFF2-40B4-BE49-F238E27FC236}">
-                <a16:creationId xmlns:a16="http://schemas.microsoft.com/office/drawing/2014/main" id="{A1D12892-39EF-4D67-64B0-6B62545F4233}"/>
+                <a16:creationId xmlns:a16="http://schemas.microsoft.com/office/drawing/2014/main" id="{CCAC2BB8-59E0-4EB2-B3BE-59D8641EE133}"/>
               </a:ext>
             </a:extLst>
           </p:cNvPr>
@@ -454,11 +3038,11 @@
           <a:bodyPr/>
           <a:lstStyle/>
           <a:p>
-            <a:fld id="{FC7524BA-EB6C-6746-AF77-D084354F33A1}" type="datetimeFigureOut">
-              <a:rPr lang="en-NL" smtClean="0"/>
-              <a:t>27/11/2024</a:t>
+            <a:fld id="{76969C88-B244-455D-A017-012B25B1ACDD}" type="datetimeFigureOut">
+              <a:rPr lang="en-US" smtClean="0"/>
+              <a:t>12/3/24</a:t>
             </a:fld>
-            <a:endParaRPr lang="en-NL"/>
+            <a:endParaRPr lang="en-US"/>
           </a:p>
         </p:txBody>
       </p:sp>
@@ -467,7 +3051,7 @@
           <p:cNvPr id="5" name="Footer Placeholder 4">
             <a:extLst>
               <a:ext uri="{FF2B5EF4-FFF2-40B4-BE49-F238E27FC236}">
-                <a16:creationId xmlns:a16="http://schemas.microsoft.com/office/drawing/2014/main" id="{86835A3B-DA13-B200-CB03-FAEDBA6CB996}"/>
+                <a16:creationId xmlns:a16="http://schemas.microsoft.com/office/drawing/2014/main" id="{2D56984E-C0DE-461B-8011-8FC31B0EE948}"/>
               </a:ext>
             </a:extLst>
           </p:cNvPr>
@@ -483,7 +3067,7 @@
           <a:bodyPr/>
           <a:lstStyle/>
           <a:p>
-            <a:endParaRPr lang="en-NL"/>
+            <a:endParaRPr lang="en-US"/>
           </a:p>
         </p:txBody>
       </p:sp>
@@ -492,7 +3076,7 @@
           <p:cNvPr id="6" name="Slide Number Placeholder 5">
             <a:extLst>
               <a:ext uri="{FF2B5EF4-FFF2-40B4-BE49-F238E27FC236}">
-                <a16:creationId xmlns:a16="http://schemas.microsoft.com/office/drawing/2014/main" id="{4ADE784A-E8E2-9BA9-DFDB-1842BDAB109B}"/>
+                <a16:creationId xmlns:a16="http://schemas.microsoft.com/office/drawing/2014/main" id="{57FE7C03-68D3-445E-A5A2-8A935CFC977E}"/>
               </a:ext>
             </a:extLst>
           </p:cNvPr>
@@ -508,18 +3092,18 @@
           <a:bodyPr/>
           <a:lstStyle/>
           <a:p>
-            <a:fld id="{2D8C4996-1EDD-144C-814B-F9E9493B2CD7}" type="slidenum">
-              <a:rPr lang="en-NL" smtClean="0"/>
+            <a:fld id="{07CE569E-9B7C-4CB9-AB80-C0841F922CFF}" type="slidenum">
+              <a:rPr lang="en-US" smtClean="0"/>
               <a:t>‹#›</a:t>
             </a:fld>
-            <a:endParaRPr lang="en-NL"/>
+            <a:endParaRPr lang="en-US"/>
           </a:p>
         </p:txBody>
       </p:sp>
     </p:spTree>
     <p:extLst>
       <p:ext uri="{BB962C8B-B14F-4D97-AF65-F5344CB8AC3E}">
-        <p14:creationId xmlns:p14="http://schemas.microsoft.com/office/powerpoint/2010/main" val="1036787038"/>
+        <p14:creationId xmlns:p14="http://schemas.microsoft.com/office/powerpoint/2010/main" val="869386399"/>
       </p:ext>
     </p:extLst>
   </p:cSld>
@@ -551,7 +3135,7 @@
           <p:cNvPr id="2" name="Vertical Title 1">
             <a:extLst>
               <a:ext uri="{FF2B5EF4-FFF2-40B4-BE49-F238E27FC236}">
-                <a16:creationId xmlns:a16="http://schemas.microsoft.com/office/drawing/2014/main" id="{283E4FC1-99E9-8ADB-0FC6-E720B00BE96F}"/>
+                <a16:creationId xmlns:a16="http://schemas.microsoft.com/office/drawing/2014/main" id="{3B21F0D7-112D-48B1-B32B-170B1AA2B51E}"/>
               </a:ext>
             </a:extLst>
           </p:cNvPr>
@@ -564,8 +3148,8 @@
         </p:nvSpPr>
         <p:spPr>
           <a:xfrm>
-            <a:off x="8724900" y="365125"/>
-            <a:ext cx="2628900" cy="5811838"/>
+            <a:off x="9143998" y="761999"/>
+            <a:ext cx="2286000" cy="5334001"/>
           </a:xfrm>
         </p:spPr>
         <p:txBody>
@@ -573,10 +3157,9 @@
           <a:lstStyle/>
           <a:p>
             <a:r>
-              <a:rPr lang="en-GB"/>
+              <a:rPr lang="en-US"/>
               <a:t>Click to edit Master title style</a:t>
             </a:r>
-            <a:endParaRPr lang="en-NL"/>
           </a:p>
         </p:txBody>
       </p:sp>
@@ -585,7 +3168,7 @@
           <p:cNvPr id="3" name="Vertical Text Placeholder 2">
             <a:extLst>
               <a:ext uri="{FF2B5EF4-FFF2-40B4-BE49-F238E27FC236}">
-                <a16:creationId xmlns:a16="http://schemas.microsoft.com/office/drawing/2014/main" id="{28B660DB-6189-4F09-2633-4871A729BC65}"/>
+                <a16:creationId xmlns:a16="http://schemas.microsoft.com/office/drawing/2014/main" id="{4B27A7C1-8E5B-41DA-9802-F242D382B66B}"/>
               </a:ext>
             </a:extLst>
           </p:cNvPr>
@@ -598,8 +3181,8 @@
         </p:nvSpPr>
         <p:spPr>
           <a:xfrm>
-            <a:off x="838200" y="365125"/>
-            <a:ext cx="7734300" cy="5811838"/>
+            <a:off x="762001" y="761999"/>
+            <a:ext cx="7619999" cy="5334001"/>
           </a:xfrm>
         </p:spPr>
         <p:txBody>
@@ -608,38 +3191,37 @@
           <a:p>
             <a:pPr lvl="0"/>
             <a:r>
-              <a:rPr lang="en-GB"/>
+              <a:rPr lang="en-US"/>
               <a:t>Click to edit Master text styles</a:t>
             </a:r>
           </a:p>
           <a:p>
             <a:pPr lvl="1"/>
             <a:r>
-              <a:rPr lang="en-GB"/>
+              <a:rPr lang="en-US"/>
               <a:t>Second level</a:t>
             </a:r>
           </a:p>
           <a:p>
             <a:pPr lvl="2"/>
             <a:r>
-              <a:rPr lang="en-GB"/>
+              <a:rPr lang="en-US"/>
               <a:t>Third level</a:t>
             </a:r>
           </a:p>
           <a:p>
             <a:pPr lvl="3"/>
             <a:r>
-              <a:rPr lang="en-GB"/>
+              <a:rPr lang="en-US"/>
               <a:t>Fourth level</a:t>
             </a:r>
           </a:p>
           <a:p>
             <a:pPr lvl="4"/>
             <a:r>
-              <a:rPr lang="en-GB"/>
+              <a:rPr lang="en-US"/>
               <a:t>Fifth level</a:t>
             </a:r>
-            <a:endParaRPr lang="en-NL"/>
           </a:p>
         </p:txBody>
       </p:sp>
@@ -648,7 +3230,7 @@
           <p:cNvPr id="4" name="Date Placeholder 3">
             <a:extLst>
               <a:ext uri="{FF2B5EF4-FFF2-40B4-BE49-F238E27FC236}">
-                <a16:creationId xmlns:a16="http://schemas.microsoft.com/office/drawing/2014/main" id="{E7C61013-665C-A53F-1BF5-9165BF29D8CB}"/>
+                <a16:creationId xmlns:a16="http://schemas.microsoft.com/office/drawing/2014/main" id="{4A961CC7-F5B1-464A-8127-60645FB21081}"/>
               </a:ext>
             </a:extLst>
           </p:cNvPr>
@@ -664,11 +3246,11 @@
           <a:bodyPr/>
           <a:lstStyle/>
           <a:p>
-            <a:fld id="{FC7524BA-EB6C-6746-AF77-D084354F33A1}" type="datetimeFigureOut">
-              <a:rPr lang="en-NL" smtClean="0"/>
-              <a:t>27/11/2024</a:t>
+            <a:fld id="{76969C88-B244-455D-A017-012B25B1ACDD}" type="datetimeFigureOut">
+              <a:rPr lang="en-US" smtClean="0"/>
+              <a:t>12/3/24</a:t>
             </a:fld>
-            <a:endParaRPr lang="en-NL"/>
+            <a:endParaRPr lang="en-US"/>
           </a:p>
         </p:txBody>
       </p:sp>
@@ -677,7 +3259,7 @@
           <p:cNvPr id="5" name="Footer Placeholder 4">
             <a:extLst>
               <a:ext uri="{FF2B5EF4-FFF2-40B4-BE49-F238E27FC236}">
-                <a16:creationId xmlns:a16="http://schemas.microsoft.com/office/drawing/2014/main" id="{60810D7A-E87B-2DF9-2326-A6FD2780F972}"/>
+                <a16:creationId xmlns:a16="http://schemas.microsoft.com/office/drawing/2014/main" id="{53B94302-B381-4F37-A9FF-5CC5519175A6}"/>
               </a:ext>
             </a:extLst>
           </p:cNvPr>
@@ -693,7 +3275,7 @@
           <a:bodyPr/>
           <a:lstStyle/>
           <a:p>
-            <a:endParaRPr lang="en-NL"/>
+            <a:endParaRPr lang="en-US"/>
           </a:p>
         </p:txBody>
       </p:sp>
@@ -702,7 +3284,7 @@
           <p:cNvPr id="6" name="Slide Number Placeholder 5">
             <a:extLst>
               <a:ext uri="{FF2B5EF4-FFF2-40B4-BE49-F238E27FC236}">
-                <a16:creationId xmlns:a16="http://schemas.microsoft.com/office/drawing/2014/main" id="{FBD24D3E-F9AD-C413-A3FB-6FD74594F272}"/>
+                <a16:creationId xmlns:a16="http://schemas.microsoft.com/office/drawing/2014/main" id="{FE707151-541F-4104-B989-83A9DCA6E616}"/>
               </a:ext>
             </a:extLst>
           </p:cNvPr>
@@ -718,18 +3300,18 @@
           <a:bodyPr/>
           <a:lstStyle/>
           <a:p>
-            <a:fld id="{2D8C4996-1EDD-144C-814B-F9E9493B2CD7}" type="slidenum">
-              <a:rPr lang="en-NL" smtClean="0"/>
+            <a:fld id="{07CE569E-9B7C-4CB9-AB80-C0841F922CFF}" type="slidenum">
+              <a:rPr lang="en-US" smtClean="0"/>
               <a:t>‹#›</a:t>
             </a:fld>
-            <a:endParaRPr lang="en-NL"/>
+            <a:endParaRPr lang="en-US"/>
           </a:p>
         </p:txBody>
       </p:sp>
     </p:spTree>
     <p:extLst>
       <p:ext uri="{BB962C8B-B14F-4D97-AF65-F5344CB8AC3E}">
-        <p14:creationId xmlns:p14="http://schemas.microsoft.com/office/powerpoint/2010/main" val="4218141544"/>
+        <p14:creationId xmlns:p14="http://schemas.microsoft.com/office/powerpoint/2010/main" val="1208066271"/>
       </p:ext>
     </p:extLst>
   </p:cSld>
@@ -761,7 +3343,7 @@
           <p:cNvPr id="2" name="Title 1">
             <a:extLst>
               <a:ext uri="{FF2B5EF4-FFF2-40B4-BE49-F238E27FC236}">
-                <a16:creationId xmlns:a16="http://schemas.microsoft.com/office/drawing/2014/main" id="{A9B7B01B-21AE-8A64-28BD-36EB4238A84E}"/>
+                <a16:creationId xmlns:a16="http://schemas.microsoft.com/office/drawing/2014/main" id="{066AF011-A499-4054-89BF-A4800A68F60B}"/>
               </a:ext>
             </a:extLst>
           </p:cNvPr>
@@ -778,10 +3360,10 @@
           <a:lstStyle/>
           <a:p>
             <a:r>
-              <a:rPr lang="en-GB"/>
+              <a:rPr lang="en-US"/>
               <a:t>Click to edit Master title style</a:t>
             </a:r>
-            <a:endParaRPr lang="en-NL"/>
+            <a:endParaRPr lang="en-US" dirty="0"/>
           </a:p>
         </p:txBody>
       </p:sp>
@@ -790,7 +3372,7 @@
           <p:cNvPr id="3" name="Content Placeholder 2">
             <a:extLst>
               <a:ext uri="{FF2B5EF4-FFF2-40B4-BE49-F238E27FC236}">
-                <a16:creationId xmlns:a16="http://schemas.microsoft.com/office/drawing/2014/main" id="{BC7942F0-ED91-C051-B157-F8118D49E98B}"/>
+                <a16:creationId xmlns:a16="http://schemas.microsoft.com/office/drawing/2014/main" id="{066FB6E8-D956-45B5-9B4A-9D31DF466BED}"/>
               </a:ext>
             </a:extLst>
           </p:cNvPr>
@@ -808,38 +3390,37 @@
           <a:p>
             <a:pPr lvl="0"/>
             <a:r>
-              <a:rPr lang="en-GB"/>
+              <a:rPr lang="en-US"/>
               <a:t>Click to edit Master text styles</a:t>
             </a:r>
           </a:p>
           <a:p>
             <a:pPr lvl="1"/>
             <a:r>
-              <a:rPr lang="en-GB"/>
+              <a:rPr lang="en-US"/>
               <a:t>Second level</a:t>
             </a:r>
           </a:p>
           <a:p>
             <a:pPr lvl="2"/>
             <a:r>
-              <a:rPr lang="en-GB"/>
+              <a:rPr lang="en-US"/>
               <a:t>Third level</a:t>
             </a:r>
           </a:p>
           <a:p>
             <a:pPr lvl="3"/>
             <a:r>
-              <a:rPr lang="en-GB"/>
+              <a:rPr lang="en-US"/>
               <a:t>Fourth level</a:t>
             </a:r>
           </a:p>
           <a:p>
             <a:pPr lvl="4"/>
             <a:r>
-              <a:rPr lang="en-GB"/>
+              <a:rPr lang="en-US"/>
               <a:t>Fifth level</a:t>
             </a:r>
-            <a:endParaRPr lang="en-NL"/>
           </a:p>
         </p:txBody>
       </p:sp>
@@ -848,7 +3429,7 @@
           <p:cNvPr id="4" name="Date Placeholder 3">
             <a:extLst>
               <a:ext uri="{FF2B5EF4-FFF2-40B4-BE49-F238E27FC236}">
-                <a16:creationId xmlns:a16="http://schemas.microsoft.com/office/drawing/2014/main" id="{3450374A-9F34-14B9-33AC-B21053C8309E}"/>
+                <a16:creationId xmlns:a16="http://schemas.microsoft.com/office/drawing/2014/main" id="{BECDB9DB-9E62-4292-915C-1DD4134740DB}"/>
               </a:ext>
             </a:extLst>
           </p:cNvPr>
@@ -864,11 +3445,11 @@
           <a:bodyPr/>
           <a:lstStyle/>
           <a:p>
-            <a:fld id="{FC7524BA-EB6C-6746-AF77-D084354F33A1}" type="datetimeFigureOut">
-              <a:rPr lang="en-NL" smtClean="0"/>
-              <a:t>27/11/2024</a:t>
+            <a:fld id="{76969C88-B244-455D-A017-012B25B1ACDD}" type="datetimeFigureOut">
+              <a:rPr lang="en-US" smtClean="0"/>
+              <a:t>12/3/24</a:t>
             </a:fld>
-            <a:endParaRPr lang="en-NL"/>
+            <a:endParaRPr lang="en-US"/>
           </a:p>
         </p:txBody>
       </p:sp>
@@ -877,7 +3458,7 @@
           <p:cNvPr id="5" name="Footer Placeholder 4">
             <a:extLst>
               <a:ext uri="{FF2B5EF4-FFF2-40B4-BE49-F238E27FC236}">
-                <a16:creationId xmlns:a16="http://schemas.microsoft.com/office/drawing/2014/main" id="{83974841-8B9D-11B4-655A-07CBB1043CB0}"/>
+                <a16:creationId xmlns:a16="http://schemas.microsoft.com/office/drawing/2014/main" id="{2BD462F1-BC30-4172-8353-363123A1DB4E}"/>
               </a:ext>
             </a:extLst>
           </p:cNvPr>
@@ -893,7 +3474,7 @@
           <a:bodyPr/>
           <a:lstStyle/>
           <a:p>
-            <a:endParaRPr lang="en-NL"/>
+            <a:endParaRPr lang="en-US"/>
           </a:p>
         </p:txBody>
       </p:sp>
@@ -902,7 +3483,7 @@
           <p:cNvPr id="6" name="Slide Number Placeholder 5">
             <a:extLst>
               <a:ext uri="{FF2B5EF4-FFF2-40B4-BE49-F238E27FC236}">
-                <a16:creationId xmlns:a16="http://schemas.microsoft.com/office/drawing/2014/main" id="{19D149F9-8A69-D248-40CD-AA2B1C1E3B40}"/>
+                <a16:creationId xmlns:a16="http://schemas.microsoft.com/office/drawing/2014/main" id="{BC92EE8A-96DF-4D7D-B434-778324756D04}"/>
               </a:ext>
             </a:extLst>
           </p:cNvPr>
@@ -918,18 +3499,18 @@
           <a:bodyPr/>
           <a:lstStyle/>
           <a:p>
-            <a:fld id="{2D8C4996-1EDD-144C-814B-F9E9493B2CD7}" type="slidenum">
-              <a:rPr lang="en-NL" smtClean="0"/>
+            <a:fld id="{07CE569E-9B7C-4CB9-AB80-C0841F922CFF}" type="slidenum">
+              <a:rPr lang="en-US" smtClean="0"/>
               <a:t>‹#›</a:t>
             </a:fld>
-            <a:endParaRPr lang="en-NL"/>
+            <a:endParaRPr lang="en-US"/>
           </a:p>
         </p:txBody>
       </p:sp>
     </p:spTree>
     <p:extLst>
       <p:ext uri="{BB962C8B-B14F-4D97-AF65-F5344CB8AC3E}">
-        <p14:creationId xmlns:p14="http://schemas.microsoft.com/office/powerpoint/2010/main" val="1441147762"/>
+        <p14:creationId xmlns:p14="http://schemas.microsoft.com/office/powerpoint/2010/main" val="3090132798"/>
       </p:ext>
     </p:extLst>
   </p:cSld>
@@ -961,7 +3542,7 @@
           <p:cNvPr id="2" name="Title 1">
             <a:extLst>
               <a:ext uri="{FF2B5EF4-FFF2-40B4-BE49-F238E27FC236}">
-                <a16:creationId xmlns:a16="http://schemas.microsoft.com/office/drawing/2014/main" id="{05C49A66-AB94-E8A6-CEEC-396B69FB1E87}"/>
+                <a16:creationId xmlns:a16="http://schemas.microsoft.com/office/drawing/2014/main" id="{9328453A-F2B4-4EDB-B8FA-150267BC1A9A}"/>
               </a:ext>
             </a:extLst>
           </p:cNvPr>
@@ -974,8 +3555,8 @@
         </p:nvSpPr>
         <p:spPr>
           <a:xfrm>
-            <a:off x="831850" y="1709738"/>
-            <a:ext cx="10515600" cy="2852737"/>
+            <a:off x="762000" y="1524000"/>
+            <a:ext cx="10668000" cy="3038475"/>
           </a:xfrm>
         </p:spPr>
         <p:txBody>
@@ -987,10 +3568,9 @@
           </a:lstStyle>
           <a:p>
             <a:r>
-              <a:rPr lang="en-GB"/>
+              <a:rPr lang="en-US"/>
               <a:t>Click to edit Master title style</a:t>
             </a:r>
-            <a:endParaRPr lang="en-NL"/>
           </a:p>
         </p:txBody>
       </p:sp>
@@ -999,7 +3579,7 @@
           <p:cNvPr id="3" name="Text Placeholder 2">
             <a:extLst>
               <a:ext uri="{FF2B5EF4-FFF2-40B4-BE49-F238E27FC236}">
-                <a16:creationId xmlns:a16="http://schemas.microsoft.com/office/drawing/2014/main" id="{53863499-91A3-E3C4-2555-CC720B31EC79}"/>
+                <a16:creationId xmlns:a16="http://schemas.microsoft.com/office/drawing/2014/main" id="{24C46C51-ADF1-48FC-A4D9-38C369E78304}"/>
               </a:ext>
             </a:extLst>
           </p:cNvPr>
@@ -1012,8 +3592,8 @@
         </p:nvSpPr>
         <p:spPr>
           <a:xfrm>
-            <a:off x="831850" y="4589463"/>
-            <a:ext cx="10515600" cy="1500187"/>
+            <a:off x="762000" y="4589463"/>
+            <a:ext cx="10668000" cy="1506537"/>
           </a:xfrm>
         </p:spPr>
         <p:txBody>
@@ -1024,7 +3604,7 @@
               <a:defRPr sz="2400">
                 <a:solidFill>
                   <a:schemeClr val="tx1">
-                    <a:tint val="82000"/>
+                    <a:tint val="75000"/>
                   </a:schemeClr>
                 </a:solidFill>
               </a:defRPr>
@@ -1034,7 +3614,7 @@
               <a:defRPr sz="2000">
                 <a:solidFill>
                   <a:schemeClr val="tx1">
-                    <a:tint val="82000"/>
+                    <a:tint val="75000"/>
                   </a:schemeClr>
                 </a:solidFill>
               </a:defRPr>
@@ -1044,7 +3624,7 @@
               <a:defRPr sz="1800">
                 <a:solidFill>
                   <a:schemeClr val="tx1">
-                    <a:tint val="82000"/>
+                    <a:tint val="75000"/>
                   </a:schemeClr>
                 </a:solidFill>
               </a:defRPr>
@@ -1054,7 +3634,7 @@
               <a:defRPr sz="1600">
                 <a:solidFill>
                   <a:schemeClr val="tx1">
-                    <a:tint val="82000"/>
+                    <a:tint val="75000"/>
                   </a:schemeClr>
                 </a:solidFill>
               </a:defRPr>
@@ -1064,7 +3644,7 @@
               <a:defRPr sz="1600">
                 <a:solidFill>
                   <a:schemeClr val="tx1">
-                    <a:tint val="82000"/>
+                    <a:tint val="75000"/>
                   </a:schemeClr>
                 </a:solidFill>
               </a:defRPr>
@@ -1074,7 +3654,7 @@
               <a:defRPr sz="1600">
                 <a:solidFill>
                   <a:schemeClr val="tx1">
-                    <a:tint val="82000"/>
+                    <a:tint val="75000"/>
                   </a:schemeClr>
                 </a:solidFill>
               </a:defRPr>
@@ -1084,7 +3664,7 @@
               <a:defRPr sz="1600">
                 <a:solidFill>
                   <a:schemeClr val="tx1">
-                    <a:tint val="82000"/>
+                    <a:tint val="75000"/>
                   </a:schemeClr>
                 </a:solidFill>
               </a:defRPr>
@@ -1094,7 +3674,7 @@
               <a:defRPr sz="1600">
                 <a:solidFill>
                   <a:schemeClr val="tx1">
-                    <a:tint val="82000"/>
+                    <a:tint val="75000"/>
                   </a:schemeClr>
                 </a:solidFill>
               </a:defRPr>
@@ -1104,7 +3684,7 @@
               <a:defRPr sz="1600">
                 <a:solidFill>
                   <a:schemeClr val="tx1">
-                    <a:tint val="82000"/>
+                    <a:tint val="75000"/>
                   </a:schemeClr>
                 </a:solidFill>
               </a:defRPr>
@@ -1113,7 +3693,7 @@
           <a:p>
             <a:pPr lvl="0"/>
             <a:r>
-              <a:rPr lang="en-GB"/>
+              <a:rPr lang="en-US"/>
               <a:t>Click to edit Master text styles</a:t>
             </a:r>
           </a:p>
@@ -1124,7 +3704,7 @@
           <p:cNvPr id="4" name="Date Placeholder 3">
             <a:extLst>
               <a:ext uri="{FF2B5EF4-FFF2-40B4-BE49-F238E27FC236}">
-                <a16:creationId xmlns:a16="http://schemas.microsoft.com/office/drawing/2014/main" id="{59D0738E-EBB4-95A7-DC94-0D401870CFFC}"/>
+                <a16:creationId xmlns:a16="http://schemas.microsoft.com/office/drawing/2014/main" id="{BEC43B56-4DC7-490B-AEFD-55ED1ECFF82E}"/>
               </a:ext>
             </a:extLst>
           </p:cNvPr>
@@ -1140,11 +3720,11 @@
           <a:bodyPr/>
           <a:lstStyle/>
           <a:p>
-            <a:fld id="{FC7524BA-EB6C-6746-AF77-D084354F33A1}" type="datetimeFigureOut">
-              <a:rPr lang="en-NL" smtClean="0"/>
-              <a:t>27/11/2024</a:t>
+            <a:fld id="{76969C88-B244-455D-A017-012B25B1ACDD}" type="datetimeFigureOut">
+              <a:rPr lang="en-US" smtClean="0"/>
+              <a:t>12/3/24</a:t>
             </a:fld>
-            <a:endParaRPr lang="en-NL"/>
+            <a:endParaRPr lang="en-US"/>
           </a:p>
         </p:txBody>
       </p:sp>
@@ -1153,7 +3733,7 @@
           <p:cNvPr id="5" name="Footer Placeholder 4">
             <a:extLst>
               <a:ext uri="{FF2B5EF4-FFF2-40B4-BE49-F238E27FC236}">
-                <a16:creationId xmlns:a16="http://schemas.microsoft.com/office/drawing/2014/main" id="{FF3866C9-BBD6-FCFB-D518-BDB6827C88CA}"/>
+                <a16:creationId xmlns:a16="http://schemas.microsoft.com/office/drawing/2014/main" id="{454738F8-C4B2-41D8-B627-A6DDB24B2D57}"/>
               </a:ext>
             </a:extLst>
           </p:cNvPr>
@@ -1169,7 +3749,7 @@
           <a:bodyPr/>
           <a:lstStyle/>
           <a:p>
-            <a:endParaRPr lang="en-NL"/>
+            <a:endParaRPr lang="en-US"/>
           </a:p>
         </p:txBody>
       </p:sp>
@@ -1178,7 +3758,7 @@
           <p:cNvPr id="6" name="Slide Number Placeholder 5">
             <a:extLst>
               <a:ext uri="{FF2B5EF4-FFF2-40B4-BE49-F238E27FC236}">
-                <a16:creationId xmlns:a16="http://schemas.microsoft.com/office/drawing/2014/main" id="{31704053-B2AD-2592-762E-70FB9973D94F}"/>
+                <a16:creationId xmlns:a16="http://schemas.microsoft.com/office/drawing/2014/main" id="{C4F43D49-23F8-4C4B-9C30-EDC030EE6F7E}"/>
               </a:ext>
             </a:extLst>
           </p:cNvPr>
@@ -1194,18 +3774,18 @@
           <a:bodyPr/>
           <a:lstStyle/>
           <a:p>
-            <a:fld id="{2D8C4996-1EDD-144C-814B-F9E9493B2CD7}" type="slidenum">
-              <a:rPr lang="en-NL" smtClean="0"/>
+            <a:fld id="{07CE569E-9B7C-4CB9-AB80-C0841F922CFF}" type="slidenum">
+              <a:rPr lang="en-US" smtClean="0"/>
               <a:t>‹#›</a:t>
             </a:fld>
-            <a:endParaRPr lang="en-NL"/>
+            <a:endParaRPr lang="en-US"/>
           </a:p>
         </p:txBody>
       </p:sp>
     </p:spTree>
     <p:extLst>
       <p:ext uri="{BB962C8B-B14F-4D97-AF65-F5344CB8AC3E}">
-        <p14:creationId xmlns:p14="http://schemas.microsoft.com/office/powerpoint/2010/main" val="1484372256"/>
+        <p14:creationId xmlns:p14="http://schemas.microsoft.com/office/powerpoint/2010/main" val="2078793606"/>
       </p:ext>
     </p:extLst>
   </p:cSld>
@@ -1237,7 +3817,7 @@
           <p:cNvPr id="2" name="Title 1">
             <a:extLst>
               <a:ext uri="{FF2B5EF4-FFF2-40B4-BE49-F238E27FC236}">
-                <a16:creationId xmlns:a16="http://schemas.microsoft.com/office/drawing/2014/main" id="{75B47E68-3EFA-199A-C810-474B2010CEA4}"/>
+                <a16:creationId xmlns:a16="http://schemas.microsoft.com/office/drawing/2014/main" id="{12E5556D-6916-42E6-8820-8A0D328A502B}"/>
               </a:ext>
             </a:extLst>
           </p:cNvPr>
@@ -1254,10 +3834,9 @@
           <a:lstStyle/>
           <a:p>
             <a:r>
-              <a:rPr lang="en-GB"/>
+              <a:rPr lang="en-US"/>
               <a:t>Click to edit Master title style</a:t>
             </a:r>
-            <a:endParaRPr lang="en-NL"/>
           </a:p>
         </p:txBody>
       </p:sp>
@@ -1266,7 +3845,7 @@
           <p:cNvPr id="3" name="Content Placeholder 2">
             <a:extLst>
               <a:ext uri="{FF2B5EF4-FFF2-40B4-BE49-F238E27FC236}">
-                <a16:creationId xmlns:a16="http://schemas.microsoft.com/office/drawing/2014/main" id="{CC53BF6F-F0C7-822E-200C-98A450FBB1DA}"/>
+                <a16:creationId xmlns:a16="http://schemas.microsoft.com/office/drawing/2014/main" id="{062747A5-C962-477F-89AA-A32385D57996}"/>
               </a:ext>
             </a:extLst>
           </p:cNvPr>
@@ -1279,8 +3858,8 @@
         </p:nvSpPr>
         <p:spPr>
           <a:xfrm>
-            <a:off x="838200" y="1825625"/>
-            <a:ext cx="5181600" cy="4351338"/>
+            <a:off x="762000" y="2285999"/>
+            <a:ext cx="5151119" cy="3810001"/>
           </a:xfrm>
         </p:spPr>
         <p:txBody>
@@ -1289,38 +3868,37 @@
           <a:p>
             <a:pPr lvl="0"/>
             <a:r>
-              <a:rPr lang="en-GB"/>
+              <a:rPr lang="en-US"/>
               <a:t>Click to edit Master text styles</a:t>
             </a:r>
           </a:p>
           <a:p>
             <a:pPr lvl="1"/>
             <a:r>
-              <a:rPr lang="en-GB"/>
+              <a:rPr lang="en-US"/>
               <a:t>Second level</a:t>
             </a:r>
           </a:p>
           <a:p>
             <a:pPr lvl="2"/>
             <a:r>
-              <a:rPr lang="en-GB"/>
+              <a:rPr lang="en-US"/>
               <a:t>Third level</a:t>
             </a:r>
           </a:p>
           <a:p>
             <a:pPr lvl="3"/>
             <a:r>
-              <a:rPr lang="en-GB"/>
+              <a:rPr lang="en-US"/>
               <a:t>Fourth level</a:t>
             </a:r>
           </a:p>
           <a:p>
             <a:pPr lvl="4"/>
             <a:r>
-              <a:rPr lang="en-GB"/>
+              <a:rPr lang="en-US"/>
               <a:t>Fifth level</a:t>
             </a:r>
-            <a:endParaRPr lang="en-NL"/>
           </a:p>
         </p:txBody>
       </p:sp>
@@ -1329,7 +3907,7 @@
           <p:cNvPr id="4" name="Content Placeholder 3">
             <a:extLst>
               <a:ext uri="{FF2B5EF4-FFF2-40B4-BE49-F238E27FC236}">
-                <a16:creationId xmlns:a16="http://schemas.microsoft.com/office/drawing/2014/main" id="{5CA50813-2D34-2DB0-2D40-ED71539685DC}"/>
+                <a16:creationId xmlns:a16="http://schemas.microsoft.com/office/drawing/2014/main" id="{0CD08312-30FC-44D8-B2A9-B5CAAD9F066F}"/>
               </a:ext>
             </a:extLst>
           </p:cNvPr>
@@ -1342,8 +3920,8 @@
         </p:nvSpPr>
         <p:spPr>
           <a:xfrm>
-            <a:off x="6172200" y="1825625"/>
-            <a:ext cx="5181600" cy="4351338"/>
+            <a:off x="6278879" y="2285999"/>
+            <a:ext cx="5151121" cy="3810001"/>
           </a:xfrm>
         </p:spPr>
         <p:txBody>
@@ -1352,38 +3930,37 @@
           <a:p>
             <a:pPr lvl="0"/>
             <a:r>
-              <a:rPr lang="en-GB"/>
+              <a:rPr lang="en-US"/>
               <a:t>Click to edit Master text styles</a:t>
             </a:r>
           </a:p>
           <a:p>
             <a:pPr lvl="1"/>
             <a:r>
-              <a:rPr lang="en-GB"/>
+              <a:rPr lang="en-US"/>
               <a:t>Second level</a:t>
             </a:r>
           </a:p>
           <a:p>
             <a:pPr lvl="2"/>
             <a:r>
-              <a:rPr lang="en-GB"/>
+              <a:rPr lang="en-US"/>
               <a:t>Third level</a:t>
             </a:r>
           </a:p>
           <a:p>
             <a:pPr lvl="3"/>
             <a:r>
-              <a:rPr lang="en-GB"/>
+              <a:rPr lang="en-US"/>
               <a:t>Fourth level</a:t>
             </a:r>
           </a:p>
           <a:p>
             <a:pPr lvl="4"/>
             <a:r>
-              <a:rPr lang="en-GB"/>
+              <a:rPr lang="en-US"/>
               <a:t>Fifth level</a:t>
             </a:r>
-            <a:endParaRPr lang="en-NL"/>
           </a:p>
         </p:txBody>
       </p:sp>
@@ -1392,7 +3969,7 @@
           <p:cNvPr id="5" name="Date Placeholder 4">
             <a:extLst>
               <a:ext uri="{FF2B5EF4-FFF2-40B4-BE49-F238E27FC236}">
-                <a16:creationId xmlns:a16="http://schemas.microsoft.com/office/drawing/2014/main" id="{CD1B04BA-B99F-08E6-9AAF-CED038CB71F0}"/>
+                <a16:creationId xmlns:a16="http://schemas.microsoft.com/office/drawing/2014/main" id="{DBED84EB-AF90-4F19-A376-0FE5E50F9EA5}"/>
               </a:ext>
             </a:extLst>
           </p:cNvPr>
@@ -1408,11 +3985,11 @@
           <a:bodyPr/>
           <a:lstStyle/>
           <a:p>
-            <a:fld id="{FC7524BA-EB6C-6746-AF77-D084354F33A1}" type="datetimeFigureOut">
-              <a:rPr lang="en-NL" smtClean="0"/>
-              <a:t>27/11/2024</a:t>
+            <a:fld id="{76969C88-B244-455D-A017-012B25B1ACDD}" type="datetimeFigureOut">
+              <a:rPr lang="en-US" smtClean="0"/>
+              <a:t>12/3/24</a:t>
             </a:fld>
-            <a:endParaRPr lang="en-NL"/>
+            <a:endParaRPr lang="en-US"/>
           </a:p>
         </p:txBody>
       </p:sp>
@@ -1421,7 +3998,7 @@
           <p:cNvPr id="6" name="Footer Placeholder 5">
             <a:extLst>
               <a:ext uri="{FF2B5EF4-FFF2-40B4-BE49-F238E27FC236}">
-                <a16:creationId xmlns:a16="http://schemas.microsoft.com/office/drawing/2014/main" id="{7FEEE07D-72BF-E808-DEA3-84839DEFE0C7}"/>
+                <a16:creationId xmlns:a16="http://schemas.microsoft.com/office/drawing/2014/main" id="{7B838ED0-2789-41E4-A36E-83F92CA2E84B}"/>
               </a:ext>
             </a:extLst>
           </p:cNvPr>
@@ -1437,7 +4014,7 @@
           <a:bodyPr/>
           <a:lstStyle/>
           <a:p>
-            <a:endParaRPr lang="en-NL"/>
+            <a:endParaRPr lang="en-US"/>
           </a:p>
         </p:txBody>
       </p:sp>
@@ -1446,7 +4023,7 @@
           <p:cNvPr id="7" name="Slide Number Placeholder 6">
             <a:extLst>
               <a:ext uri="{FF2B5EF4-FFF2-40B4-BE49-F238E27FC236}">
-                <a16:creationId xmlns:a16="http://schemas.microsoft.com/office/drawing/2014/main" id="{BAA420CF-9438-12A8-1EC3-47F8A70B1CB2}"/>
+                <a16:creationId xmlns:a16="http://schemas.microsoft.com/office/drawing/2014/main" id="{37221A83-6D60-45F0-9173-5F6D2438BC36}"/>
               </a:ext>
             </a:extLst>
           </p:cNvPr>
@@ -1462,18 +4039,18 @@
           <a:bodyPr/>
           <a:lstStyle/>
           <a:p>
-            <a:fld id="{2D8C4996-1EDD-144C-814B-F9E9493B2CD7}" type="slidenum">
-              <a:rPr lang="en-NL" smtClean="0"/>
+            <a:fld id="{07CE569E-9B7C-4CB9-AB80-C0841F922CFF}" type="slidenum">
+              <a:rPr lang="en-US" smtClean="0"/>
               <a:t>‹#›</a:t>
             </a:fld>
-            <a:endParaRPr lang="en-NL"/>
+            <a:endParaRPr lang="en-US"/>
           </a:p>
         </p:txBody>
       </p:sp>
     </p:spTree>
     <p:extLst>
       <p:ext uri="{BB962C8B-B14F-4D97-AF65-F5344CB8AC3E}">
-        <p14:creationId xmlns:p14="http://schemas.microsoft.com/office/powerpoint/2010/main" val="1597267377"/>
+        <p14:creationId xmlns:p14="http://schemas.microsoft.com/office/powerpoint/2010/main" val="3717913397"/>
       </p:ext>
     </p:extLst>
   </p:cSld>
@@ -1484,7 +4061,7 @@
 </file>
 
 <file path=ppt/slideLayouts/slideLayout5.xml><?xml version="1.0" encoding="utf-8"?>
-<p:sldLayout xmlns:a="http://schemas.openxmlformats.org/drawingml/2006/main" xmlns:r="http://schemas.openxmlformats.org/officeDocument/2006/relationships" xmlns:p="http://schemas.openxmlformats.org/presentationml/2006/main" type="twoTxTwoObj" preserve="1">
+<p:sldLayout xmlns:a="http://schemas.openxmlformats.org/drawingml/2006/main" xmlns:r="http://schemas.openxmlformats.org/officeDocument/2006/relationships" xmlns:p="http://schemas.openxmlformats.org/presentationml/2006/main" preserve="1">
   <p:cSld name="Comparison">
     <p:spTree>
       <p:nvGrpSpPr>
@@ -1505,7 +4082,7 @@
           <p:cNvPr id="2" name="Title 1">
             <a:extLst>
               <a:ext uri="{FF2B5EF4-FFF2-40B4-BE49-F238E27FC236}">
-                <a16:creationId xmlns:a16="http://schemas.microsoft.com/office/drawing/2014/main" id="{5C6B5D88-32E2-78AC-D78F-54275CBA2409}"/>
+                <a16:creationId xmlns:a16="http://schemas.microsoft.com/office/drawing/2014/main" id="{8A4FFAE2-03F4-4A94-86C4-9305B237CA89}"/>
               </a:ext>
             </a:extLst>
           </p:cNvPr>
@@ -1518,8 +4095,8 @@
         </p:nvSpPr>
         <p:spPr>
           <a:xfrm>
-            <a:off x="839788" y="365125"/>
-            <a:ext cx="10515600" cy="1325563"/>
+            <a:off x="762000" y="762000"/>
+            <a:ext cx="10668000" cy="1524000"/>
           </a:xfrm>
         </p:spPr>
         <p:txBody>
@@ -1527,10 +4104,9 @@
           <a:lstStyle/>
           <a:p>
             <a:r>
-              <a:rPr lang="en-GB"/>
+              <a:rPr lang="en-US"/>
               <a:t>Click to edit Master title style</a:t>
             </a:r>
-            <a:endParaRPr lang="en-NL"/>
           </a:p>
         </p:txBody>
       </p:sp>
@@ -1539,7 +4115,7 @@
           <p:cNvPr id="3" name="Text Placeholder 2">
             <a:extLst>
               <a:ext uri="{FF2B5EF4-FFF2-40B4-BE49-F238E27FC236}">
-                <a16:creationId xmlns:a16="http://schemas.microsoft.com/office/drawing/2014/main" id="{4175D6BD-43B8-3E61-0F04-481BBEB0A987}"/>
+                <a16:creationId xmlns:a16="http://schemas.microsoft.com/office/drawing/2014/main" id="{75BAC5A5-E184-46B6-8AB5-C8E132D3624B}"/>
               </a:ext>
             </a:extLst>
           </p:cNvPr>
@@ -1552,8 +4128,8 @@
         </p:nvSpPr>
         <p:spPr>
           <a:xfrm>
-            <a:off x="839788" y="1681163"/>
-            <a:ext cx="5157787" cy="823912"/>
+            <a:off x="762000" y="2285999"/>
+            <a:ext cx="5151119" cy="761999"/>
           </a:xfrm>
         </p:spPr>
         <p:txBody>
@@ -1599,7 +4175,7 @@
           <a:p>
             <a:pPr lvl="0"/>
             <a:r>
-              <a:rPr lang="en-GB"/>
+              <a:rPr lang="en-US"/>
               <a:t>Click to edit Master text styles</a:t>
             </a:r>
           </a:p>
@@ -1610,7 +4186,7 @@
           <p:cNvPr id="4" name="Content Placeholder 3">
             <a:extLst>
               <a:ext uri="{FF2B5EF4-FFF2-40B4-BE49-F238E27FC236}">
-                <a16:creationId xmlns:a16="http://schemas.microsoft.com/office/drawing/2014/main" id="{8FD6CFC6-9A2F-BF17-8D55-3736C99D68E5}"/>
+                <a16:creationId xmlns:a16="http://schemas.microsoft.com/office/drawing/2014/main" id="{8FDCFE87-5D80-45CB-9D13-DFC9AFCEC7F9}"/>
               </a:ext>
             </a:extLst>
           </p:cNvPr>
@@ -1623,8 +4199,8 @@
         </p:nvSpPr>
         <p:spPr>
           <a:xfrm>
-            <a:off x="839788" y="2505075"/>
-            <a:ext cx="5157787" cy="3684588"/>
+            <a:off x="762000" y="3048000"/>
+            <a:ext cx="5151119" cy="3048000"/>
           </a:xfrm>
         </p:spPr>
         <p:txBody>
@@ -1633,38 +4209,37 @@
           <a:p>
             <a:pPr lvl="0"/>
             <a:r>
-              <a:rPr lang="en-GB"/>
+              <a:rPr lang="en-US"/>
               <a:t>Click to edit Master text styles</a:t>
             </a:r>
           </a:p>
           <a:p>
             <a:pPr lvl="1"/>
             <a:r>
-              <a:rPr lang="en-GB"/>
+              <a:rPr lang="en-US"/>
               <a:t>Second level</a:t>
             </a:r>
           </a:p>
           <a:p>
             <a:pPr lvl="2"/>
             <a:r>
-              <a:rPr lang="en-GB"/>
+              <a:rPr lang="en-US"/>
               <a:t>Third level</a:t>
             </a:r>
           </a:p>
           <a:p>
             <a:pPr lvl="3"/>
             <a:r>
-              <a:rPr lang="en-GB"/>
+              <a:rPr lang="en-US"/>
               <a:t>Fourth level</a:t>
             </a:r>
           </a:p>
           <a:p>
             <a:pPr lvl="4"/>
             <a:r>
-              <a:rPr lang="en-GB"/>
+              <a:rPr lang="en-US"/>
               <a:t>Fifth level</a:t>
             </a:r>
-            <a:endParaRPr lang="en-NL"/>
           </a:p>
         </p:txBody>
       </p:sp>
@@ -1673,7 +4248,7 @@
           <p:cNvPr id="5" name="Text Placeholder 4">
             <a:extLst>
               <a:ext uri="{FF2B5EF4-FFF2-40B4-BE49-F238E27FC236}">
-                <a16:creationId xmlns:a16="http://schemas.microsoft.com/office/drawing/2014/main" id="{5978C52B-4E46-F8C4-E96D-7A54D6A952AB}"/>
+                <a16:creationId xmlns:a16="http://schemas.microsoft.com/office/drawing/2014/main" id="{DAAC1E5A-8423-4749-8EDA-E13425F69658}"/>
               </a:ext>
             </a:extLst>
           </p:cNvPr>
@@ -1686,8 +4261,8 @@
         </p:nvSpPr>
         <p:spPr>
           <a:xfrm>
-            <a:off x="6172200" y="1681163"/>
-            <a:ext cx="5183188" cy="823912"/>
+            <a:off x="6278878" y="2286000"/>
+            <a:ext cx="5151122" cy="761999"/>
           </a:xfrm>
         </p:spPr>
         <p:txBody>
@@ -1733,7 +4308,7 @@
           <a:p>
             <a:pPr lvl="0"/>
             <a:r>
-              <a:rPr lang="en-GB"/>
+              <a:rPr lang="en-US"/>
               <a:t>Click to edit Master text styles</a:t>
             </a:r>
           </a:p>
@@ -1744,7 +4319,7 @@
           <p:cNvPr id="6" name="Content Placeholder 5">
             <a:extLst>
               <a:ext uri="{FF2B5EF4-FFF2-40B4-BE49-F238E27FC236}">
-                <a16:creationId xmlns:a16="http://schemas.microsoft.com/office/drawing/2014/main" id="{C62A5F6A-05AB-582A-EA45-064EAD0C8ED6}"/>
+                <a16:creationId xmlns:a16="http://schemas.microsoft.com/office/drawing/2014/main" id="{DA832AAA-4BB8-4A3D-9C79-516F82F8001D}"/>
               </a:ext>
             </a:extLst>
           </p:cNvPr>
@@ -1757,8 +4332,8 @@
         </p:nvSpPr>
         <p:spPr>
           <a:xfrm>
-            <a:off x="6172200" y="2505075"/>
-            <a:ext cx="5183188" cy="3684588"/>
+            <a:off x="6278878" y="3048000"/>
+            <a:ext cx="5151122" cy="3048000"/>
           </a:xfrm>
         </p:spPr>
         <p:txBody>
@@ -1767,38 +4342,37 @@
           <a:p>
             <a:pPr lvl="0"/>
             <a:r>
-              <a:rPr lang="en-GB"/>
+              <a:rPr lang="en-US"/>
               <a:t>Click to edit Master text styles</a:t>
             </a:r>
           </a:p>
           <a:p>
             <a:pPr lvl="1"/>
             <a:r>
-              <a:rPr lang="en-GB"/>
+              <a:rPr lang="en-US"/>
               <a:t>Second level</a:t>
             </a:r>
           </a:p>
           <a:p>
             <a:pPr lvl="2"/>
             <a:r>
-              <a:rPr lang="en-GB"/>
+              <a:rPr lang="en-US"/>
               <a:t>Third level</a:t>
             </a:r>
           </a:p>
           <a:p>
             <a:pPr lvl="3"/>
             <a:r>
-              <a:rPr lang="en-GB"/>
+              <a:rPr lang="en-US"/>
               <a:t>Fourth level</a:t>
             </a:r>
           </a:p>
           <a:p>
             <a:pPr lvl="4"/>
             <a:r>
-              <a:rPr lang="en-GB"/>
+              <a:rPr lang="en-US"/>
               <a:t>Fifth level</a:t>
             </a:r>
-            <a:endParaRPr lang="en-NL"/>
           </a:p>
         </p:txBody>
       </p:sp>
@@ -1807,7 +4381,7 @@
           <p:cNvPr id="7" name="Date Placeholder 6">
             <a:extLst>
               <a:ext uri="{FF2B5EF4-FFF2-40B4-BE49-F238E27FC236}">
-                <a16:creationId xmlns:a16="http://schemas.microsoft.com/office/drawing/2014/main" id="{6A1BB156-100B-420D-BFAD-42B6A5EAFD9A}"/>
+                <a16:creationId xmlns:a16="http://schemas.microsoft.com/office/drawing/2014/main" id="{E80BEC63-51D3-4C70-B804-BE9EF765AD21}"/>
               </a:ext>
             </a:extLst>
           </p:cNvPr>
@@ -1823,11 +4397,11 @@
           <a:bodyPr/>
           <a:lstStyle/>
           <a:p>
-            <a:fld id="{FC7524BA-EB6C-6746-AF77-D084354F33A1}" type="datetimeFigureOut">
-              <a:rPr lang="en-NL" smtClean="0"/>
-              <a:t>27/11/2024</a:t>
+            <a:fld id="{76969C88-B244-455D-A017-012B25B1ACDD}" type="datetimeFigureOut">
+              <a:rPr lang="en-US" smtClean="0"/>
+              <a:t>12/3/24</a:t>
             </a:fld>
-            <a:endParaRPr lang="en-NL"/>
+            <a:endParaRPr lang="en-US"/>
           </a:p>
         </p:txBody>
       </p:sp>
@@ -1836,7 +4410,7 @@
           <p:cNvPr id="8" name="Footer Placeholder 7">
             <a:extLst>
               <a:ext uri="{FF2B5EF4-FFF2-40B4-BE49-F238E27FC236}">
-                <a16:creationId xmlns:a16="http://schemas.microsoft.com/office/drawing/2014/main" id="{015BB40C-A830-B12A-4021-785390635167}"/>
+                <a16:creationId xmlns:a16="http://schemas.microsoft.com/office/drawing/2014/main" id="{735CA295-8563-402F-92C3-1F20C977C177}"/>
               </a:ext>
             </a:extLst>
           </p:cNvPr>
@@ -1852,7 +4426,7 @@
           <a:bodyPr/>
           <a:lstStyle/>
           <a:p>
-            <a:endParaRPr lang="en-NL"/>
+            <a:endParaRPr lang="en-US"/>
           </a:p>
         </p:txBody>
       </p:sp>
@@ -1861,7 +4435,7 @@
           <p:cNvPr id="9" name="Slide Number Placeholder 8">
             <a:extLst>
               <a:ext uri="{FF2B5EF4-FFF2-40B4-BE49-F238E27FC236}">
-                <a16:creationId xmlns:a16="http://schemas.microsoft.com/office/drawing/2014/main" id="{FBD2C763-F226-C22B-AD88-35A272609B85}"/>
+                <a16:creationId xmlns:a16="http://schemas.microsoft.com/office/drawing/2014/main" id="{5EFA5918-109D-4342-84C0-9774A52C9E78}"/>
               </a:ext>
             </a:extLst>
           </p:cNvPr>
@@ -1877,18 +4451,18 @@
           <a:bodyPr/>
           <a:lstStyle/>
           <a:p>
-            <a:fld id="{2D8C4996-1EDD-144C-814B-F9E9493B2CD7}" type="slidenum">
-              <a:rPr lang="en-NL" smtClean="0"/>
+            <a:fld id="{07CE569E-9B7C-4CB9-AB80-C0841F922CFF}" type="slidenum">
+              <a:rPr lang="en-US" smtClean="0"/>
               <a:t>‹#›</a:t>
             </a:fld>
-            <a:endParaRPr lang="en-NL"/>
+            <a:endParaRPr lang="en-US"/>
           </a:p>
         </p:txBody>
       </p:sp>
     </p:spTree>
     <p:extLst>
       <p:ext uri="{BB962C8B-B14F-4D97-AF65-F5344CB8AC3E}">
-        <p14:creationId xmlns:p14="http://schemas.microsoft.com/office/powerpoint/2010/main" val="2584983828"/>
+        <p14:creationId xmlns:p14="http://schemas.microsoft.com/office/powerpoint/2010/main" val="2072626702"/>
       </p:ext>
     </p:extLst>
   </p:cSld>
@@ -1920,7 +4494,7 @@
           <p:cNvPr id="2" name="Title 1">
             <a:extLst>
               <a:ext uri="{FF2B5EF4-FFF2-40B4-BE49-F238E27FC236}">
-                <a16:creationId xmlns:a16="http://schemas.microsoft.com/office/drawing/2014/main" id="{683FF07F-C138-C896-5CB4-00FDE5AD0181}"/>
+                <a16:creationId xmlns:a16="http://schemas.microsoft.com/office/drawing/2014/main" id="{A5EF2662-CBD1-4498-9B6E-2961F5EF1BFB}"/>
               </a:ext>
             </a:extLst>
           </p:cNvPr>
@@ -1937,10 +4511,9 @@
           <a:lstStyle/>
           <a:p>
             <a:r>
-              <a:rPr lang="en-GB"/>
+              <a:rPr lang="en-US"/>
               <a:t>Click to edit Master title style</a:t>
             </a:r>
-            <a:endParaRPr lang="en-NL"/>
           </a:p>
         </p:txBody>
       </p:sp>
@@ -1949,7 +4522,7 @@
           <p:cNvPr id="3" name="Date Placeholder 2">
             <a:extLst>
               <a:ext uri="{FF2B5EF4-FFF2-40B4-BE49-F238E27FC236}">
-                <a16:creationId xmlns:a16="http://schemas.microsoft.com/office/drawing/2014/main" id="{8810F037-588C-3818-EBC3-3D27A3ADB76F}"/>
+                <a16:creationId xmlns:a16="http://schemas.microsoft.com/office/drawing/2014/main" id="{9FF739AE-8101-4C18-8CF3-911BDF3978A8}"/>
               </a:ext>
             </a:extLst>
           </p:cNvPr>
@@ -1965,11 +4538,11 @@
           <a:bodyPr/>
           <a:lstStyle/>
           <a:p>
-            <a:fld id="{FC7524BA-EB6C-6746-AF77-D084354F33A1}" type="datetimeFigureOut">
-              <a:rPr lang="en-NL" smtClean="0"/>
-              <a:t>27/11/2024</a:t>
+            <a:fld id="{76969C88-B244-455D-A017-012B25B1ACDD}" type="datetimeFigureOut">
+              <a:rPr lang="en-US" smtClean="0"/>
+              <a:t>12/3/24</a:t>
             </a:fld>
-            <a:endParaRPr lang="en-NL"/>
+            <a:endParaRPr lang="en-US"/>
           </a:p>
         </p:txBody>
       </p:sp>
@@ -1978,7 +4551,7 @@
           <p:cNvPr id="4" name="Footer Placeholder 3">
             <a:extLst>
               <a:ext uri="{FF2B5EF4-FFF2-40B4-BE49-F238E27FC236}">
-                <a16:creationId xmlns:a16="http://schemas.microsoft.com/office/drawing/2014/main" id="{A8E1646D-CD8F-9878-0DF6-6A7C3D2012AE}"/>
+                <a16:creationId xmlns:a16="http://schemas.microsoft.com/office/drawing/2014/main" id="{66EB1C88-D181-449C-9BE1-E85068C1883C}"/>
               </a:ext>
             </a:extLst>
           </p:cNvPr>
@@ -1994,7 +4567,7 @@
           <a:bodyPr/>
           <a:lstStyle/>
           <a:p>
-            <a:endParaRPr lang="en-NL"/>
+            <a:endParaRPr lang="en-US"/>
           </a:p>
         </p:txBody>
       </p:sp>
@@ -2003,7 +4576,7 @@
           <p:cNvPr id="5" name="Slide Number Placeholder 4">
             <a:extLst>
               <a:ext uri="{FF2B5EF4-FFF2-40B4-BE49-F238E27FC236}">
-                <a16:creationId xmlns:a16="http://schemas.microsoft.com/office/drawing/2014/main" id="{29DCA729-CBAE-63AD-45B1-9EFD38560C66}"/>
+                <a16:creationId xmlns:a16="http://schemas.microsoft.com/office/drawing/2014/main" id="{EB38A2C9-E93B-4F0A-A021-9E3AEBC3FA88}"/>
               </a:ext>
             </a:extLst>
           </p:cNvPr>
@@ -2019,18 +4592,18 @@
           <a:bodyPr/>
           <a:lstStyle/>
           <a:p>
-            <a:fld id="{2D8C4996-1EDD-144C-814B-F9E9493B2CD7}" type="slidenum">
-              <a:rPr lang="en-NL" smtClean="0"/>
+            <a:fld id="{07CE569E-9B7C-4CB9-AB80-C0841F922CFF}" type="slidenum">
+              <a:rPr lang="en-US" smtClean="0"/>
               <a:t>‹#›</a:t>
             </a:fld>
-            <a:endParaRPr lang="en-NL"/>
+            <a:endParaRPr lang="en-US"/>
           </a:p>
         </p:txBody>
       </p:sp>
     </p:spTree>
     <p:extLst>
       <p:ext uri="{BB962C8B-B14F-4D97-AF65-F5344CB8AC3E}">
-        <p14:creationId xmlns:p14="http://schemas.microsoft.com/office/powerpoint/2010/main" val="471640048"/>
+        <p14:creationId xmlns:p14="http://schemas.microsoft.com/office/powerpoint/2010/main" val="549665751"/>
       </p:ext>
     </p:extLst>
   </p:cSld>
@@ -2062,7 +4635,7 @@
           <p:cNvPr id="2" name="Date Placeholder 1">
             <a:extLst>
               <a:ext uri="{FF2B5EF4-FFF2-40B4-BE49-F238E27FC236}">
-                <a16:creationId xmlns:a16="http://schemas.microsoft.com/office/drawing/2014/main" id="{2DF659FD-FDDD-CAE9-9249-C04AC58A031D}"/>
+                <a16:creationId xmlns:a16="http://schemas.microsoft.com/office/drawing/2014/main" id="{F00AE8D9-9B42-438E-ADA6-CCFE45788460}"/>
               </a:ext>
             </a:extLst>
           </p:cNvPr>
@@ -2078,11 +4651,11 @@
           <a:bodyPr/>
           <a:lstStyle/>
           <a:p>
-            <a:fld id="{FC7524BA-EB6C-6746-AF77-D084354F33A1}" type="datetimeFigureOut">
-              <a:rPr lang="en-NL" smtClean="0"/>
-              <a:t>27/11/2024</a:t>
+            <a:fld id="{76969C88-B244-455D-A017-012B25B1ACDD}" type="datetimeFigureOut">
+              <a:rPr lang="en-US" smtClean="0"/>
+              <a:t>12/3/24</a:t>
             </a:fld>
-            <a:endParaRPr lang="en-NL"/>
+            <a:endParaRPr lang="en-US"/>
           </a:p>
         </p:txBody>
       </p:sp>
@@ -2091,7 +4664,7 @@
           <p:cNvPr id="3" name="Footer Placeholder 2">
             <a:extLst>
               <a:ext uri="{FF2B5EF4-FFF2-40B4-BE49-F238E27FC236}">
-                <a16:creationId xmlns:a16="http://schemas.microsoft.com/office/drawing/2014/main" id="{8C98C446-E7F5-76E2-1E93-73F69F3E9C7A}"/>
+                <a16:creationId xmlns:a16="http://schemas.microsoft.com/office/drawing/2014/main" id="{C4F792B9-A8AF-4E13-8A25-741E89691EFA}"/>
               </a:ext>
             </a:extLst>
           </p:cNvPr>
@@ -2107,7 +4680,7 @@
           <a:bodyPr/>
           <a:lstStyle/>
           <a:p>
-            <a:endParaRPr lang="en-NL"/>
+            <a:endParaRPr lang="en-US"/>
           </a:p>
         </p:txBody>
       </p:sp>
@@ -2116,7 +4689,7 @@
           <p:cNvPr id="4" name="Slide Number Placeholder 3">
             <a:extLst>
               <a:ext uri="{FF2B5EF4-FFF2-40B4-BE49-F238E27FC236}">
-                <a16:creationId xmlns:a16="http://schemas.microsoft.com/office/drawing/2014/main" id="{405AF014-B06F-D5C6-54CB-01EEF73762DA}"/>
+                <a16:creationId xmlns:a16="http://schemas.microsoft.com/office/drawing/2014/main" id="{533A2CF6-DBC5-4491-B213-B3CD09D3130C}"/>
               </a:ext>
             </a:extLst>
           </p:cNvPr>
@@ -2132,18 +4705,18 @@
           <a:bodyPr/>
           <a:lstStyle/>
           <a:p>
-            <a:fld id="{2D8C4996-1EDD-144C-814B-F9E9493B2CD7}" type="slidenum">
-              <a:rPr lang="en-NL" smtClean="0"/>
+            <a:fld id="{07CE569E-9B7C-4CB9-AB80-C0841F922CFF}" type="slidenum">
+              <a:rPr lang="en-US" smtClean="0"/>
               <a:t>‹#›</a:t>
             </a:fld>
-            <a:endParaRPr lang="en-NL"/>
+            <a:endParaRPr lang="en-US"/>
           </a:p>
         </p:txBody>
       </p:sp>
     </p:spTree>
     <p:extLst>
       <p:ext uri="{BB962C8B-B14F-4D97-AF65-F5344CB8AC3E}">
-        <p14:creationId xmlns:p14="http://schemas.microsoft.com/office/powerpoint/2010/main" val="2340799456"/>
+        <p14:creationId xmlns:p14="http://schemas.microsoft.com/office/powerpoint/2010/main" val="3448038170"/>
       </p:ext>
     </p:extLst>
   </p:cSld>
@@ -2175,7 +4748,7 @@
           <p:cNvPr id="2" name="Title 1">
             <a:extLst>
               <a:ext uri="{FF2B5EF4-FFF2-40B4-BE49-F238E27FC236}">
-                <a16:creationId xmlns:a16="http://schemas.microsoft.com/office/drawing/2014/main" id="{83A44733-8A28-A83B-6B99-6AC302E82B13}"/>
+                <a16:creationId xmlns:a16="http://schemas.microsoft.com/office/drawing/2014/main" id="{89727076-58C8-494C-B6B1-DC86F62DDC24}"/>
               </a:ext>
             </a:extLst>
           </p:cNvPr>
@@ -2188,12 +4761,12 @@
         </p:nvSpPr>
         <p:spPr>
           <a:xfrm>
-            <a:off x="839788" y="457200"/>
-            <a:ext cx="3932237" cy="1600200"/>
+            <a:off x="762000" y="761998"/>
+            <a:ext cx="3810000" cy="1524002"/>
           </a:xfrm>
         </p:spPr>
         <p:txBody>
-          <a:bodyPr anchor="b"/>
+          <a:bodyPr anchor="t" anchorCtr="0"/>
           <a:lstStyle>
             <a:lvl1pPr>
               <a:defRPr sz="3200"/>
@@ -2201,10 +4774,10 @@
           </a:lstStyle>
           <a:p>
             <a:r>
-              <a:rPr lang="en-GB"/>
+              <a:rPr lang="en-US"/>
               <a:t>Click to edit Master title style</a:t>
             </a:r>
-            <a:endParaRPr lang="en-NL"/>
+            <a:endParaRPr lang="en-US" dirty="0"/>
           </a:p>
         </p:txBody>
       </p:sp>
@@ -2213,7 +4786,7 @@
           <p:cNvPr id="3" name="Content Placeholder 2">
             <a:extLst>
               <a:ext uri="{FF2B5EF4-FFF2-40B4-BE49-F238E27FC236}">
-                <a16:creationId xmlns:a16="http://schemas.microsoft.com/office/drawing/2014/main" id="{9CDFB26C-9F80-1525-DD0A-E88F6E37F25C}"/>
+                <a16:creationId xmlns:a16="http://schemas.microsoft.com/office/drawing/2014/main" id="{49F29E36-0340-452F-8D0A-1BC3F3A388CF}"/>
               </a:ext>
             </a:extLst>
           </p:cNvPr>
@@ -2226,8 +4799,8 @@
         </p:nvSpPr>
         <p:spPr>
           <a:xfrm>
-            <a:off x="5183188" y="987425"/>
-            <a:ext cx="6172200" cy="4873625"/>
+            <a:off x="5334000" y="762001"/>
+            <a:ext cx="6096000" cy="5334000"/>
           </a:xfrm>
         </p:spPr>
         <p:txBody>
@@ -2264,38 +4837,37 @@
           <a:p>
             <a:pPr lvl="0"/>
             <a:r>
-              <a:rPr lang="en-GB"/>
+              <a:rPr lang="en-US"/>
               <a:t>Click to edit Master text styles</a:t>
             </a:r>
           </a:p>
           <a:p>
             <a:pPr lvl="1"/>
             <a:r>
-              <a:rPr lang="en-GB"/>
+              <a:rPr lang="en-US"/>
               <a:t>Second level</a:t>
             </a:r>
           </a:p>
           <a:p>
             <a:pPr lvl="2"/>
             <a:r>
-              <a:rPr lang="en-GB"/>
+              <a:rPr lang="en-US"/>
               <a:t>Third level</a:t>
             </a:r>
           </a:p>
           <a:p>
             <a:pPr lvl="3"/>
             <a:r>
-              <a:rPr lang="en-GB"/>
+              <a:rPr lang="en-US"/>
               <a:t>Fourth level</a:t>
             </a:r>
           </a:p>
           <a:p>
             <a:pPr lvl="4"/>
             <a:r>
-              <a:rPr lang="en-GB"/>
+              <a:rPr lang="en-US"/>
               <a:t>Fifth level</a:t>
             </a:r>
-            <a:endParaRPr lang="en-NL"/>
           </a:p>
         </p:txBody>
       </p:sp>
@@ -2304,7 +4876,7 @@
           <p:cNvPr id="4" name="Text Placeholder 3">
             <a:extLst>
               <a:ext uri="{FF2B5EF4-FFF2-40B4-BE49-F238E27FC236}">
-                <a16:creationId xmlns:a16="http://schemas.microsoft.com/office/drawing/2014/main" id="{39189924-5308-63C0-6E02-5EFF1875D3F6}"/>
+                <a16:creationId xmlns:a16="http://schemas.microsoft.com/office/drawing/2014/main" id="{4A051C2E-E587-45E8-BDB1-DFF2F2791BF6}"/>
               </a:ext>
             </a:extLst>
           </p:cNvPr>
@@ -2317,8 +4889,8 @@
         </p:nvSpPr>
         <p:spPr>
           <a:xfrm>
-            <a:off x="839788" y="2057400"/>
-            <a:ext cx="3932237" cy="3811588"/>
+            <a:off x="762000" y="2286000"/>
+            <a:ext cx="3810000" cy="3810001"/>
           </a:xfrm>
         </p:spPr>
         <p:txBody>
@@ -2364,7 +4936,7 @@
           <a:p>
             <a:pPr lvl="0"/>
             <a:r>
-              <a:rPr lang="en-GB"/>
+              <a:rPr lang="en-US"/>
               <a:t>Click to edit Master text styles</a:t>
             </a:r>
           </a:p>
@@ -2375,7 +4947,7 @@
           <p:cNvPr id="5" name="Date Placeholder 4">
             <a:extLst>
               <a:ext uri="{FF2B5EF4-FFF2-40B4-BE49-F238E27FC236}">
-                <a16:creationId xmlns:a16="http://schemas.microsoft.com/office/drawing/2014/main" id="{8EA454E0-8A98-8DC1-5C3B-62D837DDFD6E}"/>
+                <a16:creationId xmlns:a16="http://schemas.microsoft.com/office/drawing/2014/main" id="{7821D993-DEDD-470E-B48B-CB053A55A119}"/>
               </a:ext>
             </a:extLst>
           </p:cNvPr>
@@ -2391,11 +4963,11 @@
           <a:bodyPr/>
           <a:lstStyle/>
           <a:p>
-            <a:fld id="{FC7524BA-EB6C-6746-AF77-D084354F33A1}" type="datetimeFigureOut">
-              <a:rPr lang="en-NL" smtClean="0"/>
-              <a:t>27/11/2024</a:t>
+            <a:fld id="{76969C88-B244-455D-A017-012B25B1ACDD}" type="datetimeFigureOut">
+              <a:rPr lang="en-US" smtClean="0"/>
+              <a:t>12/3/24</a:t>
             </a:fld>
-            <a:endParaRPr lang="en-NL"/>
+            <a:endParaRPr lang="en-US"/>
           </a:p>
         </p:txBody>
       </p:sp>
@@ -2404,7 +4976,7 @@
           <p:cNvPr id="6" name="Footer Placeholder 5">
             <a:extLst>
               <a:ext uri="{FF2B5EF4-FFF2-40B4-BE49-F238E27FC236}">
-                <a16:creationId xmlns:a16="http://schemas.microsoft.com/office/drawing/2014/main" id="{01F23406-9D8D-7BBC-6AE9-BE413CAF774D}"/>
+                <a16:creationId xmlns:a16="http://schemas.microsoft.com/office/drawing/2014/main" id="{67926C64-7401-4CA4-859F-74472AF869C6}"/>
               </a:ext>
             </a:extLst>
           </p:cNvPr>
@@ -2420,7 +4992,7 @@
           <a:bodyPr/>
           <a:lstStyle/>
           <a:p>
-            <a:endParaRPr lang="en-NL"/>
+            <a:endParaRPr lang="en-US"/>
           </a:p>
         </p:txBody>
       </p:sp>
@@ -2429,7 +5001,7 @@
           <p:cNvPr id="7" name="Slide Number Placeholder 6">
             <a:extLst>
               <a:ext uri="{FF2B5EF4-FFF2-40B4-BE49-F238E27FC236}">
-                <a16:creationId xmlns:a16="http://schemas.microsoft.com/office/drawing/2014/main" id="{54FF5B41-50C0-72FC-AE64-93B708B41AB5}"/>
+                <a16:creationId xmlns:a16="http://schemas.microsoft.com/office/drawing/2014/main" id="{F0108F41-F1F6-431C-9B45-8A447F188CB8}"/>
               </a:ext>
             </a:extLst>
           </p:cNvPr>
@@ -2445,18 +5017,18 @@
           <a:bodyPr/>
           <a:lstStyle/>
           <a:p>
-            <a:fld id="{2D8C4996-1EDD-144C-814B-F9E9493B2CD7}" type="slidenum">
-              <a:rPr lang="en-NL" smtClean="0"/>
+            <a:fld id="{07CE569E-9B7C-4CB9-AB80-C0841F922CFF}" type="slidenum">
+              <a:rPr lang="en-US" smtClean="0"/>
               <a:t>‹#›</a:t>
             </a:fld>
-            <a:endParaRPr lang="en-NL"/>
+            <a:endParaRPr lang="en-US"/>
           </a:p>
         </p:txBody>
       </p:sp>
     </p:spTree>
     <p:extLst>
       <p:ext uri="{BB962C8B-B14F-4D97-AF65-F5344CB8AC3E}">
-        <p14:creationId xmlns:p14="http://schemas.microsoft.com/office/powerpoint/2010/main" val="3107853854"/>
+        <p14:creationId xmlns:p14="http://schemas.microsoft.com/office/powerpoint/2010/main" val="1337894661"/>
       </p:ext>
     </p:extLst>
   </p:cSld>
@@ -2488,7 +5060,7 @@
           <p:cNvPr id="2" name="Title 1">
             <a:extLst>
               <a:ext uri="{FF2B5EF4-FFF2-40B4-BE49-F238E27FC236}">
-                <a16:creationId xmlns:a16="http://schemas.microsoft.com/office/drawing/2014/main" id="{56501E18-5FC2-8C86-903E-C7D44D45082E}"/>
+                <a16:creationId xmlns:a16="http://schemas.microsoft.com/office/drawing/2014/main" id="{2BE104FB-422C-4023-9381-EB12F1582D44}"/>
               </a:ext>
             </a:extLst>
           </p:cNvPr>
@@ -2501,12 +5073,12 @@
         </p:nvSpPr>
         <p:spPr>
           <a:xfrm>
-            <a:off x="839788" y="457200"/>
-            <a:ext cx="3932237" cy="1600200"/>
+            <a:off x="762001" y="762000"/>
+            <a:ext cx="3809999" cy="1524000"/>
           </a:xfrm>
         </p:spPr>
         <p:txBody>
-          <a:bodyPr anchor="b"/>
+          <a:bodyPr anchor="t" anchorCtr="0"/>
           <a:lstStyle>
             <a:lvl1pPr>
               <a:defRPr sz="3200"/>
@@ -2514,10 +5086,9 @@
           </a:lstStyle>
           <a:p>
             <a:r>
-              <a:rPr lang="en-GB"/>
+              <a:rPr lang="en-US"/>
               <a:t>Click to edit Master title style</a:t>
             </a:r>
-            <a:endParaRPr lang="en-NL"/>
           </a:p>
         </p:txBody>
       </p:sp>
@@ -2526,7 +5097,7 @@
           <p:cNvPr id="3" name="Picture Placeholder 2">
             <a:extLst>
               <a:ext uri="{FF2B5EF4-FFF2-40B4-BE49-F238E27FC236}">
-                <a16:creationId xmlns:a16="http://schemas.microsoft.com/office/drawing/2014/main" id="{A1C54244-C768-4284-5AC2-54ABE78AF303}"/>
+                <a16:creationId xmlns:a16="http://schemas.microsoft.com/office/drawing/2014/main" id="{14DBA3AA-DE44-4B1F-91D1-09F67B89B941}"/>
               </a:ext>
             </a:extLst>
           </p:cNvPr>
@@ -2539,8 +5110,8 @@
         </p:nvSpPr>
         <p:spPr>
           <a:xfrm>
-            <a:off x="5183188" y="987425"/>
-            <a:ext cx="6172200" cy="4873625"/>
+            <a:off x="5334000" y="762001"/>
+            <a:ext cx="6021388" cy="5334000"/>
           </a:xfrm>
         </p:spPr>
         <p:txBody>
@@ -2584,7 +5155,10 @@
             </a:lvl9pPr>
           </a:lstStyle>
           <a:p>
-            <a:endParaRPr lang="en-NL"/>
+            <a:r>
+              <a:rPr lang="en-US"/>
+              <a:t>Click icon to add picture</a:t>
+            </a:r>
           </a:p>
         </p:txBody>
       </p:sp>
@@ -2593,7 +5167,7 @@
           <p:cNvPr id="4" name="Text Placeholder 3">
             <a:extLst>
               <a:ext uri="{FF2B5EF4-FFF2-40B4-BE49-F238E27FC236}">
-                <a16:creationId xmlns:a16="http://schemas.microsoft.com/office/drawing/2014/main" id="{D64AD8AC-70AD-6185-7744-AA34EE5CC30D}"/>
+                <a16:creationId xmlns:a16="http://schemas.microsoft.com/office/drawing/2014/main" id="{4A27B131-5117-4106-80DB-2AB208C4C953}"/>
               </a:ext>
             </a:extLst>
           </p:cNvPr>
@@ -2606,8 +5180,8 @@
         </p:nvSpPr>
         <p:spPr>
           <a:xfrm>
-            <a:off x="839788" y="2057400"/>
-            <a:ext cx="3932237" cy="3811588"/>
+            <a:off x="762001" y="2286000"/>
+            <a:ext cx="3809999" cy="3810000"/>
           </a:xfrm>
         </p:spPr>
         <p:txBody>
@@ -2653,7 +5227,7 @@
           <a:p>
             <a:pPr lvl="0"/>
             <a:r>
-              <a:rPr lang="en-GB"/>
+              <a:rPr lang="en-US"/>
               <a:t>Click to edit Master text styles</a:t>
             </a:r>
           </a:p>
@@ -2664,7 +5238,7 @@
           <p:cNvPr id="5" name="Date Placeholder 4">
             <a:extLst>
               <a:ext uri="{FF2B5EF4-FFF2-40B4-BE49-F238E27FC236}">
-                <a16:creationId xmlns:a16="http://schemas.microsoft.com/office/drawing/2014/main" id="{6FECBBD2-379E-508C-0001-E767C38170A2}"/>
+                <a16:creationId xmlns:a16="http://schemas.microsoft.com/office/drawing/2014/main" id="{1C13918A-7F23-4C72-8E80-591324A3046C}"/>
               </a:ext>
             </a:extLst>
           </p:cNvPr>
@@ -2680,11 +5254,11 @@
           <a:bodyPr/>
           <a:lstStyle/>
           <a:p>
-            <a:fld id="{FC7524BA-EB6C-6746-AF77-D084354F33A1}" type="datetimeFigureOut">
-              <a:rPr lang="en-NL" smtClean="0"/>
-              <a:t>27/11/2024</a:t>
+            <a:fld id="{76969C88-B244-455D-A017-012B25B1ACDD}" type="datetimeFigureOut">
+              <a:rPr lang="en-US" smtClean="0"/>
+              <a:t>12/3/24</a:t>
             </a:fld>
-            <a:endParaRPr lang="en-NL"/>
+            <a:endParaRPr lang="en-US"/>
           </a:p>
         </p:txBody>
       </p:sp>
@@ -2693,7 +5267,7 @@
           <p:cNvPr id="6" name="Footer Placeholder 5">
             <a:extLst>
               <a:ext uri="{FF2B5EF4-FFF2-40B4-BE49-F238E27FC236}">
-                <a16:creationId xmlns:a16="http://schemas.microsoft.com/office/drawing/2014/main" id="{A9F46B45-821D-1C54-F037-C65FE50DF2C6}"/>
+                <a16:creationId xmlns:a16="http://schemas.microsoft.com/office/drawing/2014/main" id="{181071C8-76FE-4B83-8317-BD53C7C844C2}"/>
               </a:ext>
             </a:extLst>
           </p:cNvPr>
@@ -2709,7 +5283,7 @@
           <a:bodyPr/>
           <a:lstStyle/>
           <a:p>
-            <a:endParaRPr lang="en-NL"/>
+            <a:endParaRPr lang="en-US"/>
           </a:p>
         </p:txBody>
       </p:sp>
@@ -2718,7 +5292,7 @@
           <p:cNvPr id="7" name="Slide Number Placeholder 6">
             <a:extLst>
               <a:ext uri="{FF2B5EF4-FFF2-40B4-BE49-F238E27FC236}">
-                <a16:creationId xmlns:a16="http://schemas.microsoft.com/office/drawing/2014/main" id="{16B704AA-3E1C-5EAD-5225-114BE44E696F}"/>
+                <a16:creationId xmlns:a16="http://schemas.microsoft.com/office/drawing/2014/main" id="{3623681A-6F29-48FC-9409-319ED3E96635}"/>
               </a:ext>
             </a:extLst>
           </p:cNvPr>
@@ -2734,18 +5308,18 @@
           <a:bodyPr/>
           <a:lstStyle/>
           <a:p>
-            <a:fld id="{2D8C4996-1EDD-144C-814B-F9E9493B2CD7}" type="slidenum">
-              <a:rPr lang="en-NL" smtClean="0"/>
+            <a:fld id="{07CE569E-9B7C-4CB9-AB80-C0841F922CFF}" type="slidenum">
+              <a:rPr lang="en-US" smtClean="0"/>
               <a:t>‹#›</a:t>
             </a:fld>
-            <a:endParaRPr lang="en-NL"/>
+            <a:endParaRPr lang="en-US"/>
           </a:p>
         </p:txBody>
       </p:sp>
     </p:spTree>
     <p:extLst>
       <p:ext uri="{BB962C8B-B14F-4D97-AF65-F5344CB8AC3E}">
-        <p14:creationId xmlns:p14="http://schemas.microsoft.com/office/powerpoint/2010/main" val="372370303"/>
+        <p14:creationId xmlns:p14="http://schemas.microsoft.com/office/powerpoint/2010/main" val="2296672683"/>
       </p:ext>
     </p:extLst>
   </p:cSld>
@@ -2760,7 +5334,7 @@
   <p:cSld>
     <p:bg>
       <p:bgRef idx="1001">
-        <a:schemeClr val="bg1"/>
+        <a:schemeClr val="bg2"/>
       </p:bgRef>
     </p:bg>
     <p:spTree>
@@ -2779,10 +5353,521 @@
       </p:grpSpPr>
       <p:sp>
         <p:nvSpPr>
+          <p:cNvPr id="8" name="Freeform: Shape 7">
+            <a:extLst>
+              <a:ext uri="{FF2B5EF4-FFF2-40B4-BE49-F238E27FC236}">
+                <a16:creationId xmlns:a16="http://schemas.microsoft.com/office/drawing/2014/main" id="{A6EF5A53-0A64-4CA5-B9C7-1CB97CB5CF1C}"/>
+              </a:ext>
+            </a:extLst>
+          </p:cNvPr>
+          <p:cNvSpPr/>
+          <p:nvPr/>
+        </p:nvSpPr>
+        <p:spPr>
+          <a:xfrm>
+            <a:off x="8157843" y="6244836"/>
+            <a:ext cx="4034156" cy="613164"/>
+          </a:xfrm>
+          <a:custGeom>
+            <a:avLst/>
+            <a:gdLst>
+              <a:gd name="connsiteX0" fmla="*/ 1479137 w 4034156"/>
+              <a:gd name="connsiteY0" fmla="*/ 230 h 613164"/>
+              <a:gd name="connsiteX1" fmla="*/ 3482844 w 4034156"/>
+              <a:gd name="connsiteY1" fmla="*/ 298555 h 613164"/>
+              <a:gd name="connsiteX2" fmla="*/ 3831590 w 4034156"/>
+              <a:gd name="connsiteY2" fmla="*/ 425010 h 613164"/>
+              <a:gd name="connsiteX3" fmla="*/ 4034156 w 4034156"/>
+              <a:gd name="connsiteY3" fmla="*/ 494088 h 613164"/>
+              <a:gd name="connsiteX4" fmla="*/ 4034156 w 4034156"/>
+              <a:gd name="connsiteY4" fmla="*/ 613164 h 613164"/>
+              <a:gd name="connsiteX5" fmla="*/ 0 w 4034156"/>
+              <a:gd name="connsiteY5" fmla="*/ 613164 h 613164"/>
+              <a:gd name="connsiteX6" fmla="*/ 54792 w 4034156"/>
+              <a:gd name="connsiteY6" fmla="*/ 512415 h 613164"/>
+              <a:gd name="connsiteX7" fmla="*/ 168327 w 4034156"/>
+              <a:gd name="connsiteY7" fmla="*/ 366637 h 613164"/>
+              <a:gd name="connsiteX8" fmla="*/ 1192562 w 4034156"/>
+              <a:gd name="connsiteY8" fmla="*/ 1522 h 613164"/>
+              <a:gd name="connsiteX9" fmla="*/ 1479137 w 4034156"/>
+              <a:gd name="connsiteY9" fmla="*/ 230 h 613164"/>
+            </a:gdLst>
+            <a:ahLst/>
+            <a:cxnLst>
+              <a:cxn ang="0">
+                <a:pos x="connsiteX0" y="connsiteY0"/>
+              </a:cxn>
+              <a:cxn ang="0">
+                <a:pos x="connsiteX1" y="connsiteY1"/>
+              </a:cxn>
+              <a:cxn ang="0">
+                <a:pos x="connsiteX2" y="connsiteY2"/>
+              </a:cxn>
+              <a:cxn ang="0">
+                <a:pos x="connsiteX3" y="connsiteY3"/>
+              </a:cxn>
+              <a:cxn ang="0">
+                <a:pos x="connsiteX4" y="connsiteY4"/>
+              </a:cxn>
+              <a:cxn ang="0">
+                <a:pos x="connsiteX5" y="connsiteY5"/>
+              </a:cxn>
+              <a:cxn ang="0">
+                <a:pos x="connsiteX6" y="connsiteY6"/>
+              </a:cxn>
+              <a:cxn ang="0">
+                <a:pos x="connsiteX7" y="connsiteY7"/>
+              </a:cxn>
+              <a:cxn ang="0">
+                <a:pos x="connsiteX8" y="connsiteY8"/>
+              </a:cxn>
+              <a:cxn ang="0">
+                <a:pos x="connsiteX9" y="connsiteY9"/>
+              </a:cxn>
+            </a:cxnLst>
+            <a:rect l="l" t="t" r="r" b="b"/>
+            <a:pathLst>
+              <a:path w="4034156" h="613164">
+                <a:moveTo>
+                  <a:pt x="1479137" y="230"/>
+                </a:moveTo>
+                <a:cubicBezTo>
+                  <a:pt x="2152575" y="4287"/>
+                  <a:pt x="2854487" y="63583"/>
+                  <a:pt x="3482844" y="298555"/>
+                </a:cubicBezTo>
+                <a:cubicBezTo>
+                  <a:pt x="3599338" y="342114"/>
+                  <a:pt x="3715540" y="384216"/>
+                  <a:pt x="3831590" y="425010"/>
+                </a:cubicBezTo>
+                <a:lnTo>
+                  <a:pt x="4034156" y="494088"/>
+                </a:lnTo>
+                <a:lnTo>
+                  <a:pt x="4034156" y="613164"/>
+                </a:lnTo>
+                <a:lnTo>
+                  <a:pt x="0" y="613164"/>
+                </a:lnTo>
+                <a:lnTo>
+                  <a:pt x="54792" y="512415"/>
+                </a:lnTo>
+                <a:cubicBezTo>
+                  <a:pt x="88888" y="459433"/>
+                  <a:pt x="126502" y="410480"/>
+                  <a:pt x="168327" y="366637"/>
+                </a:cubicBezTo>
+                <a:cubicBezTo>
+                  <a:pt x="428292" y="94062"/>
+                  <a:pt x="821899" y="6565"/>
+                  <a:pt x="1192562" y="1522"/>
+                </a:cubicBezTo>
+                <a:cubicBezTo>
+                  <a:pt x="1287308" y="198"/>
+                  <a:pt x="1382932" y="-349"/>
+                  <a:pt x="1479137" y="230"/>
+                </a:cubicBezTo>
+                <a:close/>
+              </a:path>
+            </a:pathLst>
+          </a:custGeom>
+          <a:solidFill>
+            <a:schemeClr val="accent6"/>
+          </a:solidFill>
+          <a:ln>
+            <a:noFill/>
+          </a:ln>
+        </p:spPr>
+        <p:style>
+          <a:lnRef idx="2">
+            <a:schemeClr val="accent1">
+              <a:shade val="50000"/>
+            </a:schemeClr>
+          </a:lnRef>
+          <a:fillRef idx="1">
+            <a:schemeClr val="accent1"/>
+          </a:fillRef>
+          <a:effectRef idx="0">
+            <a:schemeClr val="accent1"/>
+          </a:effectRef>
+          <a:fontRef idx="minor">
+            <a:schemeClr val="lt1"/>
+          </a:fontRef>
+        </p:style>
+        <p:txBody>
+          <a:bodyPr wrap="square" rtlCol="0" anchor="ctr">
+            <a:noAutofit/>
+          </a:bodyPr>
+          <a:lstStyle/>
+          <a:p>
+            <a:pPr marL="0" marR="0" lvl="0" indent="0" algn="ctr" defTabSz="914400" rtl="0" eaLnBrk="1" fontAlgn="auto" latinLnBrk="0" hangingPunct="1">
+              <a:lnSpc>
+                <a:spcPct val="100000"/>
+              </a:lnSpc>
+              <a:spcBef>
+                <a:spcPts val="0"/>
+              </a:spcBef>
+              <a:spcAft>
+                <a:spcPts val="0"/>
+              </a:spcAft>
+              <a:buClrTx/>
+              <a:buSzTx/>
+              <a:buFontTx/>
+              <a:buNone/>
+              <a:tabLst/>
+              <a:defRPr/>
+            </a:pPr>
+            <a:endParaRPr kumimoji="0" lang="en-US" sz="1500" b="0" i="0" u="none" strike="noStrike" kern="1200" cap="none" spc="0" normalizeH="0" baseline="0" noProof="0">
+              <a:ln>
+                <a:noFill/>
+              </a:ln>
+              <a:solidFill>
+                <a:prstClr val="white"/>
+              </a:solidFill>
+              <a:effectLst/>
+              <a:uLnTx/>
+              <a:uFillTx/>
+              <a:latin typeface="Avenir Next LT Pro" panose="020B0504020202020204" pitchFamily="34" charset="0"/>
+              <a:ea typeface="+mn-ea"/>
+              <a:cs typeface="+mn-cs"/>
+            </a:endParaRPr>
+          </a:p>
+        </p:txBody>
+      </p:sp>
+      <p:sp>
+        <p:nvSpPr>
+          <p:cNvPr id="11" name="Freeform: Shape 10">
+            <a:extLst>
+              <a:ext uri="{FF2B5EF4-FFF2-40B4-BE49-F238E27FC236}">
+                <a16:creationId xmlns:a16="http://schemas.microsoft.com/office/drawing/2014/main" id="{34ABFBEA-4EB0-4D02-A2C0-1733CD3D6F12}"/>
+              </a:ext>
+            </a:extLst>
+          </p:cNvPr>
+          <p:cNvSpPr/>
+          <p:nvPr/>
+        </p:nvSpPr>
+        <p:spPr>
+          <a:xfrm>
+            <a:off x="1" y="688126"/>
+            <a:ext cx="448491" cy="1634252"/>
+          </a:xfrm>
+          <a:custGeom>
+            <a:avLst/>
+            <a:gdLst>
+              <a:gd name="connsiteX0" fmla="*/ 0 w 448491"/>
+              <a:gd name="connsiteY0" fmla="*/ 0 h 1634252"/>
+              <a:gd name="connsiteX1" fmla="*/ 12983 w 448491"/>
+              <a:gd name="connsiteY1" fmla="*/ 10508 h 1634252"/>
+              <a:gd name="connsiteX2" fmla="*/ 441611 w 448491"/>
+              <a:gd name="connsiteY2" fmla="*/ 863751 h 1634252"/>
+              <a:gd name="connsiteX3" fmla="*/ 251011 w 448491"/>
+              <a:gd name="connsiteY3" fmla="*/ 1302895 h 1634252"/>
+              <a:gd name="connsiteX4" fmla="*/ 74605 w 448491"/>
+              <a:gd name="connsiteY4" fmla="*/ 1543249 h 1634252"/>
+              <a:gd name="connsiteX5" fmla="*/ 0 w 448491"/>
+              <a:gd name="connsiteY5" fmla="*/ 1634252 h 1634252"/>
+            </a:gdLst>
+            <a:ahLst/>
+            <a:cxnLst>
+              <a:cxn ang="0">
+                <a:pos x="connsiteX0" y="connsiteY0"/>
+              </a:cxn>
+              <a:cxn ang="0">
+                <a:pos x="connsiteX1" y="connsiteY1"/>
+              </a:cxn>
+              <a:cxn ang="0">
+                <a:pos x="connsiteX2" y="connsiteY2"/>
+              </a:cxn>
+              <a:cxn ang="0">
+                <a:pos x="connsiteX3" y="connsiteY3"/>
+              </a:cxn>
+              <a:cxn ang="0">
+                <a:pos x="connsiteX4" y="connsiteY4"/>
+              </a:cxn>
+              <a:cxn ang="0">
+                <a:pos x="connsiteX5" y="connsiteY5"/>
+              </a:cxn>
+            </a:cxnLst>
+            <a:rect l="l" t="t" r="r" b="b"/>
+            <a:pathLst>
+              <a:path w="448491" h="1634252">
+                <a:moveTo>
+                  <a:pt x="0" y="0"/>
+                </a:moveTo>
+                <a:lnTo>
+                  <a:pt x="12983" y="10508"/>
+                </a:lnTo>
+                <a:cubicBezTo>
+                  <a:pt x="278410" y="241022"/>
+                  <a:pt x="489787" y="530267"/>
+                  <a:pt x="441611" y="863751"/>
+                </a:cubicBezTo>
+                <a:cubicBezTo>
+                  <a:pt x="418542" y="1022632"/>
+                  <a:pt x="337007" y="1166302"/>
+                  <a:pt x="251011" y="1302895"/>
+                </a:cubicBezTo>
+                <a:cubicBezTo>
+                  <a:pt x="215138" y="1359902"/>
+                  <a:pt x="154723" y="1442480"/>
+                  <a:pt x="74605" y="1543249"/>
+                </a:cubicBezTo>
+                <a:lnTo>
+                  <a:pt x="0" y="1634252"/>
+                </a:lnTo>
+                <a:close/>
+              </a:path>
+            </a:pathLst>
+          </a:custGeom>
+          <a:solidFill>
+            <a:schemeClr val="accent1"/>
+          </a:solidFill>
+          <a:ln>
+            <a:noFill/>
+          </a:ln>
+        </p:spPr>
+        <p:style>
+          <a:lnRef idx="2">
+            <a:schemeClr val="accent1">
+              <a:shade val="50000"/>
+            </a:schemeClr>
+          </a:lnRef>
+          <a:fillRef idx="1">
+            <a:schemeClr val="accent1"/>
+          </a:fillRef>
+          <a:effectRef idx="0">
+            <a:schemeClr val="accent1"/>
+          </a:effectRef>
+          <a:fontRef idx="minor">
+            <a:schemeClr val="lt1"/>
+          </a:fontRef>
+        </p:style>
+        <p:txBody>
+          <a:bodyPr wrap="square" rtlCol="0" anchor="ctr">
+            <a:noAutofit/>
+          </a:bodyPr>
+          <a:lstStyle/>
+          <a:p>
+            <a:pPr algn="ctr"/>
+            <a:endParaRPr lang="en-US" sz="900">
+              <a:solidFill>
+                <a:prstClr val="white"/>
+              </a:solidFill>
+              <a:latin typeface="Avenir Next LT Pro" panose="020B0504020202020204" pitchFamily="34" charset="0"/>
+            </a:endParaRPr>
+          </a:p>
+        </p:txBody>
+      </p:sp>
+      <p:sp>
+        <p:nvSpPr>
+          <p:cNvPr id="12" name="Freeform: Shape 11">
+            <a:extLst>
+              <a:ext uri="{FF2B5EF4-FFF2-40B4-BE49-F238E27FC236}">
+                <a16:creationId xmlns:a16="http://schemas.microsoft.com/office/drawing/2014/main" id="{19E083F6-57F4-487B-A766-EA0462B1EED8}"/>
+              </a:ext>
+            </a:extLst>
+          </p:cNvPr>
+          <p:cNvSpPr/>
+          <p:nvPr/>
+        </p:nvSpPr>
+        <p:spPr>
+          <a:xfrm>
+            <a:off x="7309459" y="6144069"/>
+            <a:ext cx="4418271" cy="718159"/>
+          </a:xfrm>
+          <a:custGeom>
+            <a:avLst/>
+            <a:gdLst>
+              <a:gd name="connsiteX0" fmla="*/ 1421452 w 4590626"/>
+              <a:gd name="connsiteY0" fmla="*/ 0 h 713930"/>
+              <a:gd name="connsiteX1" fmla="*/ 3247781 w 4590626"/>
+              <a:gd name="connsiteY1" fmla="*/ 271915 h 713930"/>
+              <a:gd name="connsiteX2" fmla="*/ 4517331 w 4590626"/>
+              <a:gd name="connsiteY2" fmla="*/ 693394 h 713930"/>
+              <a:gd name="connsiteX3" fmla="*/ 4590626 w 4590626"/>
+              <a:gd name="connsiteY3" fmla="*/ 713930 h 713930"/>
+              <a:gd name="connsiteX4" fmla="*/ 0 w 4590626"/>
+              <a:gd name="connsiteY4" fmla="*/ 713930 h 713930"/>
+              <a:gd name="connsiteX5" fmla="*/ 2854 w 4590626"/>
+              <a:gd name="connsiteY5" fmla="*/ 705624 h 713930"/>
+              <a:gd name="connsiteX6" fmla="*/ 226680 w 4590626"/>
+              <a:gd name="connsiteY6" fmla="*/ 333970 h 713930"/>
+              <a:gd name="connsiteX7" fmla="*/ 1160245 w 4590626"/>
+              <a:gd name="connsiteY7" fmla="*/ 1178 h 713930"/>
+              <a:gd name="connsiteX8" fmla="*/ 1421452 w 4590626"/>
+              <a:gd name="connsiteY8" fmla="*/ 0 h 713930"/>
+              <a:gd name="connsiteX0" fmla="*/ 1421452 w 4517331"/>
+              <a:gd name="connsiteY0" fmla="*/ 0 h 713930"/>
+              <a:gd name="connsiteX1" fmla="*/ 3247781 w 4517331"/>
+              <a:gd name="connsiteY1" fmla="*/ 271915 h 713930"/>
+              <a:gd name="connsiteX2" fmla="*/ 4517331 w 4517331"/>
+              <a:gd name="connsiteY2" fmla="*/ 693394 h 713930"/>
+              <a:gd name="connsiteX3" fmla="*/ 0 w 4517331"/>
+              <a:gd name="connsiteY3" fmla="*/ 713930 h 713930"/>
+              <a:gd name="connsiteX4" fmla="*/ 2854 w 4517331"/>
+              <a:gd name="connsiteY4" fmla="*/ 705624 h 713930"/>
+              <a:gd name="connsiteX5" fmla="*/ 226680 w 4517331"/>
+              <a:gd name="connsiteY5" fmla="*/ 333970 h 713930"/>
+              <a:gd name="connsiteX6" fmla="*/ 1160245 w 4517331"/>
+              <a:gd name="connsiteY6" fmla="*/ 1178 h 713930"/>
+              <a:gd name="connsiteX7" fmla="*/ 1421452 w 4517331"/>
+              <a:gd name="connsiteY7" fmla="*/ 0 h 713930"/>
+              <a:gd name="connsiteX0" fmla="*/ 0 w 4608771"/>
+              <a:gd name="connsiteY0" fmla="*/ 713930 h 784834"/>
+              <a:gd name="connsiteX1" fmla="*/ 2854 w 4608771"/>
+              <a:gd name="connsiteY1" fmla="*/ 705624 h 784834"/>
+              <a:gd name="connsiteX2" fmla="*/ 226680 w 4608771"/>
+              <a:gd name="connsiteY2" fmla="*/ 333970 h 784834"/>
+              <a:gd name="connsiteX3" fmla="*/ 1160245 w 4608771"/>
+              <a:gd name="connsiteY3" fmla="*/ 1178 h 784834"/>
+              <a:gd name="connsiteX4" fmla="*/ 1421452 w 4608771"/>
+              <a:gd name="connsiteY4" fmla="*/ 0 h 784834"/>
+              <a:gd name="connsiteX5" fmla="*/ 3247781 w 4608771"/>
+              <a:gd name="connsiteY5" fmla="*/ 271915 h 784834"/>
+              <a:gd name="connsiteX6" fmla="*/ 4608771 w 4608771"/>
+              <a:gd name="connsiteY6" fmla="*/ 784834 h 784834"/>
+              <a:gd name="connsiteX0" fmla="*/ 0 w 4418271"/>
+              <a:gd name="connsiteY0" fmla="*/ 713930 h 718159"/>
+              <a:gd name="connsiteX1" fmla="*/ 2854 w 4418271"/>
+              <a:gd name="connsiteY1" fmla="*/ 705624 h 718159"/>
+              <a:gd name="connsiteX2" fmla="*/ 226680 w 4418271"/>
+              <a:gd name="connsiteY2" fmla="*/ 333970 h 718159"/>
+              <a:gd name="connsiteX3" fmla="*/ 1160245 w 4418271"/>
+              <a:gd name="connsiteY3" fmla="*/ 1178 h 718159"/>
+              <a:gd name="connsiteX4" fmla="*/ 1421452 w 4418271"/>
+              <a:gd name="connsiteY4" fmla="*/ 0 h 718159"/>
+              <a:gd name="connsiteX5" fmla="*/ 3247781 w 4418271"/>
+              <a:gd name="connsiteY5" fmla="*/ 271915 h 718159"/>
+              <a:gd name="connsiteX6" fmla="*/ 4418271 w 4418271"/>
+              <a:gd name="connsiteY6" fmla="*/ 718159 h 718159"/>
+            </a:gdLst>
+            <a:ahLst/>
+            <a:cxnLst>
+              <a:cxn ang="0">
+                <a:pos x="connsiteX0" y="connsiteY0"/>
+              </a:cxn>
+              <a:cxn ang="0">
+                <a:pos x="connsiteX1" y="connsiteY1"/>
+              </a:cxn>
+              <a:cxn ang="0">
+                <a:pos x="connsiteX2" y="connsiteY2"/>
+              </a:cxn>
+              <a:cxn ang="0">
+                <a:pos x="connsiteX3" y="connsiteY3"/>
+              </a:cxn>
+              <a:cxn ang="0">
+                <a:pos x="connsiteX4" y="connsiteY4"/>
+              </a:cxn>
+              <a:cxn ang="0">
+                <a:pos x="connsiteX5" y="connsiteY5"/>
+              </a:cxn>
+              <a:cxn ang="0">
+                <a:pos x="connsiteX6" y="connsiteY6"/>
+              </a:cxn>
+            </a:cxnLst>
+            <a:rect l="l" t="t" r="r" b="b"/>
+            <a:pathLst>
+              <a:path w="4418271" h="718159">
+                <a:moveTo>
+                  <a:pt x="0" y="713930"/>
+                </a:moveTo>
+                <a:lnTo>
+                  <a:pt x="2854" y="705624"/>
+                </a:lnTo>
+                <a:cubicBezTo>
+                  <a:pt x="60059" y="562888"/>
+                  <a:pt x="131373" y="433874"/>
+                  <a:pt x="226680" y="333970"/>
+                </a:cubicBezTo>
+                <a:cubicBezTo>
+                  <a:pt x="463632" y="85526"/>
+                  <a:pt x="822395" y="5774"/>
+                  <a:pt x="1160245" y="1178"/>
+                </a:cubicBezTo>
+                <a:lnTo>
+                  <a:pt x="1421452" y="0"/>
+                </a:lnTo>
+                <a:cubicBezTo>
+                  <a:pt x="2035274" y="3698"/>
+                  <a:pt x="2748311" y="152222"/>
+                  <a:pt x="3247781" y="271915"/>
+                </a:cubicBezTo>
+                <a:cubicBezTo>
+                  <a:pt x="3747251" y="391608"/>
+                  <a:pt x="3902480" y="501606"/>
+                  <a:pt x="4418271" y="718159"/>
+                </a:cubicBezTo>
+              </a:path>
+            </a:pathLst>
+          </a:custGeom>
+          <a:noFill/>
+          <a:ln>
+            <a:solidFill>
+              <a:schemeClr val="accent4"/>
+            </a:solidFill>
+          </a:ln>
+        </p:spPr>
+        <p:style>
+          <a:lnRef idx="2">
+            <a:schemeClr val="accent1">
+              <a:shade val="50000"/>
+            </a:schemeClr>
+          </a:lnRef>
+          <a:fillRef idx="1">
+            <a:schemeClr val="accent1"/>
+          </a:fillRef>
+          <a:effectRef idx="0">
+            <a:schemeClr val="accent1"/>
+          </a:effectRef>
+          <a:fontRef idx="minor">
+            <a:schemeClr val="lt1"/>
+          </a:fontRef>
+        </p:style>
+        <p:txBody>
+          <a:bodyPr rtlCol="0" anchor="ctr"/>
+          <a:lstStyle/>
+          <a:p>
+            <a:pPr marL="0" marR="0" lvl="0" indent="0" algn="ctr" defTabSz="914400" rtl="0" eaLnBrk="1" fontAlgn="auto" latinLnBrk="0" hangingPunct="1">
+              <a:lnSpc>
+                <a:spcPct val="100000"/>
+              </a:lnSpc>
+              <a:spcBef>
+                <a:spcPts val="0"/>
+              </a:spcBef>
+              <a:spcAft>
+                <a:spcPts val="0"/>
+              </a:spcAft>
+              <a:buClrTx/>
+              <a:buSzTx/>
+              <a:buFontTx/>
+              <a:buNone/>
+              <a:tabLst/>
+              <a:defRPr/>
+            </a:pPr>
+            <a:endParaRPr kumimoji="0" lang="en-US" sz="1800" b="0" i="0" u="none" strike="noStrike" kern="1200" cap="none" spc="0" normalizeH="0" baseline="0" noProof="0">
+              <a:ln>
+                <a:noFill/>
+              </a:ln>
+              <a:solidFill>
+                <a:prstClr val="white"/>
+              </a:solidFill>
+              <a:effectLst/>
+              <a:uLnTx/>
+              <a:uFillTx/>
+              <a:latin typeface="Avenir Next LT Pro Light"/>
+              <a:ea typeface="+mn-ea"/>
+              <a:cs typeface="+mn-cs"/>
+            </a:endParaRPr>
+          </a:p>
+        </p:txBody>
+      </p:sp>
+      <p:sp>
+        <p:nvSpPr>
           <p:cNvPr id="2" name="Title Placeholder 1">
             <a:extLst>
               <a:ext uri="{FF2B5EF4-FFF2-40B4-BE49-F238E27FC236}">
-                <a16:creationId xmlns:a16="http://schemas.microsoft.com/office/drawing/2014/main" id="{F204B593-775A-6470-B2DC-9CAB1BE553F0}"/>
+                <a16:creationId xmlns:a16="http://schemas.microsoft.com/office/drawing/2014/main" id="{A3A2F988-7148-4375-83D8-12EE5EBC7BE0}"/>
               </a:ext>
             </a:extLst>
           </p:cNvPr>
@@ -2795,8 +5880,8 @@
         </p:nvSpPr>
         <p:spPr>
           <a:xfrm>
-            <a:off x="838200" y="365125"/>
-            <a:ext cx="10515600" cy="1325563"/>
+            <a:off x="762000" y="762000"/>
+            <a:ext cx="10668000" cy="1524000"/>
           </a:xfrm>
           <a:prstGeom prst="rect">
             <a:avLst/>
@@ -2809,10 +5894,10 @@
           <a:lstStyle/>
           <a:p>
             <a:r>
-              <a:rPr lang="en-GB"/>
+              <a:rPr lang="en-US"/>
               <a:t>Click to edit Master title style</a:t>
             </a:r>
-            <a:endParaRPr lang="en-NL"/>
+            <a:endParaRPr lang="en-US" dirty="0"/>
           </a:p>
         </p:txBody>
       </p:sp>
@@ -2821,7 +5906,7 @@
           <p:cNvPr id="3" name="Text Placeholder 2">
             <a:extLst>
               <a:ext uri="{FF2B5EF4-FFF2-40B4-BE49-F238E27FC236}">
-                <a16:creationId xmlns:a16="http://schemas.microsoft.com/office/drawing/2014/main" id="{77E9418B-02E0-A84F-0101-72D377359329}"/>
+                <a16:creationId xmlns:a16="http://schemas.microsoft.com/office/drawing/2014/main" id="{F6896238-C5B3-4F3C-97FA-890E1A51A203}"/>
               </a:ext>
             </a:extLst>
           </p:cNvPr>
@@ -2834,8 +5919,8 @@
         </p:nvSpPr>
         <p:spPr>
           <a:xfrm>
-            <a:off x="838200" y="1825625"/>
-            <a:ext cx="10515600" cy="4351338"/>
+            <a:off x="762000" y="2286000"/>
+            <a:ext cx="10668000" cy="3818083"/>
           </a:xfrm>
           <a:prstGeom prst="rect">
             <a:avLst/>
@@ -2849,38 +5934,38 @@
           <a:p>
             <a:pPr lvl="0"/>
             <a:r>
-              <a:rPr lang="en-GB"/>
+              <a:rPr lang="en-US"/>
               <a:t>Click to edit Master text styles</a:t>
             </a:r>
           </a:p>
           <a:p>
             <a:pPr lvl="1"/>
             <a:r>
-              <a:rPr lang="en-GB"/>
+              <a:rPr lang="en-US"/>
               <a:t>Second level</a:t>
             </a:r>
           </a:p>
           <a:p>
             <a:pPr lvl="2"/>
             <a:r>
-              <a:rPr lang="en-GB"/>
+              <a:rPr lang="en-US"/>
               <a:t>Third level</a:t>
             </a:r>
           </a:p>
           <a:p>
             <a:pPr lvl="3"/>
             <a:r>
-              <a:rPr lang="en-GB"/>
+              <a:rPr lang="en-US"/>
               <a:t>Fourth level</a:t>
             </a:r>
           </a:p>
           <a:p>
             <a:pPr lvl="4"/>
             <a:r>
-              <a:rPr lang="en-GB"/>
+              <a:rPr lang="en-US"/>
               <a:t>Fifth level</a:t>
             </a:r>
-            <a:endParaRPr lang="en-NL"/>
+            <a:endParaRPr lang="en-US" dirty="0"/>
           </a:p>
         </p:txBody>
       </p:sp>
@@ -2889,7 +5974,7 @@
           <p:cNvPr id="4" name="Date Placeholder 3">
             <a:extLst>
               <a:ext uri="{FF2B5EF4-FFF2-40B4-BE49-F238E27FC236}">
-                <a16:creationId xmlns:a16="http://schemas.microsoft.com/office/drawing/2014/main" id="{A33DC372-3227-6741-83BC-1347A714C3A9}"/>
+                <a16:creationId xmlns:a16="http://schemas.microsoft.com/office/drawing/2014/main" id="{1D6E4474-0442-4E4B-9E5B-CA7B3951C1DA}"/>
               </a:ext>
             </a:extLst>
           </p:cNvPr>
@@ -2902,8 +5987,57 @@
         </p:nvSpPr>
         <p:spPr>
           <a:xfrm>
-            <a:off x="838200" y="6356350"/>
-            <a:ext cx="2743200" cy="365125"/>
+            <a:off x="9389165" y="194320"/>
+            <a:ext cx="2040835" cy="365125"/>
+          </a:xfrm>
+          <a:prstGeom prst="rect">
+            <a:avLst/>
+          </a:prstGeom>
+        </p:spPr>
+        <p:txBody>
+          <a:bodyPr vert="horz" lIns="91440" tIns="45720" rIns="91440" bIns="45720" rtlCol="0" anchor="ctr"/>
+          <a:lstStyle>
+            <a:lvl1pPr algn="r">
+              <a:defRPr sz="1200">
+                <a:solidFill>
+                  <a:schemeClr val="tx1">
+                    <a:tint val="75000"/>
+                    <a:alpha val="70000"/>
+                  </a:schemeClr>
+                </a:solidFill>
+              </a:defRPr>
+            </a:lvl1pPr>
+          </a:lstStyle>
+          <a:p>
+            <a:fld id="{76969C88-B244-455D-A017-012B25B1ACDD}" type="datetimeFigureOut">
+              <a:rPr lang="en-US" smtClean="0"/>
+              <a:pPr/>
+              <a:t>12/3/24</a:t>
+            </a:fld>
+            <a:endParaRPr lang="en-US"/>
+          </a:p>
+        </p:txBody>
+      </p:sp>
+      <p:sp>
+        <p:nvSpPr>
+          <p:cNvPr id="5" name="Footer Placeholder 4">
+            <a:extLst>
+              <a:ext uri="{FF2B5EF4-FFF2-40B4-BE49-F238E27FC236}">
+                <a16:creationId xmlns:a16="http://schemas.microsoft.com/office/drawing/2014/main" id="{E0626A98-F887-40E1-B9BA-9D93DE90E022}"/>
+              </a:ext>
+            </a:extLst>
+          </p:cNvPr>
+          <p:cNvSpPr>
+            <a:spLocks noGrp="1"/>
+          </p:cNvSpPr>
+          <p:nvPr>
+            <p:ph type="ftr" sz="quarter" idx="3"/>
+          </p:nvPr>
+        </p:nvSpPr>
+        <p:spPr>
+          <a:xfrm>
+            <a:off x="761999" y="6356350"/>
+            <a:ext cx="6612835" cy="365125"/>
           </a:xfrm>
           <a:prstGeom prst="rect">
             <a:avLst/>
@@ -2916,27 +6050,24 @@
               <a:defRPr sz="1200">
                 <a:solidFill>
                   <a:schemeClr val="tx1">
-                    <a:tint val="82000"/>
+                    <a:tint val="75000"/>
+                    <a:alpha val="70000"/>
                   </a:schemeClr>
                 </a:solidFill>
               </a:defRPr>
             </a:lvl1pPr>
           </a:lstStyle>
           <a:p>
-            <a:fld id="{FC7524BA-EB6C-6746-AF77-D084354F33A1}" type="datetimeFigureOut">
-              <a:rPr lang="en-NL" smtClean="0"/>
-              <a:t>27/11/2024</a:t>
-            </a:fld>
-            <a:endParaRPr lang="en-NL"/>
-          </a:p>
-        </p:txBody>
-      </p:sp>
-      <p:sp>
-        <p:nvSpPr>
-          <p:cNvPr id="5" name="Footer Placeholder 4">
-            <a:extLst>
-              <a:ext uri="{FF2B5EF4-FFF2-40B4-BE49-F238E27FC236}">
-                <a16:creationId xmlns:a16="http://schemas.microsoft.com/office/drawing/2014/main" id="{0E5B6220-BCF0-2648-D8C1-9E371604BED4}"/>
+            <a:endParaRPr lang="en-US" dirty="0"/>
+          </a:p>
+        </p:txBody>
+      </p:sp>
+      <p:sp>
+        <p:nvSpPr>
+          <p:cNvPr id="6" name="Slide Number Placeholder 5">
+            <a:extLst>
+              <a:ext uri="{FF2B5EF4-FFF2-40B4-BE49-F238E27FC236}">
+                <a16:creationId xmlns:a16="http://schemas.microsoft.com/office/drawing/2014/main" id="{482C8119-73F6-4713-9AD3-3628DCDFB8F2}"/>
               </a:ext>
             </a:extLst>
           </p:cNvPr>
@@ -2944,56 +6075,13 @@
             <a:spLocks noGrp="1"/>
           </p:cNvSpPr>
           <p:nvPr>
-            <p:ph type="ftr" sz="quarter" idx="3"/>
+            <p:ph type="sldNum" sz="quarter" idx="4"/>
           </p:nvPr>
         </p:nvSpPr>
         <p:spPr>
           <a:xfrm>
-            <a:off x="4038600" y="6356350"/>
-            <a:ext cx="4114800" cy="365125"/>
-          </a:xfrm>
-          <a:prstGeom prst="rect">
-            <a:avLst/>
-          </a:prstGeom>
-        </p:spPr>
-        <p:txBody>
-          <a:bodyPr vert="horz" lIns="91440" tIns="45720" rIns="91440" bIns="45720" rtlCol="0" anchor="ctr"/>
-          <a:lstStyle>
-            <a:lvl1pPr algn="ctr">
-              <a:defRPr sz="1200">
-                <a:solidFill>
-                  <a:schemeClr val="tx1">
-                    <a:tint val="82000"/>
-                  </a:schemeClr>
-                </a:solidFill>
-              </a:defRPr>
-            </a:lvl1pPr>
-          </a:lstStyle>
-          <a:p>
-            <a:endParaRPr lang="en-NL"/>
-          </a:p>
-        </p:txBody>
-      </p:sp>
-      <p:sp>
-        <p:nvSpPr>
-          <p:cNvPr id="6" name="Slide Number Placeholder 5">
-            <a:extLst>
-              <a:ext uri="{FF2B5EF4-FFF2-40B4-BE49-F238E27FC236}">
-                <a16:creationId xmlns:a16="http://schemas.microsoft.com/office/drawing/2014/main" id="{46C27B1C-AF20-2424-0101-9F37EF095C80}"/>
-              </a:ext>
-            </a:extLst>
-          </p:cNvPr>
-          <p:cNvSpPr>
-            <a:spLocks noGrp="1"/>
-          </p:cNvSpPr>
-          <p:nvPr>
-            <p:ph type="sldNum" sz="quarter" idx="4"/>
-          </p:nvPr>
-        </p:nvSpPr>
-        <p:spPr>
-          <a:xfrm>
-            <a:off x="8610600" y="6356350"/>
-            <a:ext cx="2743200" cy="365125"/>
+            <a:off x="9906000" y="6356350"/>
+            <a:ext cx="1524000" cy="365125"/>
           </a:xfrm>
           <a:prstGeom prst="rect">
             <a:avLst/>
@@ -3006,41 +6094,43 @@
               <a:defRPr sz="1200">
                 <a:solidFill>
                   <a:schemeClr val="tx1">
-                    <a:tint val="82000"/>
+                    <a:tint val="75000"/>
+                    <a:alpha val="70000"/>
                   </a:schemeClr>
                 </a:solidFill>
               </a:defRPr>
             </a:lvl1pPr>
           </a:lstStyle>
           <a:p>
-            <a:fld id="{2D8C4996-1EDD-144C-814B-F9E9493B2CD7}" type="slidenum">
-              <a:rPr lang="en-NL" smtClean="0"/>
+            <a:fld id="{07CE569E-9B7C-4CB9-AB80-C0841F922CFF}" type="slidenum">
+              <a:rPr lang="en-US" smtClean="0"/>
+              <a:pPr/>
               <a:t>‹#›</a:t>
             </a:fld>
-            <a:endParaRPr lang="en-NL"/>
+            <a:endParaRPr lang="en-US"/>
           </a:p>
         </p:txBody>
       </p:sp>
     </p:spTree>
     <p:extLst>
       <p:ext uri="{BB962C8B-B14F-4D97-AF65-F5344CB8AC3E}">
-        <p14:creationId xmlns:p14="http://schemas.microsoft.com/office/powerpoint/2010/main" val="3210478945"/>
+        <p14:creationId xmlns:p14="http://schemas.microsoft.com/office/powerpoint/2010/main" val="2485914241"/>
       </p:ext>
     </p:extLst>
   </p:cSld>
-  <p:clrMap bg1="lt1" tx1="dk1" bg2="lt2" tx2="dk2" accent1="accent1" accent2="accent2" accent3="accent3" accent4="accent4" accent5="accent5" accent6="accent6" hlink="hlink" folHlink="folHlink"/>
+  <p:clrMap bg1="dk1" tx1="lt1" bg2="dk2" tx2="lt2" accent1="accent1" accent2="accent2" accent3="accent3" accent4="accent4" accent5="accent5" accent6="accent6" hlink="hlink" folHlink="folHlink"/>
   <p:sldLayoutIdLst>
-    <p:sldLayoutId id="2147483649" r:id="rId1"/>
-    <p:sldLayoutId id="2147483650" r:id="rId2"/>
-    <p:sldLayoutId id="2147483651" r:id="rId3"/>
-    <p:sldLayoutId id="2147483652" r:id="rId4"/>
-    <p:sldLayoutId id="2147483653" r:id="rId5"/>
-    <p:sldLayoutId id="2147483654" r:id="rId6"/>
-    <p:sldLayoutId id="2147483655" r:id="rId7"/>
-    <p:sldLayoutId id="2147483656" r:id="rId8"/>
-    <p:sldLayoutId id="2147483657" r:id="rId9"/>
-    <p:sldLayoutId id="2147483658" r:id="rId10"/>
-    <p:sldLayoutId id="2147483659" r:id="rId11"/>
+    <p:sldLayoutId id="2147483714" r:id="rId1"/>
+    <p:sldLayoutId id="2147483715" r:id="rId2"/>
+    <p:sldLayoutId id="2147483716" r:id="rId3"/>
+    <p:sldLayoutId id="2147483717" r:id="rId4"/>
+    <p:sldLayoutId id="2147483718" r:id="rId5"/>
+    <p:sldLayoutId id="2147483724" r:id="rId6"/>
+    <p:sldLayoutId id="2147483719" r:id="rId7"/>
+    <p:sldLayoutId id="2147483720" r:id="rId8"/>
+    <p:sldLayoutId id="2147483721" r:id="rId9"/>
+    <p:sldLayoutId id="2147483723" r:id="rId10"/>
+    <p:sldLayoutId id="2147483722" r:id="rId11"/>
   </p:sldLayoutIdLst>
   <p:txStyles>
     <p:titleStyle>
@@ -3065,7 +6155,7 @@
     <p:bodyStyle>
       <a:lvl1pPr marL="228600" indent="-228600" algn="l" defTabSz="914400" rtl="0" eaLnBrk="1" latinLnBrk="0" hangingPunct="1">
         <a:lnSpc>
-          <a:spcPct val="90000"/>
+          <a:spcPct val="125000"/>
         </a:lnSpc>
         <a:spcBef>
           <a:spcPts val="1000"/>
@@ -3074,7 +6164,9 @@
         <a:buChar char="•"/>
         <a:defRPr sz="2800" kern="1200">
           <a:solidFill>
-            <a:schemeClr val="tx1"/>
+            <a:schemeClr val="tx1">
+              <a:alpha val="70000"/>
+            </a:schemeClr>
           </a:solidFill>
           <a:latin typeface="+mn-lt"/>
           <a:ea typeface="+mn-ea"/>
@@ -3083,7 +6175,7 @@
       </a:lvl1pPr>
       <a:lvl2pPr marL="685800" indent="-228600" algn="l" defTabSz="914400" rtl="0" eaLnBrk="1" latinLnBrk="0" hangingPunct="1">
         <a:lnSpc>
-          <a:spcPct val="90000"/>
+          <a:spcPct val="125000"/>
         </a:lnSpc>
         <a:spcBef>
           <a:spcPts val="500"/>
@@ -3092,7 +6184,9 @@
         <a:buChar char="•"/>
         <a:defRPr sz="2400" kern="1200">
           <a:solidFill>
-            <a:schemeClr val="tx1"/>
+            <a:schemeClr val="tx1">
+              <a:alpha val="70000"/>
+            </a:schemeClr>
           </a:solidFill>
           <a:latin typeface="+mn-lt"/>
           <a:ea typeface="+mn-ea"/>
@@ -3101,7 +6195,7 @@
       </a:lvl2pPr>
       <a:lvl3pPr marL="1143000" indent="-228600" algn="l" defTabSz="914400" rtl="0" eaLnBrk="1" latinLnBrk="0" hangingPunct="1">
         <a:lnSpc>
-          <a:spcPct val="90000"/>
+          <a:spcPct val="125000"/>
         </a:lnSpc>
         <a:spcBef>
           <a:spcPts val="500"/>
@@ -3110,7 +6204,9 @@
         <a:buChar char="•"/>
         <a:defRPr sz="2000" kern="1200">
           <a:solidFill>
-            <a:schemeClr val="tx1"/>
+            <a:schemeClr val="tx1">
+              <a:alpha val="70000"/>
+            </a:schemeClr>
           </a:solidFill>
           <a:latin typeface="+mn-lt"/>
           <a:ea typeface="+mn-ea"/>
@@ -3119,7 +6215,7 @@
       </a:lvl3pPr>
       <a:lvl4pPr marL="1600200" indent="-228600" algn="l" defTabSz="914400" rtl="0" eaLnBrk="1" latinLnBrk="0" hangingPunct="1">
         <a:lnSpc>
-          <a:spcPct val="90000"/>
+          <a:spcPct val="125000"/>
         </a:lnSpc>
         <a:spcBef>
           <a:spcPts val="500"/>
@@ -3128,7 +6224,9 @@
         <a:buChar char="•"/>
         <a:defRPr sz="1800" kern="1200">
           <a:solidFill>
-            <a:schemeClr val="tx1"/>
+            <a:schemeClr val="tx1">
+              <a:alpha val="70000"/>
+            </a:schemeClr>
           </a:solidFill>
           <a:latin typeface="+mn-lt"/>
           <a:ea typeface="+mn-ea"/>
@@ -3137,7 +6235,7 @@
       </a:lvl4pPr>
       <a:lvl5pPr marL="2057400" indent="-228600" algn="l" defTabSz="914400" rtl="0" eaLnBrk="1" latinLnBrk="0" hangingPunct="1">
         <a:lnSpc>
-          <a:spcPct val="90000"/>
+          <a:spcPct val="125000"/>
         </a:lnSpc>
         <a:spcBef>
           <a:spcPts val="500"/>
@@ -3146,7 +6244,9 @@
         <a:buChar char="•"/>
         <a:defRPr sz="1800" kern="1200">
           <a:solidFill>
-            <a:schemeClr val="tx1"/>
+            <a:schemeClr val="tx1">
+              <a:alpha val="70000"/>
+            </a:schemeClr>
           </a:solidFill>
           <a:latin typeface="+mn-lt"/>
           <a:ea typeface="+mn-ea"/>
@@ -3228,7 +6328,7 @@
     </p:bodyStyle>
     <p:otherStyle>
       <a:defPPr>
-        <a:defRPr lang="en-NL"/>
+        <a:defRPr lang="en-US"/>
       </a:defPPr>
       <a:lvl1pPr marL="0" algn="l" defTabSz="914400" rtl="0" eaLnBrk="1" latinLnBrk="0" hangingPunct="1">
         <a:defRPr sz="1800" kern="1200">
@@ -3328,6 +6428,14 @@
 <file path=ppt/slides/slide1.xml><?xml version="1.0" encoding="utf-8"?>
 <p:sld xmlns:a="http://schemas.openxmlformats.org/drawingml/2006/main" xmlns:r="http://schemas.openxmlformats.org/officeDocument/2006/relationships" xmlns:p="http://schemas.openxmlformats.org/presentationml/2006/main">
   <p:cSld>
+    <p:bg>
+      <p:bgPr>
+        <a:solidFill>
+          <a:schemeClr val="bg2"/>
+        </a:solidFill>
+        <a:effectLst/>
+      </p:bgPr>
+    </p:bg>
     <p:spTree>
       <p:nvGrpSpPr>
         <p:cNvPr id="1" name=""/>
@@ -3342,6 +6450,81 @@
           <a:chExt cx="0" cy="0"/>
         </a:xfrm>
       </p:grpSpPr>
+      <p:sp useBgFill="1">
+        <p:nvSpPr>
+          <p:cNvPr id="18" name="Rectangle 17">
+            <a:extLst>
+              <a:ext uri="{FF2B5EF4-FFF2-40B4-BE49-F238E27FC236}">
+                <a16:creationId xmlns:a16="http://schemas.microsoft.com/office/drawing/2014/main" id="{7A18C9FB-EC4C-4DAE-8F7D-C6E5AF607958}"/>
+              </a:ext>
+              <a:ext uri="{C183D7F6-B498-43B3-948B-1728B52AA6E4}">
+                <adec:decorative xmlns:adec="http://schemas.microsoft.com/office/drawing/2017/decorative" val="1"/>
+              </a:ext>
+            </a:extLst>
+          </p:cNvPr>
+          <p:cNvSpPr>
+            <a:spLocks noGrp="1" noRot="1" noChangeAspect="1" noMove="1" noResize="1" noEditPoints="1" noAdjustHandles="1" noChangeArrowheads="1" noChangeShapeType="1" noTextEdit="1"/>
+          </p:cNvSpPr>
+          <p:nvPr>
+            <p:extLst>
+              <p:ext uri="{386F3935-93C4-4BCD-93E2-E3B085C9AB24}">
+                <p16:designElem xmlns:p16="http://schemas.microsoft.com/office/powerpoint/2015/main" val="1"/>
+              </p:ext>
+            </p:extLst>
+          </p:nvPr>
+        </p:nvSpPr>
+        <p:spPr>
+          <a:xfrm>
+            <a:off x="0" y="0"/>
+            <a:ext cx="12192000" cy="6858000"/>
+          </a:xfrm>
+          <a:prstGeom prst="rect">
+            <a:avLst/>
+          </a:prstGeom>
+          <a:ln w="12700" cap="flat" cmpd="sng" algn="ctr">
+            <a:noFill/>
+            <a:prstDash val="solid"/>
+            <a:miter lim="800000"/>
+          </a:ln>
+          <a:effectLst/>
+          <a:extLst>
+            <a:ext uri="{91240B29-F687-4F45-9708-019B960494DF}">
+              <a14:hiddenLine xmlns:a14="http://schemas.microsoft.com/office/drawing/2010/main" w="12700" cap="flat" cmpd="sng" algn="ctr">
+                <a:solidFill>
+                  <a:schemeClr val="accent1">
+                    <a:shade val="50000"/>
+                  </a:schemeClr>
+                </a:solidFill>
+                <a:prstDash val="solid"/>
+                <a:miter lim="800000"/>
+              </a14:hiddenLine>
+            </a:ext>
+          </a:extLst>
+        </p:spPr>
+        <p:style>
+          <a:lnRef idx="2">
+            <a:schemeClr val="accent1">
+              <a:shade val="50000"/>
+            </a:schemeClr>
+          </a:lnRef>
+          <a:fillRef idx="1">
+            <a:schemeClr val="accent1"/>
+          </a:fillRef>
+          <a:effectRef idx="0">
+            <a:schemeClr val="accent1"/>
+          </a:effectRef>
+          <a:fontRef idx="minor">
+            <a:schemeClr val="lt1"/>
+          </a:fontRef>
+        </p:style>
+        <p:txBody>
+          <a:bodyPr rtlCol="0" anchor="ctr"/>
+          <a:lstStyle/>
+          <a:p>
+            <a:endParaRPr lang="en-US" dirty="0"/>
+          </a:p>
+        </p:txBody>
+      </p:sp>
       <p:sp>
         <p:nvSpPr>
           <p:cNvPr id="2" name="Title 1">
@@ -3358,14 +6541,22 @@
             <p:ph type="ctrTitle"/>
           </p:nvPr>
         </p:nvSpPr>
-        <p:spPr/>
-        <p:txBody>
-          <a:bodyPr/>
+        <p:spPr>
+          <a:xfrm>
+            <a:off x="6096000" y="753765"/>
+            <a:ext cx="5334000" cy="3056233"/>
+          </a:xfrm>
+        </p:spPr>
+        <p:txBody>
+          <a:bodyPr>
+            <a:normAutofit/>
+          </a:bodyPr>
           <a:lstStyle/>
           <a:p>
+            <a:pPr algn="l"/>
             <a:r>
-              <a:rPr lang="en-NL" dirty="0"/>
-              <a:t>The Movie Analysis	</a:t>
+              <a:rPr lang="en-NL" sz="4400" dirty="0"/>
+              <a:t>Understanding movie industry trends using IMDB	</a:t>
             </a:r>
           </a:p>
         </p:txBody>
@@ -3386,15 +6577,282 @@
             <p:ph type="subTitle" idx="1"/>
           </p:nvPr>
         </p:nvSpPr>
-        <p:spPr/>
-        <p:txBody>
-          <a:bodyPr/>
+        <p:spPr>
+          <a:xfrm>
+            <a:off x="6857999" y="4571999"/>
+            <a:ext cx="4571999" cy="1524000"/>
+          </a:xfrm>
+        </p:spPr>
+        <p:txBody>
+          <a:bodyPr>
+            <a:normAutofit/>
+          </a:bodyPr>
           <a:lstStyle/>
           <a:p>
+            <a:pPr algn="l"/>
             <a:r>
               <a:rPr lang="en-NL"/>
               <a:t>By Ryan Healy</a:t>
             </a:r>
+          </a:p>
+        </p:txBody>
+      </p:sp>
+      <p:pic>
+        <p:nvPicPr>
+          <p:cNvPr id="4" name="Picture 3" descr="A close-up of a blue and purple dotted background&#10;&#10;Description automatically generated">
+            <a:extLst>
+              <a:ext uri="{FF2B5EF4-FFF2-40B4-BE49-F238E27FC236}">
+                <a16:creationId xmlns:a16="http://schemas.microsoft.com/office/drawing/2014/main" id="{0A4463A7-3A57-705F-2037-69E70F230903}"/>
+              </a:ext>
+            </a:extLst>
+          </p:cNvPr>
+          <p:cNvPicPr>
+            <a:picLocks noChangeAspect="1"/>
+          </p:cNvPicPr>
+          <p:nvPr/>
+        </p:nvPicPr>
+        <p:blipFill>
+          <a:blip r:embed="rId2"/>
+          <a:srcRect l="30592" r="-1" b="-1"/>
+          <a:stretch/>
+        </p:blipFill>
+        <p:spPr>
+          <a:xfrm>
+            <a:off x="2" y="10"/>
+            <a:ext cx="5578823" cy="6028246"/>
+          </a:xfrm>
+          <a:custGeom>
+            <a:avLst/>
+            <a:gdLst/>
+            <a:ahLst/>
+            <a:cxnLst/>
+            <a:rect l="l" t="t" r="r" b="b"/>
+            <a:pathLst>
+              <a:path w="5578823" h="6028256">
+                <a:moveTo>
+                  <a:pt x="0" y="0"/>
+                </a:moveTo>
+                <a:lnTo>
+                  <a:pt x="3897606" y="0"/>
+                </a:lnTo>
+                <a:lnTo>
+                  <a:pt x="4274232" y="360545"/>
+                </a:lnTo>
+                <a:cubicBezTo>
+                  <a:pt x="4408856" y="488910"/>
+                  <a:pt x="4542134" y="615181"/>
+                  <a:pt x="4673934" y="738354"/>
+                </a:cubicBezTo>
+                <a:cubicBezTo>
+                  <a:pt x="5042663" y="1082881"/>
+                  <a:pt x="5282330" y="1428108"/>
+                  <a:pt x="5421862" y="1773839"/>
+                </a:cubicBezTo>
+                <a:cubicBezTo>
+                  <a:pt x="5631101" y="2292214"/>
+                  <a:pt x="5614731" y="2811325"/>
+                  <a:pt x="5469198" y="3329255"/>
+                </a:cubicBezTo>
+                <a:cubicBezTo>
+                  <a:pt x="5323662" y="3847185"/>
+                  <a:pt x="5048962" y="4363935"/>
+                  <a:pt x="4741546" y="4877588"/>
+                </a:cubicBezTo>
+                <a:cubicBezTo>
+                  <a:pt x="4027238" y="6071494"/>
+                  <a:pt x="2764972" y="6102970"/>
+                  <a:pt x="1325600" y="5980388"/>
+                </a:cubicBezTo>
+                <a:cubicBezTo>
+                  <a:pt x="903947" y="5944442"/>
+                  <a:pt x="499735" y="5907589"/>
+                  <a:pt x="137593" y="5804042"/>
+                </a:cubicBezTo>
+                <a:lnTo>
+                  <a:pt x="0" y="5760161"/>
+                </a:lnTo>
+                <a:close/>
+              </a:path>
+            </a:pathLst>
+          </a:custGeom>
+        </p:spPr>
+      </p:pic>
+      <p:sp>
+        <p:nvSpPr>
+          <p:cNvPr id="20" name="Freeform: Shape 19">
+            <a:extLst>
+              <a:ext uri="{FF2B5EF4-FFF2-40B4-BE49-F238E27FC236}">
+                <a16:creationId xmlns:a16="http://schemas.microsoft.com/office/drawing/2014/main" id="{B47A9921-6509-49C2-BEBF-924F28066091}"/>
+              </a:ext>
+              <a:ext uri="{C183D7F6-B498-43B3-948B-1728B52AA6E4}">
+                <adec:decorative xmlns:adec="http://schemas.microsoft.com/office/drawing/2017/decorative" val="1"/>
+              </a:ext>
+            </a:extLst>
+          </p:cNvPr>
+          <p:cNvSpPr>
+            <a:spLocks noGrp="1" noRot="1" noChangeAspect="1" noMove="1" noResize="1" noEditPoints="1" noAdjustHandles="1" noChangeArrowheads="1" noChangeShapeType="1" noTextEdit="1"/>
+          </p:cNvSpPr>
+          <p:nvPr>
+            <p:extLst>
+              <p:ext uri="{386F3935-93C4-4BCD-93E2-E3B085C9AB24}">
+                <p16:designElem xmlns:p16="http://schemas.microsoft.com/office/powerpoint/2015/main" val="1"/>
+              </p:ext>
+            </p:extLst>
+          </p:nvPr>
+        </p:nvSpPr>
+        <p:spPr>
+          <a:xfrm>
+            <a:off x="-1" y="0"/>
+            <a:ext cx="5704117" cy="6096000"/>
+          </a:xfrm>
+          <a:custGeom>
+            <a:avLst/>
+            <a:gdLst>
+              <a:gd name="connsiteX0" fmla="*/ 0 w 5704117"/>
+              <a:gd name="connsiteY0" fmla="*/ 0 h 6096000"/>
+              <a:gd name="connsiteX1" fmla="*/ 4562795 w 5704117"/>
+              <a:gd name="connsiteY1" fmla="*/ 0 h 6096000"/>
+              <a:gd name="connsiteX2" fmla="*/ 4721192 w 5704117"/>
+              <a:gd name="connsiteY2" fmla="*/ 133595 h 6096000"/>
+              <a:gd name="connsiteX3" fmla="*/ 5467522 w 5704117"/>
+              <a:gd name="connsiteY3" fmla="*/ 1054328 h 6096000"/>
+              <a:gd name="connsiteX4" fmla="*/ 5538873 w 5704117"/>
+              <a:gd name="connsiteY4" fmla="*/ 2897564 h 6096000"/>
+              <a:gd name="connsiteX5" fmla="*/ 4442050 w 5704117"/>
+              <a:gd name="connsiteY5" fmla="*/ 4732407 h 6096000"/>
+              <a:gd name="connsiteX6" fmla="*/ 93046 w 5704117"/>
+              <a:gd name="connsiteY6" fmla="*/ 6082857 h 6096000"/>
+              <a:gd name="connsiteX7" fmla="*/ 0 w 5704117"/>
+              <a:gd name="connsiteY7" fmla="*/ 6078450 h 6096000"/>
+              <a:gd name="connsiteX0" fmla="*/ 4562795 w 5704117"/>
+              <a:gd name="connsiteY0" fmla="*/ 0 h 6096000"/>
+              <a:gd name="connsiteX1" fmla="*/ 4721192 w 5704117"/>
+              <a:gd name="connsiteY1" fmla="*/ 133595 h 6096000"/>
+              <a:gd name="connsiteX2" fmla="*/ 5467522 w 5704117"/>
+              <a:gd name="connsiteY2" fmla="*/ 1054328 h 6096000"/>
+              <a:gd name="connsiteX3" fmla="*/ 5538873 w 5704117"/>
+              <a:gd name="connsiteY3" fmla="*/ 2897564 h 6096000"/>
+              <a:gd name="connsiteX4" fmla="*/ 4442050 w 5704117"/>
+              <a:gd name="connsiteY4" fmla="*/ 4732407 h 6096000"/>
+              <a:gd name="connsiteX5" fmla="*/ 93046 w 5704117"/>
+              <a:gd name="connsiteY5" fmla="*/ 6082857 h 6096000"/>
+              <a:gd name="connsiteX6" fmla="*/ 0 w 5704117"/>
+              <a:gd name="connsiteY6" fmla="*/ 6078450 h 6096000"/>
+              <a:gd name="connsiteX7" fmla="*/ 91440 w 5704117"/>
+              <a:gd name="connsiteY7" fmla="*/ 91440 h 6096000"/>
+              <a:gd name="connsiteX0" fmla="*/ 4562795 w 5704117"/>
+              <a:gd name="connsiteY0" fmla="*/ 0 h 6096000"/>
+              <a:gd name="connsiteX1" fmla="*/ 4721192 w 5704117"/>
+              <a:gd name="connsiteY1" fmla="*/ 133595 h 6096000"/>
+              <a:gd name="connsiteX2" fmla="*/ 5467522 w 5704117"/>
+              <a:gd name="connsiteY2" fmla="*/ 1054328 h 6096000"/>
+              <a:gd name="connsiteX3" fmla="*/ 5538873 w 5704117"/>
+              <a:gd name="connsiteY3" fmla="*/ 2897564 h 6096000"/>
+              <a:gd name="connsiteX4" fmla="*/ 4442050 w 5704117"/>
+              <a:gd name="connsiteY4" fmla="*/ 4732407 h 6096000"/>
+              <a:gd name="connsiteX5" fmla="*/ 93046 w 5704117"/>
+              <a:gd name="connsiteY5" fmla="*/ 6082857 h 6096000"/>
+              <a:gd name="connsiteX6" fmla="*/ 0 w 5704117"/>
+              <a:gd name="connsiteY6" fmla="*/ 6078450 h 6096000"/>
+            </a:gdLst>
+            <a:ahLst/>
+            <a:cxnLst>
+              <a:cxn ang="0">
+                <a:pos x="connsiteX0" y="connsiteY0"/>
+              </a:cxn>
+              <a:cxn ang="0">
+                <a:pos x="connsiteX1" y="connsiteY1"/>
+              </a:cxn>
+              <a:cxn ang="0">
+                <a:pos x="connsiteX2" y="connsiteY2"/>
+              </a:cxn>
+              <a:cxn ang="0">
+                <a:pos x="connsiteX3" y="connsiteY3"/>
+              </a:cxn>
+              <a:cxn ang="0">
+                <a:pos x="connsiteX4" y="connsiteY4"/>
+              </a:cxn>
+              <a:cxn ang="0">
+                <a:pos x="connsiteX5" y="connsiteY5"/>
+              </a:cxn>
+              <a:cxn ang="0">
+                <a:pos x="connsiteX6" y="connsiteY6"/>
+              </a:cxn>
+            </a:cxnLst>
+            <a:rect l="l" t="t" r="r" b="b"/>
+            <a:pathLst>
+              <a:path w="5704117" h="6096000">
+                <a:moveTo>
+                  <a:pt x="4562795" y="0"/>
+                </a:moveTo>
+                <a:lnTo>
+                  <a:pt x="4721192" y="133595"/>
+                </a:lnTo>
+                <a:cubicBezTo>
+                  <a:pt x="5067135" y="440105"/>
+                  <a:pt x="5309779" y="747048"/>
+                  <a:pt x="5467522" y="1054328"/>
+                </a:cubicBezTo>
+                <a:cubicBezTo>
+                  <a:pt x="5782917" y="1668625"/>
+                  <a:pt x="5758242" y="2283795"/>
+                  <a:pt x="5538873" y="2897564"/>
+                </a:cubicBezTo>
+                <a:cubicBezTo>
+                  <a:pt x="5319500" y="3511334"/>
+                  <a:pt x="4905433" y="4123706"/>
+                  <a:pt x="4442050" y="4732407"/>
+                </a:cubicBezTo>
+                <a:cubicBezTo>
+                  <a:pt x="3499930" y="5970384"/>
+                  <a:pt x="1925433" y="6153690"/>
+                  <a:pt x="93046" y="6082857"/>
+                </a:cubicBezTo>
+                <a:lnTo>
+                  <a:pt x="0" y="6078450"/>
+                </a:lnTo>
+              </a:path>
+            </a:pathLst>
+          </a:custGeom>
+          <a:noFill/>
+          <a:ln w="19050">
+            <a:solidFill>
+              <a:schemeClr val="accent2">
+                <a:lumMod val="60000"/>
+                <a:lumOff val="40000"/>
+              </a:schemeClr>
+            </a:solidFill>
+          </a:ln>
+        </p:spPr>
+        <p:style>
+          <a:lnRef idx="2">
+            <a:schemeClr val="accent1">
+              <a:shade val="50000"/>
+            </a:schemeClr>
+          </a:lnRef>
+          <a:fillRef idx="1">
+            <a:schemeClr val="accent1"/>
+          </a:fillRef>
+          <a:effectRef idx="0">
+            <a:schemeClr val="accent1"/>
+          </a:effectRef>
+          <a:fontRef idx="minor">
+            <a:schemeClr val="lt1"/>
+          </a:fontRef>
+        </p:style>
+        <p:txBody>
+          <a:bodyPr wrap="square" rtlCol="0" anchor="ctr">
+            <a:noAutofit/>
+          </a:bodyPr>
+          <a:lstStyle/>
+          <a:p>
+            <a:pPr algn="ctr"/>
+            <a:endParaRPr lang="en-US">
+              <a:solidFill>
+                <a:prstClr val="white"/>
+              </a:solidFill>
+              <a:latin typeface="Avenir Next LT Pro Light"/>
+            </a:endParaRPr>
           </a:p>
         </p:txBody>
       </p:sp>
@@ -3411,151 +6869,615 @@
 </p:sld>
 </file>
 
+<file path=ppt/slides/slide2.xml><?xml version="1.0" encoding="utf-8"?>
+<p:sld xmlns:a="http://schemas.openxmlformats.org/drawingml/2006/main" xmlns:r="http://schemas.openxmlformats.org/officeDocument/2006/relationships" xmlns:p="http://schemas.openxmlformats.org/presentationml/2006/main">
+  <p:cSld>
+    <p:spTree>
+      <p:nvGrpSpPr>
+        <p:cNvPr id="1" name=""/>
+        <p:cNvGrpSpPr/>
+        <p:nvPr/>
+      </p:nvGrpSpPr>
+      <p:grpSpPr>
+        <a:xfrm>
+          <a:off x="0" y="0"/>
+          <a:ext cx="0" cy="0"/>
+          <a:chOff x="0" y="0"/>
+          <a:chExt cx="0" cy="0"/>
+        </a:xfrm>
+      </p:grpSpPr>
+      <p:sp>
+        <p:nvSpPr>
+          <p:cNvPr id="2" name="Title 1">
+            <a:extLst>
+              <a:ext uri="{FF2B5EF4-FFF2-40B4-BE49-F238E27FC236}">
+                <a16:creationId xmlns:a16="http://schemas.microsoft.com/office/drawing/2014/main" id="{A5C733AC-03D6-8363-9D91-FC3368C31932}"/>
+              </a:ext>
+            </a:extLst>
+          </p:cNvPr>
+          <p:cNvSpPr>
+            <a:spLocks noGrp="1"/>
+          </p:cNvSpPr>
+          <p:nvPr>
+            <p:ph type="title"/>
+          </p:nvPr>
+        </p:nvSpPr>
+        <p:spPr/>
+        <p:txBody>
+          <a:bodyPr/>
+          <a:lstStyle/>
+          <a:p>
+            <a:r>
+              <a:rPr lang="en-NL" dirty="0"/>
+              <a:t>Objective</a:t>
+            </a:r>
+          </a:p>
+        </p:txBody>
+      </p:sp>
+      <p:graphicFrame>
+        <p:nvGraphicFramePr>
+          <p:cNvPr id="5" name="Content Placeholder 2">
+            <a:extLst>
+              <a:ext uri="{FF2B5EF4-FFF2-40B4-BE49-F238E27FC236}">
+                <a16:creationId xmlns:a16="http://schemas.microsoft.com/office/drawing/2014/main" id="{E68A32F1-3B88-4399-E01F-1A395079D91B}"/>
+              </a:ext>
+            </a:extLst>
+          </p:cNvPr>
+          <p:cNvGraphicFramePr>
+            <a:graphicFrameLocks noGrp="1"/>
+          </p:cNvGraphicFramePr>
+          <p:nvPr>
+            <p:ph idx="1"/>
+            <p:extLst>
+              <p:ext uri="{D42A27DB-BD31-4B8C-83A1-F6EECF244321}">
+                <p14:modId xmlns:p14="http://schemas.microsoft.com/office/powerpoint/2010/main" val="1264926106"/>
+              </p:ext>
+            </p:extLst>
+          </p:nvPr>
+        </p:nvGraphicFramePr>
+        <p:xfrm>
+          <a:off x="762000" y="2286000"/>
+          <a:ext cx="10668000" cy="3818083"/>
+        </p:xfrm>
+        <a:graphic>
+          <a:graphicData uri="http://schemas.openxmlformats.org/drawingml/2006/diagram">
+            <dgm:relIds xmlns:dgm="http://schemas.openxmlformats.org/drawingml/2006/diagram" xmlns:r="http://schemas.openxmlformats.org/officeDocument/2006/relationships" r:dm="rId2" r:lo="rId3" r:qs="rId4" r:cs="rId5"/>
+          </a:graphicData>
+        </a:graphic>
+      </p:graphicFrame>
+    </p:spTree>
+    <p:extLst>
+      <p:ext uri="{BB962C8B-B14F-4D97-AF65-F5344CB8AC3E}">
+        <p14:creationId xmlns:p14="http://schemas.microsoft.com/office/powerpoint/2010/main" val="1306173008"/>
+      </p:ext>
+    </p:extLst>
+  </p:cSld>
+  <p:clrMapOvr>
+    <a:masterClrMapping/>
+  </p:clrMapOvr>
+</p:sld>
+</file>
+
+<file path=ppt/slides/slide3.xml><?xml version="1.0" encoding="utf-8"?>
+<p:sld xmlns:a="http://schemas.openxmlformats.org/drawingml/2006/main" xmlns:r="http://schemas.openxmlformats.org/officeDocument/2006/relationships" xmlns:p="http://schemas.openxmlformats.org/presentationml/2006/main">
+  <p:cSld>
+    <p:spTree>
+      <p:nvGrpSpPr>
+        <p:cNvPr id="1" name=""/>
+        <p:cNvGrpSpPr/>
+        <p:nvPr/>
+      </p:nvGrpSpPr>
+      <p:grpSpPr>
+        <a:xfrm>
+          <a:off x="0" y="0"/>
+          <a:ext cx="0" cy="0"/>
+          <a:chOff x="0" y="0"/>
+          <a:chExt cx="0" cy="0"/>
+        </a:xfrm>
+      </p:grpSpPr>
+      <p:sp>
+        <p:nvSpPr>
+          <p:cNvPr id="2" name="Title 1">
+            <a:extLst>
+              <a:ext uri="{FF2B5EF4-FFF2-40B4-BE49-F238E27FC236}">
+                <a16:creationId xmlns:a16="http://schemas.microsoft.com/office/drawing/2014/main" id="{09BFCC12-3447-76AA-4EE8-78A62B87B879}"/>
+              </a:ext>
+            </a:extLst>
+          </p:cNvPr>
+          <p:cNvSpPr>
+            <a:spLocks noGrp="1"/>
+          </p:cNvSpPr>
+          <p:nvPr>
+            <p:ph type="title"/>
+          </p:nvPr>
+        </p:nvSpPr>
+        <p:spPr/>
+        <p:txBody>
+          <a:bodyPr/>
+          <a:lstStyle/>
+          <a:p>
+            <a:r>
+              <a:rPr lang="en-NL" dirty="0"/>
+              <a:t>Notes on the Data</a:t>
+            </a:r>
+          </a:p>
+        </p:txBody>
+      </p:sp>
+      <p:sp>
+        <p:nvSpPr>
+          <p:cNvPr id="3" name="Content Placeholder 2">
+            <a:extLst>
+              <a:ext uri="{FF2B5EF4-FFF2-40B4-BE49-F238E27FC236}">
+                <a16:creationId xmlns:a16="http://schemas.microsoft.com/office/drawing/2014/main" id="{12D4D4E9-506A-4BE4-40CD-06D811B5C164}"/>
+              </a:ext>
+            </a:extLst>
+          </p:cNvPr>
+          <p:cNvSpPr>
+            <a:spLocks noGrp="1"/>
+          </p:cNvSpPr>
+          <p:nvPr>
+            <p:ph idx="1"/>
+          </p:nvPr>
+        </p:nvSpPr>
+        <p:spPr/>
+        <p:txBody>
+          <a:bodyPr/>
+          <a:lstStyle/>
+          <a:p>
+            <a:r>
+              <a:rPr lang="en-NL" dirty="0"/>
+              <a:t>IMDB also contains TV shows which for this analysis are left out</a:t>
+            </a:r>
+          </a:p>
+          <a:p>
+            <a:endParaRPr lang="en-NL" dirty="0"/>
+          </a:p>
+        </p:txBody>
+      </p:sp>
+    </p:spTree>
+    <p:extLst>
+      <p:ext uri="{BB962C8B-B14F-4D97-AF65-F5344CB8AC3E}">
+        <p14:creationId xmlns:p14="http://schemas.microsoft.com/office/powerpoint/2010/main" val="3066826785"/>
+      </p:ext>
+    </p:extLst>
+  </p:cSld>
+  <p:clrMapOvr>
+    <a:masterClrMapping/>
+  </p:clrMapOvr>
+</p:sld>
+</file>
+
+<file path=ppt/slides/slide4.xml><?xml version="1.0" encoding="utf-8"?>
+<p:sld xmlns:a="http://schemas.openxmlformats.org/drawingml/2006/main" xmlns:r="http://schemas.openxmlformats.org/officeDocument/2006/relationships" xmlns:p="http://schemas.openxmlformats.org/presentationml/2006/main">
+  <p:cSld>
+    <p:spTree>
+      <p:nvGrpSpPr>
+        <p:cNvPr id="1" name=""/>
+        <p:cNvGrpSpPr/>
+        <p:nvPr/>
+      </p:nvGrpSpPr>
+      <p:grpSpPr>
+        <a:xfrm>
+          <a:off x="0" y="0"/>
+          <a:ext cx="0" cy="0"/>
+          <a:chOff x="0" y="0"/>
+          <a:chExt cx="0" cy="0"/>
+        </a:xfrm>
+      </p:grpSpPr>
+      <p:sp>
+        <p:nvSpPr>
+          <p:cNvPr id="2" name="Title 1">
+            <a:extLst>
+              <a:ext uri="{FF2B5EF4-FFF2-40B4-BE49-F238E27FC236}">
+                <a16:creationId xmlns:a16="http://schemas.microsoft.com/office/drawing/2014/main" id="{CFFC15C2-9A3A-8A65-CAB6-BB3CAB92B6D7}"/>
+              </a:ext>
+            </a:extLst>
+          </p:cNvPr>
+          <p:cNvSpPr>
+            <a:spLocks noGrp="1"/>
+          </p:cNvSpPr>
+          <p:nvPr>
+            <p:ph type="title"/>
+          </p:nvPr>
+        </p:nvSpPr>
+        <p:spPr/>
+        <p:txBody>
+          <a:bodyPr/>
+          <a:lstStyle/>
+          <a:p>
+            <a:r>
+              <a:rPr lang="en-NL" dirty="0"/>
+              <a:t>Scale of the Problem</a:t>
+            </a:r>
+          </a:p>
+        </p:txBody>
+      </p:sp>
+      <p:pic>
+        <p:nvPicPr>
+          <p:cNvPr id="6" name="Content Placeholder 5">
+            <a:extLst>
+              <a:ext uri="{FF2B5EF4-FFF2-40B4-BE49-F238E27FC236}">
+                <a16:creationId xmlns:a16="http://schemas.microsoft.com/office/drawing/2014/main" id="{FDAA1CAF-F231-18F0-F314-4410079BDAAF}"/>
+              </a:ext>
+            </a:extLst>
+          </p:cNvPr>
+          <p:cNvPicPr>
+            <a:picLocks noGrp="1" noChangeAspect="1"/>
+          </p:cNvPicPr>
+          <p:nvPr>
+            <p:ph sz="half" idx="1"/>
+          </p:nvPr>
+        </p:nvPicPr>
+        <p:blipFill>
+          <a:blip r:embed="rId2"/>
+          <a:stretch>
+            <a:fillRect/>
+          </a:stretch>
+        </p:blipFill>
+        <p:spPr>
+          <a:xfrm>
+            <a:off x="762000" y="2481069"/>
+            <a:ext cx="5151438" cy="3419862"/>
+          </a:xfrm>
+          <a:prstGeom prst="rect">
+            <a:avLst/>
+          </a:prstGeom>
+        </p:spPr>
+      </p:pic>
+      <p:pic>
+        <p:nvPicPr>
+          <p:cNvPr id="11" name="Content Placeholder 10">
+            <a:extLst>
+              <a:ext uri="{FF2B5EF4-FFF2-40B4-BE49-F238E27FC236}">
+                <a16:creationId xmlns:a16="http://schemas.microsoft.com/office/drawing/2014/main" id="{7F5433D8-E047-99C5-4A29-26CB6573F293}"/>
+              </a:ext>
+            </a:extLst>
+          </p:cNvPr>
+          <p:cNvPicPr>
+            <a:picLocks noGrp="1" noChangeAspect="1"/>
+          </p:cNvPicPr>
+          <p:nvPr>
+            <p:ph sz="half" idx="2"/>
+          </p:nvPr>
+        </p:nvPicPr>
+        <p:blipFill>
+          <a:blip r:embed="rId3"/>
+          <a:stretch>
+            <a:fillRect/>
+          </a:stretch>
+        </p:blipFill>
+        <p:spPr>
+          <a:xfrm>
+            <a:off x="6278563" y="2481069"/>
+            <a:ext cx="5151437" cy="3419861"/>
+          </a:xfrm>
+          <a:prstGeom prst="rect">
+            <a:avLst/>
+          </a:prstGeom>
+        </p:spPr>
+      </p:pic>
+    </p:spTree>
+    <p:extLst>
+      <p:ext uri="{BB962C8B-B14F-4D97-AF65-F5344CB8AC3E}">
+        <p14:creationId xmlns:p14="http://schemas.microsoft.com/office/powerpoint/2010/main" val="4253534903"/>
+      </p:ext>
+    </p:extLst>
+  </p:cSld>
+  <p:clrMapOvr>
+    <a:masterClrMapping/>
+  </p:clrMapOvr>
+</p:sld>
+</file>
+
+<file path=ppt/slides/slide5.xml><?xml version="1.0" encoding="utf-8"?>
+<p:sld xmlns:a="http://schemas.openxmlformats.org/drawingml/2006/main" xmlns:r="http://schemas.openxmlformats.org/officeDocument/2006/relationships" xmlns:p="http://schemas.openxmlformats.org/presentationml/2006/main">
+  <p:cSld>
+    <p:spTree>
+      <p:nvGrpSpPr>
+        <p:cNvPr id="1" name=""/>
+        <p:cNvGrpSpPr/>
+        <p:nvPr/>
+      </p:nvGrpSpPr>
+      <p:grpSpPr>
+        <a:xfrm>
+          <a:off x="0" y="0"/>
+          <a:ext cx="0" cy="0"/>
+          <a:chOff x="0" y="0"/>
+          <a:chExt cx="0" cy="0"/>
+        </a:xfrm>
+      </p:grpSpPr>
+      <p:sp>
+        <p:nvSpPr>
+          <p:cNvPr id="2" name="Title 1">
+            <a:extLst>
+              <a:ext uri="{FF2B5EF4-FFF2-40B4-BE49-F238E27FC236}">
+                <a16:creationId xmlns:a16="http://schemas.microsoft.com/office/drawing/2014/main" id="{F26C4FAC-0649-899B-D399-76A375BA9854}"/>
+              </a:ext>
+            </a:extLst>
+          </p:cNvPr>
+          <p:cNvSpPr>
+            <a:spLocks noGrp="1"/>
+          </p:cNvSpPr>
+          <p:nvPr>
+            <p:ph type="title"/>
+          </p:nvPr>
+        </p:nvSpPr>
+        <p:spPr>
+          <a:xfrm>
+            <a:off x="762000" y="242455"/>
+            <a:ext cx="10668000" cy="1524000"/>
+          </a:xfrm>
+        </p:spPr>
+        <p:txBody>
+          <a:bodyPr/>
+          <a:lstStyle/>
+          <a:p>
+            <a:r>
+              <a:rPr lang="en-NL" dirty="0"/>
+              <a:t>Franchises can’t save us</a:t>
+            </a:r>
+          </a:p>
+        </p:txBody>
+      </p:sp>
+      <p:pic>
+        <p:nvPicPr>
+          <p:cNvPr id="4" name="Content Placeholder 3">
+            <a:extLst>
+              <a:ext uri="{FF2B5EF4-FFF2-40B4-BE49-F238E27FC236}">
+                <a16:creationId xmlns:a16="http://schemas.microsoft.com/office/drawing/2014/main" id="{D5E870F3-E4E0-100F-353B-5C9AF4AFA9D2}"/>
+              </a:ext>
+            </a:extLst>
+          </p:cNvPr>
+          <p:cNvPicPr>
+            <a:picLocks noGrp="1" noChangeAspect="1"/>
+          </p:cNvPicPr>
+          <p:nvPr>
+            <p:ph idx="1"/>
+          </p:nvPr>
+        </p:nvPicPr>
+        <p:blipFill>
+          <a:blip r:embed="rId2"/>
+          <a:stretch>
+            <a:fillRect/>
+          </a:stretch>
+        </p:blipFill>
+        <p:spPr>
+          <a:xfrm>
+            <a:off x="1096320" y="1766455"/>
+            <a:ext cx="4999680" cy="3817938"/>
+          </a:xfrm>
+          <a:prstGeom prst="rect">
+            <a:avLst/>
+          </a:prstGeom>
+        </p:spPr>
+      </p:pic>
+    </p:spTree>
+    <p:extLst>
+      <p:ext uri="{BB962C8B-B14F-4D97-AF65-F5344CB8AC3E}">
+        <p14:creationId xmlns:p14="http://schemas.microsoft.com/office/powerpoint/2010/main" val="4083954774"/>
+      </p:ext>
+    </p:extLst>
+  </p:cSld>
+  <p:clrMapOvr>
+    <a:masterClrMapping/>
+  </p:clrMapOvr>
+</p:sld>
+</file>
+
+<file path=ppt/slides/slide6.xml><?xml version="1.0" encoding="utf-8"?>
+<p:sld xmlns:a="http://schemas.openxmlformats.org/drawingml/2006/main" xmlns:r="http://schemas.openxmlformats.org/officeDocument/2006/relationships" xmlns:p="http://schemas.openxmlformats.org/presentationml/2006/main">
+  <p:cSld>
+    <p:spTree>
+      <p:nvGrpSpPr>
+        <p:cNvPr id="1" name=""/>
+        <p:cNvGrpSpPr/>
+        <p:nvPr/>
+      </p:nvGrpSpPr>
+      <p:grpSpPr>
+        <a:xfrm>
+          <a:off x="0" y="0"/>
+          <a:ext cx="0" cy="0"/>
+          <a:chOff x="0" y="0"/>
+          <a:chExt cx="0" cy="0"/>
+        </a:xfrm>
+      </p:grpSpPr>
+      <p:sp>
+        <p:nvSpPr>
+          <p:cNvPr id="2" name="Title 1">
+            <a:extLst>
+              <a:ext uri="{FF2B5EF4-FFF2-40B4-BE49-F238E27FC236}">
+                <a16:creationId xmlns:a16="http://schemas.microsoft.com/office/drawing/2014/main" id="{E3E68DA9-F622-D3F8-19AC-0F5E8209BCFB}"/>
+              </a:ext>
+            </a:extLst>
+          </p:cNvPr>
+          <p:cNvSpPr>
+            <a:spLocks noGrp="1"/>
+          </p:cNvSpPr>
+          <p:nvPr>
+            <p:ph type="title"/>
+          </p:nvPr>
+        </p:nvSpPr>
+        <p:spPr/>
+        <p:txBody>
+          <a:bodyPr/>
+          <a:lstStyle/>
+          <a:p>
+            <a:r>
+              <a:rPr lang="en-NL" dirty="0"/>
+              <a:t>What goes into a Breakout Hit</a:t>
+            </a:r>
+          </a:p>
+        </p:txBody>
+      </p:sp>
+      <p:sp>
+        <p:nvSpPr>
+          <p:cNvPr id="3" name="Content Placeholder 2">
+            <a:extLst>
+              <a:ext uri="{FF2B5EF4-FFF2-40B4-BE49-F238E27FC236}">
+                <a16:creationId xmlns:a16="http://schemas.microsoft.com/office/drawing/2014/main" id="{4319A452-B414-AE5C-27CE-F3CD57B28AF8}"/>
+              </a:ext>
+            </a:extLst>
+          </p:cNvPr>
+          <p:cNvSpPr>
+            <a:spLocks noGrp="1"/>
+          </p:cNvSpPr>
+          <p:nvPr>
+            <p:ph idx="1"/>
+          </p:nvPr>
+        </p:nvSpPr>
+        <p:spPr/>
+        <p:txBody>
+          <a:bodyPr/>
+          <a:lstStyle/>
+          <a:p>
+            <a:endParaRPr lang="en-NL" dirty="0"/>
+          </a:p>
+        </p:txBody>
+      </p:sp>
+    </p:spTree>
+    <p:extLst>
+      <p:ext uri="{BB962C8B-B14F-4D97-AF65-F5344CB8AC3E}">
+        <p14:creationId xmlns:p14="http://schemas.microsoft.com/office/powerpoint/2010/main" val="1809359629"/>
+      </p:ext>
+    </p:extLst>
+  </p:cSld>
+  <p:clrMapOvr>
+    <a:masterClrMapping/>
+  </p:clrMapOvr>
+</p:sld>
+</file>
+
+<file path=ppt/slides/slide7.xml><?xml version="1.0" encoding="utf-8"?>
+<p:sld xmlns:a="http://schemas.openxmlformats.org/drawingml/2006/main" xmlns:r="http://schemas.openxmlformats.org/officeDocument/2006/relationships" xmlns:p="http://schemas.openxmlformats.org/presentationml/2006/main">
+  <p:cSld>
+    <p:spTree>
+      <p:nvGrpSpPr>
+        <p:cNvPr id="1" name=""/>
+        <p:cNvGrpSpPr/>
+        <p:nvPr/>
+      </p:nvGrpSpPr>
+      <p:grpSpPr>
+        <a:xfrm>
+          <a:off x="0" y="0"/>
+          <a:ext cx="0" cy="0"/>
+          <a:chOff x="0" y="0"/>
+          <a:chExt cx="0" cy="0"/>
+        </a:xfrm>
+      </p:grpSpPr>
+      <p:sp>
+        <p:nvSpPr>
+          <p:cNvPr id="2" name="Title 1">
+            <a:extLst>
+              <a:ext uri="{FF2B5EF4-FFF2-40B4-BE49-F238E27FC236}">
+                <a16:creationId xmlns:a16="http://schemas.microsoft.com/office/drawing/2014/main" id="{39126125-4A6D-ADBE-EEEF-F0FA61DA879D}"/>
+              </a:ext>
+            </a:extLst>
+          </p:cNvPr>
+          <p:cNvSpPr>
+            <a:spLocks noGrp="1"/>
+          </p:cNvSpPr>
+          <p:nvPr>
+            <p:ph type="ctrTitle"/>
+          </p:nvPr>
+        </p:nvSpPr>
+        <p:spPr/>
+        <p:txBody>
+          <a:bodyPr/>
+          <a:lstStyle/>
+          <a:p>
+            <a:endParaRPr lang="en-NL"/>
+          </a:p>
+        </p:txBody>
+      </p:sp>
+      <p:sp>
+        <p:nvSpPr>
+          <p:cNvPr id="3" name="Subtitle 2">
+            <a:extLst>
+              <a:ext uri="{FF2B5EF4-FFF2-40B4-BE49-F238E27FC236}">
+                <a16:creationId xmlns:a16="http://schemas.microsoft.com/office/drawing/2014/main" id="{86DD2DFF-A305-3564-8C99-6EF7EBAE1074}"/>
+              </a:ext>
+            </a:extLst>
+          </p:cNvPr>
+          <p:cNvSpPr>
+            <a:spLocks noGrp="1"/>
+          </p:cNvSpPr>
+          <p:nvPr>
+            <p:ph type="subTitle" idx="1"/>
+          </p:nvPr>
+        </p:nvSpPr>
+        <p:spPr/>
+        <p:txBody>
+          <a:bodyPr/>
+          <a:lstStyle/>
+          <a:p>
+            <a:endParaRPr lang="en-NL"/>
+          </a:p>
+        </p:txBody>
+      </p:sp>
+    </p:spTree>
+    <p:extLst>
+      <p:ext uri="{BB962C8B-B14F-4D97-AF65-F5344CB8AC3E}">
+        <p14:creationId xmlns:p14="http://schemas.microsoft.com/office/powerpoint/2010/main" val="631787159"/>
+      </p:ext>
+    </p:extLst>
+  </p:cSld>
+  <p:clrMapOvr>
+    <a:masterClrMapping/>
+  </p:clrMapOvr>
+</p:sld>
+</file>
+
 <file path=ppt/theme/theme1.xml><?xml version="1.0" encoding="utf-8"?>
-<a:theme xmlns:a="http://schemas.openxmlformats.org/drawingml/2006/main" name="Office Theme">
+<a:theme xmlns:a="http://schemas.openxmlformats.org/drawingml/2006/main" name="PebbleVTI">
   <a:themeElements>
-    <a:clrScheme name="Office">
+    <a:clrScheme name="AnalogousFromLightSeedRightStep">
       <a:dk1>
-        <a:sysClr val="windowText" lastClr="000000"/>
+        <a:srgbClr val="000000"/>
       </a:dk1>
       <a:lt1>
-        <a:sysClr val="window" lastClr="FFFFFF"/>
+        <a:srgbClr val="FFFFFF"/>
       </a:lt1>
       <a:dk2>
-        <a:srgbClr val="0E2841"/>
+        <a:srgbClr val="243941"/>
       </a:dk2>
       <a:lt2>
-        <a:srgbClr val="E8E8E8"/>
+        <a:srgbClr val="E8E4E2"/>
       </a:lt2>
       <a:accent1>
-        <a:srgbClr val="156082"/>
+        <a:srgbClr val="23ADDF"/>
       </a:accent1>
       <a:accent2>
-        <a:srgbClr val="E97132"/>
+        <a:srgbClr val="4E80EB"/>
       </a:accent2>
       <a:accent3>
-        <a:srgbClr val="196B24"/>
+        <a:srgbClr val="7B6EEE"/>
       </a:accent3>
       <a:accent4>
-        <a:srgbClr val="0F9ED5"/>
+        <a:srgbClr val="9F4EEB"/>
       </a:accent4>
       <a:accent5>
-        <a:srgbClr val="A02B93"/>
+        <a:srgbClr val="E66EEE"/>
       </a:accent5>
       <a:accent6>
-        <a:srgbClr val="4EA72E"/>
+        <a:srgbClr val="EB4EB4"/>
       </a:accent6>
       <a:hlink>
-        <a:srgbClr val="467886"/>
+        <a:srgbClr val="AA7562"/>
       </a:hlink>
       <a:folHlink>
-        <a:srgbClr val="96607D"/>
+        <a:srgbClr val="7F7F7F"/>
       </a:folHlink>
     </a:clrScheme>
-    <a:fontScheme name="Office">
+    <a:fontScheme name="Custom 4">
       <a:majorFont>
-        <a:latin typeface="Aptos Display" panose="02110004020202020204"/>
+        <a:latin typeface="Sitka Subheading"/>
         <a:ea typeface=""/>
         <a:cs typeface=""/>
-        <a:font script="Jpan" typeface="游ゴシック Light"/>
-        <a:font script="Hang" typeface="맑은 고딕"/>
-        <a:font script="Hans" typeface="等线 Light"/>
-        <a:font script="Hant" typeface="新細明體"/>
-        <a:font script="Arab" typeface="Times New Roman"/>
-        <a:font script="Hebr" typeface="Times New Roman"/>
-        <a:font script="Thai" typeface="Angsana New"/>
-        <a:font script="Ethi" typeface="Nyala"/>
-        <a:font script="Beng" typeface="Vrinda"/>
-        <a:font script="Gujr" typeface="Shruti"/>
-        <a:font script="Khmr" typeface="MoolBoran"/>
-        <a:font script="Knda" typeface="Tunga"/>
-        <a:font script="Guru" typeface="Raavi"/>
-        <a:font script="Cans" typeface="Euphemia"/>
-        <a:font script="Cher" typeface="Plantagenet Cherokee"/>
-        <a:font script="Yiii" typeface="Microsoft Yi Baiti"/>
-        <a:font script="Tibt" typeface="Microsoft Himalaya"/>
-        <a:font script="Thaa" typeface="MV Boli"/>
-        <a:font script="Deva" typeface="Mangal"/>
-        <a:font script="Telu" typeface="Gautami"/>
-        <a:font script="Taml" typeface="Latha"/>
-        <a:font script="Syrc" typeface="Estrangelo Edessa"/>
-        <a:font script="Orya" typeface="Kalinga"/>
-        <a:font script="Mlym" typeface="Kartika"/>
-        <a:font script="Laoo" typeface="DokChampa"/>
-        <a:font script="Sinh" typeface="Iskoola Pota"/>
-        <a:font script="Mong" typeface="Mongolian Baiti"/>
-        <a:font script="Viet" typeface="Times New Roman"/>
-        <a:font script="Uigh" typeface="Microsoft Uighur"/>
-        <a:font script="Geor" typeface="Sylfaen"/>
-        <a:font script="Armn" typeface="Arial"/>
-        <a:font script="Bugi" typeface="Leelawadee UI"/>
-        <a:font script="Bopo" typeface="Microsoft JhengHei"/>
-        <a:font script="Java" typeface="Javanese Text"/>
-        <a:font script="Lisu" typeface="Segoe UI"/>
-        <a:font script="Mymr" typeface="Myanmar Text"/>
-        <a:font script="Nkoo" typeface="Ebrima"/>
-        <a:font script="Olck" typeface="Nirmala UI"/>
-        <a:font script="Osma" typeface="Ebrima"/>
-        <a:font script="Phag" typeface="Phagspa"/>
-        <a:font script="Syrn" typeface="Estrangelo Edessa"/>
-        <a:font script="Syrj" typeface="Estrangelo Edessa"/>
-        <a:font script="Syre" typeface="Estrangelo Edessa"/>
-        <a:font script="Sora" typeface="Nirmala UI"/>
-        <a:font script="Tale" typeface="Microsoft Tai Le"/>
-        <a:font script="Talu" typeface="Microsoft New Tai Lue"/>
-        <a:font script="Tfng" typeface="Ebrima"/>
       </a:majorFont>
       <a:minorFont>
-        <a:latin typeface="Aptos" panose="02110004020202020204"/>
+        <a:latin typeface="Avenir Next LT Pro"/>
         <a:ea typeface=""/>
         <a:cs typeface=""/>
-        <a:font script="Jpan" typeface="游ゴシック"/>
-        <a:font script="Hang" typeface="맑은 고딕"/>
-        <a:font script="Hans" typeface="等线"/>
-        <a:font script="Hant" typeface="新細明體"/>
-        <a:font script="Arab" typeface="Arial"/>
-        <a:font script="Hebr" typeface="Arial"/>
-        <a:font script="Thai" typeface="Cordia New"/>
-        <a:font script="Ethi" typeface="Nyala"/>
-        <a:font script="Beng" typeface="Vrinda"/>
-        <a:font script="Gujr" typeface="Shruti"/>
-        <a:font script="Khmr" typeface="DaunPenh"/>
-        <a:font script="Knda" typeface="Tunga"/>
-        <a:font script="Guru" typeface="Raavi"/>
-        <a:font script="Cans" typeface="Euphemia"/>
-        <a:font script="Cher" typeface="Plantagenet Cherokee"/>
-        <a:font script="Yiii" typeface="Microsoft Yi Baiti"/>
-        <a:font script="Tibt" typeface="Microsoft Himalaya"/>
-        <a:font script="Thaa" typeface="MV Boli"/>
-        <a:font script="Deva" typeface="Mangal"/>
-        <a:font script="Telu" typeface="Gautami"/>
-        <a:font script="Taml" typeface="Latha"/>
-        <a:font script="Syrc" typeface="Estrangelo Edessa"/>
-        <a:font script="Orya" typeface="Kalinga"/>
-        <a:font script="Mlym" typeface="Kartika"/>
-        <a:font script="Laoo" typeface="DokChampa"/>
-        <a:font script="Sinh" typeface="Iskoola Pota"/>
-        <a:font script="Mong" typeface="Mongolian Baiti"/>
-        <a:font script="Viet" typeface="Arial"/>
-        <a:font script="Uigh" typeface="Microsoft Uighur"/>
-        <a:font script="Geor" typeface="Sylfaen"/>
-        <a:font script="Armn" typeface="Arial"/>
-        <a:font script="Bugi" typeface="Leelawadee UI"/>
-        <a:font script="Bopo" typeface="Microsoft JhengHei"/>
-        <a:font script="Java" typeface="Javanese Text"/>
-        <a:font script="Lisu" typeface="Segoe UI"/>
-        <a:font script="Mymr" typeface="Myanmar Text"/>
-        <a:font script="Nkoo" typeface="Ebrima"/>
-        <a:font script="Olck" typeface="Nirmala UI"/>
-        <a:font script="Osma" typeface="Ebrima"/>
-        <a:font script="Phag" typeface="Phagspa"/>
-        <a:font script="Syrn" typeface="Estrangelo Edessa"/>
-        <a:font script="Syrj" typeface="Estrangelo Edessa"/>
-        <a:font script="Syre" typeface="Estrangelo Edessa"/>
-        <a:font script="Sora" typeface="Nirmala UI"/>
-        <a:font script="Tale" typeface="Microsoft Tai Le"/>
-        <a:font script="Talu" typeface="Microsoft New Tai Lue"/>
-        <a:font script="Tfng" typeface="Ebrima"/>
       </a:minorFont>
     </a:fontScheme>
     <a:fmtScheme name="Office">
@@ -3617,6 +7539,13 @@
         </a:gradFill>
       </a:fillStyleLst>
       <a:lnStyleLst>
+        <a:ln w="6350" cap="flat" cmpd="sng" algn="ctr">
+          <a:solidFill>
+            <a:schemeClr val="phClr"/>
+          </a:solidFill>
+          <a:prstDash val="solid"/>
+          <a:miter lim="800000"/>
+        </a:ln>
         <a:ln w="12700" cap="flat" cmpd="sng" algn="ctr">
           <a:solidFill>
             <a:schemeClr val="phClr"/>
@@ -3625,13 +7554,6 @@
           <a:miter lim="800000"/>
         </a:ln>
         <a:ln w="19050" cap="flat" cmpd="sng" algn="ctr">
-          <a:solidFill>
-            <a:schemeClr val="phClr"/>
-          </a:solidFill>
-          <a:prstDash val="solid"/>
-          <a:miter lim="800000"/>
-        </a:ln>
-        <a:ln w="25400" cap="flat" cmpd="sng" algn="ctr">
           <a:solidFill>
             <a:schemeClr val="phClr"/>
           </a:solidFill>
@@ -3696,31 +7618,11 @@
       </a:bgFillStyleLst>
     </a:fmtScheme>
   </a:themeElements>
-  <a:objectDefaults>
-    <a:lnDef>
-      <a:spPr/>
-      <a:bodyPr/>
-      <a:lstStyle/>
-      <a:style>
-        <a:lnRef idx="2">
-          <a:schemeClr val="accent1"/>
-        </a:lnRef>
-        <a:fillRef idx="0">
-          <a:schemeClr val="accent1"/>
-        </a:fillRef>
-        <a:effectRef idx="1">
-          <a:schemeClr val="accent1"/>
-        </a:effectRef>
-        <a:fontRef idx="minor">
-          <a:schemeClr val="tx1"/>
-        </a:fontRef>
-      </a:style>
-    </a:lnDef>
-  </a:objectDefaults>
+  <a:objectDefaults/>
   <a:extraClrSchemeLst/>
   <a:extLst>
     <a:ext uri="{05A4C25C-085E-4340-85A3-A5531E510DB2}">
-      <thm15:themeFamily xmlns:thm15="http://schemas.microsoft.com/office/thememl/2012/main" name="Office Theme" id="{2E142A2C-CD16-42D6-873A-C26D2A0506FA}" vid="{1BDDFF52-6CD6-40A5-AB3C-68EB2F1E4D0A}"/>
+      <thm15:themeFamily xmlns:thm15="http://schemas.microsoft.com/office/thememl/2012/main" name="PebbleVTI" id="{8B4DB91D-6BB4-4BA3-973A-733D3AF2680E}" vid="{9A19CF0D-2077-4BF4-BAA5-86934C336D59}"/>
     </a:ext>
   </a:extLst>
 </a:theme>
